--- a/slides/nand2tetris/04.pptx
+++ b/slides/nand2tetris/04.pptx
@@ -222,7 +222,7 @@
           <a:p>
             <a:fld id="{9F60F8F7-347D-9144-AC7A-5D7B1B4E5859}" type="datetimeFigureOut">
               <a:rPr kumimoji="1" lang="ja-JP" altLang="en-US" smtClean="0"/>
-              <a:t>2019/9/19</a:t>
+              <a:t>2019/9/20</a:t>
             </a:fld>
             <a:endParaRPr kumimoji="1" lang="ja-JP" altLang="en-US"/>
           </a:p>
@@ -1243,7 +1243,7 @@
           <a:p>
             <a:fld id="{511BAE01-86CF-4C44-B079-596BC926057E}" type="datetime1">
               <a:rPr lang="ja-JP" altLang="en-US" smtClean="0"/>
-              <a:t>2019/9/19</a:t>
+              <a:t>2019/9/20</a:t>
             </a:fld>
             <a:endParaRPr lang="en-US" dirty="0"/>
           </a:p>
@@ -1490,7 +1490,7 @@
           <a:p>
             <a:fld id="{0DE52B83-8C4A-6948-A86B-EB10235B00AE}" type="datetime1">
               <a:rPr lang="ja-JP" altLang="en-US" smtClean="0"/>
-              <a:t>2019/9/19</a:t>
+              <a:t>2019/9/20</a:t>
             </a:fld>
             <a:endParaRPr lang="en-US" dirty="0"/>
           </a:p>
@@ -1800,7 +1800,7 @@
           <a:p>
             <a:fld id="{81D03D72-E2D3-9045-975A-6BA1CBD6ADCC}" type="datetime1">
               <a:rPr lang="ja-JP" altLang="en-US" smtClean="0"/>
-              <a:t>2019/9/19</a:t>
+              <a:t>2019/9/20</a:t>
             </a:fld>
             <a:endParaRPr lang="en-US" dirty="0"/>
           </a:p>
@@ -2137,7 +2137,7 @@
           <a:p>
             <a:fld id="{D97AE38A-AFD0-6F40-911D-84712C3D7447}" type="datetime1">
               <a:rPr lang="ja-JP" altLang="en-US" smtClean="0"/>
-              <a:t>2019/9/19</a:t>
+              <a:t>2019/9/20</a:t>
             </a:fld>
             <a:endParaRPr lang="en-US" dirty="0"/>
           </a:p>
@@ -2447,7 +2447,7 @@
           <a:p>
             <a:fld id="{698F22B7-A26F-8042-BFC9-6D2A60788F00}" type="datetime1">
               <a:rPr lang="ja-JP" altLang="en-US" smtClean="0"/>
-              <a:t>2019/9/19</a:t>
+              <a:t>2019/9/20</a:t>
             </a:fld>
             <a:endParaRPr lang="en-US" dirty="0"/>
           </a:p>
@@ -2836,7 +2836,7 @@
           <a:p>
             <a:fld id="{E0FFDCB6-8D20-7E49-B1A8-28B0BE049B58}" type="datetime1">
               <a:rPr lang="ja-JP" altLang="en-US" smtClean="0"/>
-              <a:t>2019/9/19</a:t>
+              <a:t>2019/9/20</a:t>
             </a:fld>
             <a:endParaRPr lang="en-US" dirty="0"/>
           </a:p>
@@ -3034,7 +3034,7 @@
           <a:p>
             <a:fld id="{CA0A514F-1DC9-BE4A-916D-377ED4901449}" type="datetime1">
               <a:rPr lang="ja-JP" altLang="en-US" smtClean="0"/>
-              <a:t>2019/9/19</a:t>
+              <a:t>2019/9/20</a:t>
             </a:fld>
             <a:endParaRPr lang="en-US" dirty="0"/>
           </a:p>
@@ -3241,7 +3241,7 @@
           <a:p>
             <a:fld id="{165F0C8B-92C2-B246-A5C0-4599BD4176C8}" type="datetime1">
               <a:rPr lang="ja-JP" altLang="en-US" smtClean="0"/>
-              <a:t>2019/9/19</a:t>
+              <a:t>2019/9/20</a:t>
             </a:fld>
             <a:endParaRPr lang="en-US" dirty="0"/>
           </a:p>
@@ -3445,7 +3445,7 @@
           <a:p>
             <a:fld id="{6AA6C934-D09A-0947-8CCA-962A61F6D5DB}" type="datetime1">
               <a:rPr lang="ja-JP" altLang="en-US" smtClean="0"/>
-              <a:t>2019/9/19</a:t>
+              <a:t>2019/9/20</a:t>
             </a:fld>
             <a:endParaRPr lang="en-US" dirty="0"/>
           </a:p>
@@ -3688,7 +3688,7 @@
           <a:p>
             <a:fld id="{E7904B20-9358-EF41-B916-B6D99801A03A}" type="datetime1">
               <a:rPr lang="ja-JP" altLang="en-US" smtClean="0"/>
-              <a:t>2019/9/19</a:t>
+              <a:t>2019/9/20</a:t>
             </a:fld>
             <a:endParaRPr lang="en-US" dirty="0"/>
           </a:p>
@@ -3980,7 +3980,7 @@
           <a:p>
             <a:fld id="{E985AD94-5FBC-CF4E-8890-CA6B69F6F163}" type="datetime1">
               <a:rPr lang="ja-JP" altLang="en-US" smtClean="0"/>
-              <a:t>2019/9/19</a:t>
+              <a:t>2019/9/20</a:t>
             </a:fld>
             <a:endParaRPr lang="en-US" dirty="0"/>
           </a:p>
@@ -4413,7 +4413,7 @@
           <a:p>
             <a:fld id="{56A18F7C-BFDF-3540-BD3D-298B474A4D8F}" type="datetime1">
               <a:rPr lang="ja-JP" altLang="en-US" smtClean="0"/>
-              <a:t>2019/9/19</a:t>
+              <a:t>2019/9/20</a:t>
             </a:fld>
             <a:endParaRPr lang="en-US" dirty="0"/>
           </a:p>
@@ -4532,7 +4532,7 @@
           <a:p>
             <a:fld id="{EA7FA433-AC53-964F-B4A7-CA7518DE8995}" type="datetime1">
               <a:rPr lang="ja-JP" altLang="en-US" smtClean="0"/>
-              <a:t>2019/9/19</a:t>
+              <a:t>2019/9/20</a:t>
             </a:fld>
             <a:endParaRPr lang="en-US" dirty="0"/>
           </a:p>
@@ -4623,7 +4623,7 @@
           <a:p>
             <a:fld id="{3932F906-9FE7-A145-9DB2-C7FCF25C0250}" type="datetime1">
               <a:rPr lang="ja-JP" altLang="en-US" smtClean="0"/>
-              <a:t>2019/9/19</a:t>
+              <a:t>2019/9/20</a:t>
             </a:fld>
             <a:endParaRPr lang="en-US" dirty="0"/>
           </a:p>
@@ -4906,7 +4906,7 @@
           <a:p>
             <a:fld id="{D43C782B-DB59-E44F-9666-EEA41BD1740F}" type="datetime1">
               <a:rPr lang="ja-JP" altLang="en-US" smtClean="0"/>
-              <a:t>2019/9/19</a:t>
+              <a:t>2019/9/20</a:t>
             </a:fld>
             <a:endParaRPr lang="en-US" dirty="0"/>
           </a:p>
@@ -5164,7 +5164,7 @@
           <a:p>
             <a:fld id="{6FE2686B-2AA1-9145-9EDC-2F7FCC05CA3F}" type="datetime1">
               <a:rPr lang="ja-JP" altLang="en-US" smtClean="0"/>
-              <a:t>2019/9/19</a:t>
+              <a:t>2019/9/20</a:t>
             </a:fld>
             <a:endParaRPr lang="en-US" dirty="0"/>
           </a:p>
@@ -5938,7 +5938,7 @@
           <a:p>
             <a:fld id="{1E76A17F-3773-FD40-8A23-2E59D5326D7B}" type="datetime1">
               <a:rPr lang="ja-JP" altLang="en-US" smtClean="0"/>
-              <a:t>2019/9/19</a:t>
+              <a:t>2019/9/20</a:t>
             </a:fld>
             <a:endParaRPr lang="en-US" dirty="0"/>
           </a:p>
@@ -6952,7 +6952,7 @@
           </a:fontRef>
         </p:style>
         <p:txBody>
-          <a:bodyPr rtlCol="0" anchor="ctr"/>
+          <a:bodyPr rtlCol="0" anchor="t"/>
           <a:lstStyle/>
           <a:p>
             <a:r>
@@ -7100,7 +7100,7 @@
           </a:fontRef>
         </p:style>
         <p:txBody>
-          <a:bodyPr rtlCol="0" anchor="ctr"/>
+          <a:bodyPr rtlCol="0" anchor="t"/>
           <a:lstStyle/>
           <a:p>
             <a:r>
@@ -9392,6 +9392,10 @@
             <a:endParaRPr lang="en-US" altLang="ja-JP" dirty="0"/>
           </a:p>
           <a:p>
+            <a:r>
+              <a:rPr lang="ja-JP" altLang="en-US"/>
+              <a:t>とりあえず、どんな計算ができて、どこに格納できて、どんな条件で移動できるかだけ見て</a:t>
+            </a:r>
             <a:endParaRPr lang="en-US" altLang="ja-JP" dirty="0"/>
           </a:p>
         </p:txBody>
@@ -9541,7 +9545,7 @@
         </p:blipFill>
         <p:spPr>
           <a:xfrm>
-            <a:off x="4121314" y="3058059"/>
+            <a:off x="4121314" y="3176931"/>
             <a:ext cx="3784274" cy="3204308"/>
           </a:xfrm>
           <a:prstGeom prst="rect">
@@ -9563,8 +9567,8 @@
         </p:nvSpPr>
         <p:spPr>
           <a:xfrm>
-            <a:off x="1298330" y="2375877"/>
-            <a:ext cx="2382715" cy="457200"/>
+            <a:off x="1298330" y="2280877"/>
+            <a:ext cx="2382715" cy="382059"/>
           </a:xfrm>
           <a:prstGeom prst="rect">
             <a:avLst/>
@@ -9653,7 +9657,7 @@
         </p:blipFill>
         <p:spPr>
           <a:xfrm>
-            <a:off x="355701" y="3260387"/>
+            <a:off x="355701" y="3379259"/>
             <a:ext cx="3758946" cy="1424062"/>
           </a:xfrm>
           <a:prstGeom prst="rect">
@@ -9683,7 +9687,7 @@
         </p:blipFill>
         <p:spPr>
           <a:xfrm>
-            <a:off x="7905588" y="3065879"/>
+            <a:off x="7905588" y="3203039"/>
             <a:ext cx="3993538" cy="1775753"/>
           </a:xfrm>
           <a:prstGeom prst="rect">
@@ -9691,6 +9695,214 @@
           </a:prstGeom>
         </p:spPr>
       </p:pic>
+      <p:sp>
+        <p:nvSpPr>
+          <p:cNvPr id="9" name="角丸四角形 8">
+            <a:extLst>
+              <a:ext uri="{FF2B5EF4-FFF2-40B4-BE49-F238E27FC236}">
+                <a16:creationId xmlns:a16="http://schemas.microsoft.com/office/drawing/2014/main" id="{EA6FFF54-05BF-6348-A73B-A8CAB0B4DCEC}"/>
+              </a:ext>
+            </a:extLst>
+          </p:cNvPr>
+          <p:cNvSpPr/>
+          <p:nvPr/>
+        </p:nvSpPr>
+        <p:spPr>
+          <a:xfrm>
+            <a:off x="1133855" y="3379259"/>
+            <a:ext cx="754321" cy="1424062"/>
+          </a:xfrm>
+          <a:prstGeom prst="roundRect">
+            <a:avLst/>
+          </a:prstGeom>
+          <a:noFill/>
+          <a:ln w="63500">
+            <a:solidFill>
+              <a:srgbClr val="FF0000"/>
+            </a:solidFill>
+          </a:ln>
+        </p:spPr>
+        <p:style>
+          <a:lnRef idx="2">
+            <a:schemeClr val="accent1">
+              <a:shade val="50000"/>
+            </a:schemeClr>
+          </a:lnRef>
+          <a:fillRef idx="1">
+            <a:schemeClr val="accent1"/>
+          </a:fillRef>
+          <a:effectRef idx="0">
+            <a:schemeClr val="accent1"/>
+          </a:effectRef>
+          <a:fontRef idx="minor">
+            <a:schemeClr val="lt1"/>
+          </a:fontRef>
+        </p:style>
+        <p:txBody>
+          <a:bodyPr rtlCol="0" anchor="ctr"/>
+          <a:lstStyle/>
+          <a:p>
+            <a:pPr algn="ctr"/>
+            <a:endParaRPr kumimoji="1" lang="ja-JP" altLang="en-US"/>
+          </a:p>
+        </p:txBody>
+      </p:sp>
+      <p:sp>
+        <p:nvSpPr>
+          <p:cNvPr id="15" name="角丸四角形 14">
+            <a:extLst>
+              <a:ext uri="{FF2B5EF4-FFF2-40B4-BE49-F238E27FC236}">
+                <a16:creationId xmlns:a16="http://schemas.microsoft.com/office/drawing/2014/main" id="{A46464DB-081D-3D4F-B4CD-B12B34DBD2E9}"/>
+              </a:ext>
+            </a:extLst>
+          </p:cNvPr>
+          <p:cNvSpPr/>
+          <p:nvPr/>
+        </p:nvSpPr>
+        <p:spPr>
+          <a:xfrm>
+            <a:off x="4579102" y="3162605"/>
+            <a:ext cx="544885" cy="3281431"/>
+          </a:xfrm>
+          <a:prstGeom prst="roundRect">
+            <a:avLst/>
+          </a:prstGeom>
+          <a:noFill/>
+          <a:ln w="63500">
+            <a:solidFill>
+              <a:srgbClr val="FF0000"/>
+            </a:solidFill>
+          </a:ln>
+        </p:spPr>
+        <p:style>
+          <a:lnRef idx="2">
+            <a:schemeClr val="accent1">
+              <a:shade val="50000"/>
+            </a:schemeClr>
+          </a:lnRef>
+          <a:fillRef idx="1">
+            <a:schemeClr val="accent1"/>
+          </a:fillRef>
+          <a:effectRef idx="0">
+            <a:schemeClr val="accent1"/>
+          </a:effectRef>
+          <a:fontRef idx="minor">
+            <a:schemeClr val="lt1"/>
+          </a:fontRef>
+        </p:style>
+        <p:txBody>
+          <a:bodyPr rtlCol="0" anchor="ctr"/>
+          <a:lstStyle/>
+          <a:p>
+            <a:pPr algn="ctr"/>
+            <a:endParaRPr kumimoji="1" lang="ja-JP" altLang="en-US"/>
+          </a:p>
+        </p:txBody>
+      </p:sp>
+      <p:sp>
+        <p:nvSpPr>
+          <p:cNvPr id="17" name="角丸四角形 16">
+            <a:extLst>
+              <a:ext uri="{FF2B5EF4-FFF2-40B4-BE49-F238E27FC236}">
+                <a16:creationId xmlns:a16="http://schemas.microsoft.com/office/drawing/2014/main" id="{A388B5DD-19F4-5142-AB8B-54ABA4FB9235}"/>
+              </a:ext>
+            </a:extLst>
+          </p:cNvPr>
+          <p:cNvSpPr/>
+          <p:nvPr/>
+        </p:nvSpPr>
+        <p:spPr>
+          <a:xfrm>
+            <a:off x="9954442" y="3216957"/>
+            <a:ext cx="1881857" cy="1775752"/>
+          </a:xfrm>
+          <a:prstGeom prst="roundRect">
+            <a:avLst/>
+          </a:prstGeom>
+          <a:noFill/>
+          <a:ln w="63500">
+            <a:solidFill>
+              <a:srgbClr val="FF0000"/>
+            </a:solidFill>
+          </a:ln>
+        </p:spPr>
+        <p:style>
+          <a:lnRef idx="2">
+            <a:schemeClr val="accent1">
+              <a:shade val="50000"/>
+            </a:schemeClr>
+          </a:lnRef>
+          <a:fillRef idx="1">
+            <a:schemeClr val="accent1"/>
+          </a:fillRef>
+          <a:effectRef idx="0">
+            <a:schemeClr val="accent1"/>
+          </a:effectRef>
+          <a:fontRef idx="minor">
+            <a:schemeClr val="lt1"/>
+          </a:fontRef>
+        </p:style>
+        <p:txBody>
+          <a:bodyPr rtlCol="0" anchor="ctr"/>
+          <a:lstStyle/>
+          <a:p>
+            <a:pPr algn="ctr"/>
+            <a:endParaRPr kumimoji="1" lang="ja-JP" altLang="en-US"/>
+          </a:p>
+        </p:txBody>
+      </p:sp>
+      <p:sp>
+        <p:nvSpPr>
+          <p:cNvPr id="19" name="角丸四角形 18">
+            <a:extLst>
+              <a:ext uri="{FF2B5EF4-FFF2-40B4-BE49-F238E27FC236}">
+                <a16:creationId xmlns:a16="http://schemas.microsoft.com/office/drawing/2014/main" id="{4CEE18DE-1C9A-484B-BB23-C7BAC5C63DD4}"/>
+              </a:ext>
+            </a:extLst>
+          </p:cNvPr>
+          <p:cNvSpPr/>
+          <p:nvPr/>
+        </p:nvSpPr>
+        <p:spPr>
+          <a:xfrm>
+            <a:off x="6928068" y="3176931"/>
+            <a:ext cx="544885" cy="3281431"/>
+          </a:xfrm>
+          <a:prstGeom prst="roundRect">
+            <a:avLst/>
+          </a:prstGeom>
+          <a:noFill/>
+          <a:ln w="63500">
+            <a:solidFill>
+              <a:srgbClr val="FF0000"/>
+            </a:solidFill>
+          </a:ln>
+        </p:spPr>
+        <p:style>
+          <a:lnRef idx="2">
+            <a:schemeClr val="accent1">
+              <a:shade val="50000"/>
+            </a:schemeClr>
+          </a:lnRef>
+          <a:fillRef idx="1">
+            <a:schemeClr val="accent1"/>
+          </a:fillRef>
+          <a:effectRef idx="0">
+            <a:schemeClr val="accent1"/>
+          </a:effectRef>
+          <a:fontRef idx="minor">
+            <a:schemeClr val="lt1"/>
+          </a:fontRef>
+        </p:style>
+        <p:txBody>
+          <a:bodyPr rtlCol="0" anchor="ctr"/>
+          <a:lstStyle/>
+          <a:p>
+            <a:pPr algn="ctr"/>
+            <a:endParaRPr kumimoji="1" lang="ja-JP" altLang="en-US"/>
+          </a:p>
+        </p:txBody>
+      </p:sp>
     </p:spTree>
     <p:extLst>
       <p:ext uri="{BB962C8B-B14F-4D97-AF65-F5344CB8AC3E}">
@@ -13738,7 +13950,7 @@
           <a:graphicData uri="http://schemas.openxmlformats.org/presentationml/2006/ole">
             <mc:AlternateContent xmlns:mc="http://schemas.openxmlformats.org/markup-compatibility/2006">
               <mc:Choice xmlns:v="urn:schemas-microsoft-com:vml" Requires="v">
-                <p:oleObj spid="_x0000_s2137" name="VISIO" r:id="rId3" imgW="6045200" imgH="5918200" progId="Visio.Drawing.6">
+                <p:oleObj spid="_x0000_s2149" name="VISIO" r:id="rId3" imgW="6045200" imgH="5918200" progId="Visio.Drawing.6">
                   <p:embed/>
                 </p:oleObj>
               </mc:Choice>
@@ -17929,7 +18141,7 @@
         <p:spPr>
           <a:xfrm>
             <a:off x="1321303" y="1683028"/>
-            <a:ext cx="3427979" cy="1564026"/>
+            <a:ext cx="4165097" cy="1564026"/>
           </a:xfrm>
           <a:prstGeom prst="rect">
             <a:avLst/>
@@ -18051,6 +18263,24 @@
               </a:rPr>
               <a:t>キーが入力されている場合</a:t>
             </a:r>
+            <a:r>
+              <a:rPr lang="en-US" altLang="ja-JP" sz="1200" dirty="0">
+                <a:solidFill>
+                  <a:schemeClr val="tx1"/>
+                </a:solidFill>
+                <a:latin typeface="Menlo" panose="020B0609030804020204" pitchFamily="49" charset="0"/>
+              </a:rPr>
+              <a:t> FOO </a:t>
+            </a:r>
+            <a:r>
+              <a:rPr lang="ja-JP" altLang="en-US" sz="1200">
+                <a:solidFill>
+                  <a:schemeClr val="tx1"/>
+                </a:solidFill>
+                <a:latin typeface="Menlo" panose="020B0609030804020204" pitchFamily="49" charset="0"/>
+              </a:rPr>
+              <a:t>へ</a:t>
+            </a:r>
           </a:p>
           <a:p>
             <a:r>
@@ -18098,7 +18328,25 @@
                 </a:solidFill>
                 <a:latin typeface="Menlo" panose="020B0609030804020204" pitchFamily="49" charset="0"/>
               </a:rPr>
-              <a:t>入力されていない場合</a:t>
+              <a:t>入力されていない場合 </a:t>
+            </a:r>
+            <a:r>
+              <a:rPr lang="en-US" altLang="ja-JP" sz="1200" dirty="0">
+                <a:solidFill>
+                  <a:schemeClr val="tx1"/>
+                </a:solidFill>
+                <a:latin typeface="Menlo" panose="020B0609030804020204" pitchFamily="49" charset="0"/>
+              </a:rPr>
+              <a:t>BAR </a:t>
+            </a:r>
+            <a:r>
+              <a:rPr lang="ja-JP" altLang="en-US" sz="1200">
+                <a:solidFill>
+                  <a:schemeClr val="tx1"/>
+                </a:solidFill>
+                <a:latin typeface="Menlo" panose="020B0609030804020204" pitchFamily="49" charset="0"/>
+              </a:rPr>
+              <a:t>へ</a:t>
             </a:r>
           </a:p>
         </p:txBody>

--- a/slides/nand2tetris/04.pptx
+++ b/slides/nand2tetris/04.pptx
@@ -5,7 +5,7 @@
     <p:sldMasterId id="2147483648" r:id="rId1"/>
   </p:sldMasterIdLst>
   <p:notesMasterIdLst>
-    <p:notesMasterId r:id="rId28"/>
+    <p:notesMasterId r:id="rId30"/>
   </p:notesMasterIdLst>
   <p:sldIdLst>
     <p:sldId id="256" r:id="rId2"/>
@@ -29,11 +29,13 @@
     <p:sldId id="268" r:id="rId20"/>
     <p:sldId id="269" r:id="rId21"/>
     <p:sldId id="270" r:id="rId22"/>
-    <p:sldId id="283" r:id="rId23"/>
-    <p:sldId id="277" r:id="rId24"/>
-    <p:sldId id="280" r:id="rId25"/>
-    <p:sldId id="284" r:id="rId26"/>
-    <p:sldId id="285" r:id="rId27"/>
+    <p:sldId id="286" r:id="rId23"/>
+    <p:sldId id="283" r:id="rId24"/>
+    <p:sldId id="277" r:id="rId25"/>
+    <p:sldId id="280" r:id="rId26"/>
+    <p:sldId id="284" r:id="rId27"/>
+    <p:sldId id="285" r:id="rId28"/>
+    <p:sldId id="287" r:id="rId29"/>
   </p:sldIdLst>
   <p:sldSz cx="12192000" cy="6858000"/>
   <p:notesSz cx="6858000" cy="9144000"/>
@@ -13950,7 +13952,7 @@
           <a:graphicData uri="http://schemas.openxmlformats.org/presentationml/2006/ole">
             <mc:AlternateContent xmlns:mc="http://schemas.openxmlformats.org/markup-compatibility/2006">
               <mc:Choice xmlns:v="urn:schemas-microsoft-com:vml" Requires="v">
-                <p:oleObj spid="_x0000_s2149" name="VISIO" r:id="rId3" imgW="6045200" imgH="5918200" progId="Visio.Drawing.6">
+                <p:oleObj spid="_x0000_s2194" name="VISIO" r:id="rId3" imgW="6045200" imgH="5918200" progId="Visio.Drawing.6">
                   <p:embed/>
                 </p:oleObj>
               </mc:Choice>
@@ -16019,28 +16021,16 @@
           <a:lstStyle/>
           <a:p>
             <a:r>
-              <a:rPr kumimoji="1" lang="ja-JP" altLang="en-US"/>
+              <a:rPr lang="ja-JP" altLang="en-US"/>
               <a:t>課題</a:t>
             </a:r>
             <a:r>
-              <a:rPr kumimoji="1" lang="en-US" altLang="ja-JP" dirty="0"/>
-              <a:t> – </a:t>
+              <a:rPr lang="en-US" altLang="ja-JP" dirty="0"/>
+              <a:t> - </a:t>
             </a:r>
             <a:r>
               <a:rPr lang="en-US" altLang="ja-JP" dirty="0" err="1"/>
               <a:t>Mult.asm</a:t>
-            </a:r>
-            <a:r>
-              <a:rPr lang="en-US" altLang="ja-JP" dirty="0"/>
-              <a:t> (</a:t>
-            </a:r>
-            <a:r>
-              <a:rPr lang="ja-JP" altLang="en-US"/>
-              <a:t>実装案</a:t>
-            </a:r>
-            <a:r>
-              <a:rPr lang="en-US" altLang="ja-JP" dirty="0"/>
-              <a:t>)</a:t>
             </a:r>
             <a:endParaRPr kumimoji="1" lang="ja-JP" altLang="en-US"/>
           </a:p>
@@ -16132,10 +16122,132 @@
           </a:bodyPr>
           <a:lstStyle/>
           <a:p>
-            <a:pPr marL="0" indent="0">
-              <a:buNone/>
-            </a:pPr>
-            <a:endParaRPr kumimoji="1" lang="ja-JP" altLang="en-US" sz="2400"/>
+            <a:pPr lvl="1"/>
+            <a:r>
+              <a:rPr lang="en-US" altLang="ja-JP" sz="2400" dirty="0">
+                <a:solidFill>
+                  <a:schemeClr val="tx1"/>
+                </a:solidFill>
+              </a:rPr>
+              <a:t>CLI </a:t>
+            </a:r>
+            <a:r>
+              <a:rPr lang="ja-JP" altLang="en-US" sz="2400">
+                <a:solidFill>
+                  <a:schemeClr val="tx1"/>
+                </a:solidFill>
+              </a:rPr>
+              <a:t>でのコンパイル</a:t>
+            </a:r>
+            <a:endParaRPr lang="en-US" altLang="ja-JP" sz="2400" dirty="0">
+              <a:solidFill>
+                <a:schemeClr val="tx1"/>
+              </a:solidFill>
+            </a:endParaRPr>
+          </a:p>
+          <a:p>
+            <a:pPr lvl="2"/>
+            <a:r>
+              <a:rPr lang="en-US" altLang="ja-JP" sz="2200" dirty="0">
+                <a:solidFill>
+                  <a:schemeClr val="tx1"/>
+                </a:solidFill>
+              </a:rPr>
+              <a:t>../../../tools/</a:t>
+            </a:r>
+            <a:r>
+              <a:rPr lang="en-US" altLang="ja-JP" sz="2200" dirty="0" err="1">
+                <a:solidFill>
+                  <a:schemeClr val="tx1"/>
+                </a:solidFill>
+              </a:rPr>
+              <a:t>Assembler.sh</a:t>
+            </a:r>
+            <a:r>
+              <a:rPr lang="en-US" altLang="ja-JP" sz="2200" dirty="0">
+                <a:solidFill>
+                  <a:schemeClr val="tx1"/>
+                </a:solidFill>
+              </a:rPr>
+              <a:t> </a:t>
+            </a:r>
+            <a:r>
+              <a:rPr lang="en-US" altLang="ja-JP" sz="2200" dirty="0" err="1">
+                <a:solidFill>
+                  <a:schemeClr val="tx1"/>
+                </a:solidFill>
+              </a:rPr>
+              <a:t>Mult.asm</a:t>
+            </a:r>
+            <a:endParaRPr lang="en-US" altLang="ja-JP" sz="2200" dirty="0">
+              <a:solidFill>
+                <a:schemeClr val="tx1"/>
+              </a:solidFill>
+            </a:endParaRPr>
+          </a:p>
+          <a:p>
+            <a:pPr lvl="1"/>
+            <a:endParaRPr lang="en-US" altLang="ja-JP" sz="2400" dirty="0">
+              <a:solidFill>
+                <a:schemeClr val="tx1"/>
+              </a:solidFill>
+            </a:endParaRPr>
+          </a:p>
+          <a:p>
+            <a:pPr lvl="1"/>
+            <a:r>
+              <a:rPr lang="en-US" altLang="ja-JP" sz="2400" dirty="0">
+                <a:solidFill>
+                  <a:schemeClr val="tx1"/>
+                </a:solidFill>
+              </a:rPr>
+              <a:t>Hack</a:t>
+            </a:r>
+            <a:r>
+              <a:rPr lang="ja-JP" altLang="en-US" sz="2400">
+                <a:solidFill>
+                  <a:schemeClr val="tx1"/>
+                </a:solidFill>
+              </a:rPr>
+              <a:t>言語メモ</a:t>
+            </a:r>
+            <a:endParaRPr lang="en-US" altLang="ja-JP" sz="2400" dirty="0">
+              <a:solidFill>
+                <a:schemeClr val="tx1"/>
+              </a:solidFill>
+            </a:endParaRPr>
+          </a:p>
+          <a:p>
+            <a:pPr lvl="2"/>
+            <a:r>
+              <a:rPr lang="ja-JP" altLang="en-US" sz="2000">
+                <a:solidFill>
+                  <a:schemeClr val="tx1"/>
+                </a:solidFill>
+              </a:rPr>
+              <a:t>スペースは無視される</a:t>
+            </a:r>
+            <a:endParaRPr lang="en-US" altLang="ja-JP" sz="2000" dirty="0">
+              <a:solidFill>
+                <a:schemeClr val="tx1"/>
+              </a:solidFill>
+            </a:endParaRPr>
+          </a:p>
+          <a:p>
+            <a:pPr lvl="2"/>
+            <a:r>
+              <a:rPr lang="ja-JP" altLang="en-US" sz="2000">
+                <a:solidFill>
+                  <a:schemeClr val="tx1"/>
+                </a:solidFill>
+              </a:rPr>
+              <a:t>大文字小文字は区別される</a:t>
+            </a:r>
+            <a:endParaRPr lang="en-US" altLang="ja-JP" sz="2000" dirty="0">
+              <a:solidFill>
+                <a:schemeClr val="tx1"/>
+              </a:solidFill>
+            </a:endParaRPr>
           </a:p>
         </p:txBody>
       </p:sp>
@@ -16264,10 +16376,10 @@
       </p:sp>
       <p:sp>
         <p:nvSpPr>
-          <p:cNvPr id="11" name="正方形/長方形 10">
+          <p:cNvPr id="9" name="正方形/長方形 8">
             <a:extLst>
               <a:ext uri="{FF2B5EF4-FFF2-40B4-BE49-F238E27FC236}">
-                <a16:creationId xmlns:a16="http://schemas.microsoft.com/office/drawing/2014/main" id="{A1D03AB6-6A6D-A64F-B461-707C744F34F8}"/>
+                <a16:creationId xmlns:a16="http://schemas.microsoft.com/office/drawing/2014/main" id="{B64FECAD-B114-4A45-B279-C1B1BAE72D79}"/>
               </a:ext>
             </a:extLst>
           </p:cNvPr>
@@ -16276,8 +16388,8 @@
         </p:nvSpPr>
         <p:spPr>
           <a:xfrm>
-            <a:off x="1470031" y="1105512"/>
-            <a:ext cx="2762418" cy="1413753"/>
+            <a:off x="1950783" y="3829772"/>
+            <a:ext cx="2762418" cy="746343"/>
           </a:xfrm>
           <a:prstGeom prst="rect">
             <a:avLst/>
@@ -16321,10 +16433,12 @@
                 <a:ea typeface="Menlo" panose="020B0609030804020204" pitchFamily="49" charset="0"/>
                 <a:cs typeface="Menlo" panose="020B0609030804020204" pitchFamily="49" charset="0"/>
               </a:rPr>
-              <a:t>int r0, r1;  </a:t>
-            </a:r>
-            <a:r>
-              <a:rPr lang="en" altLang="ja-JP" sz="1200" dirty="0">
+              <a:t>// int foo = 0;</a:t>
+            </a:r>
+          </a:p>
+          <a:p>
+            <a:r>
+              <a:rPr lang="en" altLang="ja-JP" sz="1500" dirty="0">
                 <a:solidFill>
                   <a:schemeClr val="tx1"/>
                 </a:solidFill>
@@ -16332,7 +16446,7 @@
                 <a:ea typeface="Menlo" panose="020B0609030804020204" pitchFamily="49" charset="0"/>
                 <a:cs typeface="Menlo" panose="020B0609030804020204" pitchFamily="49" charset="0"/>
               </a:rPr>
-              <a:t>// input</a:t>
+              <a:t>@foo</a:t>
             </a:r>
           </a:p>
           <a:p>
@@ -16345,80 +16459,25 @@
                 <a:ea typeface="Menlo" panose="020B0609030804020204" pitchFamily="49" charset="0"/>
                 <a:cs typeface="Menlo" panose="020B0609030804020204" pitchFamily="49" charset="0"/>
               </a:rPr>
-              <a:t>int r2 = 0;  </a:t>
-            </a:r>
-            <a:r>
-              <a:rPr lang="en" altLang="ja-JP" sz="1200" dirty="0">
-                <a:solidFill>
-                  <a:schemeClr val="tx1"/>
-                </a:solidFill>
-                <a:latin typeface="Menlo" panose="020B0609030804020204" pitchFamily="49" charset="0"/>
-                <a:ea typeface="Menlo" panose="020B0609030804020204" pitchFamily="49" charset="0"/>
-                <a:cs typeface="Menlo" panose="020B0609030804020204" pitchFamily="49" charset="0"/>
-              </a:rPr>
-              <a:t>// sum</a:t>
-            </a:r>
-          </a:p>
-          <a:p>
-            <a:r>
-              <a:rPr lang="en" altLang="ja-JP" sz="1500" dirty="0">
-                <a:solidFill>
-                  <a:schemeClr val="tx1"/>
-                </a:solidFill>
-                <a:latin typeface="Menlo" panose="020B0609030804020204" pitchFamily="49" charset="0"/>
-                <a:ea typeface="Menlo" panose="020B0609030804020204" pitchFamily="49" charset="0"/>
-                <a:cs typeface="Menlo" panose="020B0609030804020204" pitchFamily="49" charset="0"/>
-              </a:rPr>
-              <a:t>while (r1 &gt; 0) { </a:t>
-            </a:r>
-          </a:p>
-          <a:p>
-            <a:r>
-              <a:rPr lang="en" altLang="ja-JP" sz="1500" dirty="0">
-                <a:solidFill>
-                  <a:schemeClr val="tx1"/>
-                </a:solidFill>
-                <a:latin typeface="Menlo" panose="020B0609030804020204" pitchFamily="49" charset="0"/>
-                <a:ea typeface="Menlo" panose="020B0609030804020204" pitchFamily="49" charset="0"/>
-                <a:cs typeface="Menlo" panose="020B0609030804020204" pitchFamily="49" charset="0"/>
-              </a:rPr>
-              <a:t>    r2 += r0; </a:t>
-            </a:r>
-          </a:p>
-          <a:p>
-            <a:r>
-              <a:rPr lang="en" altLang="ja-JP" sz="1500" dirty="0">
-                <a:solidFill>
-                  <a:schemeClr val="tx1"/>
-                </a:solidFill>
-                <a:latin typeface="Menlo" panose="020B0609030804020204" pitchFamily="49" charset="0"/>
-                <a:ea typeface="Menlo" panose="020B0609030804020204" pitchFamily="49" charset="0"/>
-                <a:cs typeface="Menlo" panose="020B0609030804020204" pitchFamily="49" charset="0"/>
-              </a:rPr>
-              <a:t>    r1--;</a:t>
-            </a:r>
-          </a:p>
-          <a:p>
-            <a:r>
-              <a:rPr lang="en" altLang="ja-JP" sz="1500" dirty="0">
-                <a:solidFill>
-                  <a:schemeClr val="tx1"/>
-                </a:solidFill>
-                <a:latin typeface="Menlo" panose="020B0609030804020204" pitchFamily="49" charset="0"/>
-                <a:ea typeface="Menlo" panose="020B0609030804020204" pitchFamily="49" charset="0"/>
-                <a:cs typeface="Menlo" panose="020B0609030804020204" pitchFamily="49" charset="0"/>
-              </a:rPr>
-              <a:t>} </a:t>
-            </a:r>
+              <a:t>M=0</a:t>
+            </a:r>
+            <a:endParaRPr lang="en" altLang="ja-JP" sz="1200" dirty="0">
+              <a:solidFill>
+                <a:schemeClr val="tx1"/>
+              </a:solidFill>
+              <a:latin typeface="Menlo" panose="020B0609030804020204" pitchFamily="49" charset="0"/>
+              <a:ea typeface="Menlo" panose="020B0609030804020204" pitchFamily="49" charset="0"/>
+              <a:cs typeface="Menlo" panose="020B0609030804020204" pitchFamily="49" charset="0"/>
+            </a:endParaRPr>
           </a:p>
         </p:txBody>
       </p:sp>
       <p:sp>
         <p:nvSpPr>
-          <p:cNvPr id="13" name="正方形/長方形 12">
+          <p:cNvPr id="11" name="正方形/長方形 10">
             <a:extLst>
               <a:ext uri="{FF2B5EF4-FFF2-40B4-BE49-F238E27FC236}">
-                <a16:creationId xmlns:a16="http://schemas.microsoft.com/office/drawing/2014/main" id="{69DB38CC-F7C1-424F-A1C2-C31958AD2970}"/>
+                <a16:creationId xmlns:a16="http://schemas.microsoft.com/office/drawing/2014/main" id="{8F11B83C-ABB0-384A-981C-79E12C1E8A79}"/>
               </a:ext>
             </a:extLst>
           </p:cNvPr>
@@ -16427,8 +16486,8 @@
         </p:nvSpPr>
         <p:spPr>
           <a:xfrm>
-            <a:off x="5006173" y="1110012"/>
-            <a:ext cx="5378798" cy="5006040"/>
+            <a:off x="8014373" y="3829772"/>
+            <a:ext cx="2762418" cy="1504483"/>
           </a:xfrm>
           <a:prstGeom prst="rect">
             <a:avLst/>
@@ -16464,600 +16523,328 @@
           <a:lstStyle/>
           <a:p>
             <a:r>
-              <a:rPr lang="en-US" altLang="ja-JP" sz="1400" dirty="0">
-                <a:solidFill>
-                  <a:schemeClr val="tx1"/>
-                </a:solidFill>
-                <a:latin typeface="Menlo" panose="020B0609030804020204" pitchFamily="49" charset="0"/>
-              </a:rPr>
-              <a:t>@</a:t>
-            </a:r>
-            <a:r>
-              <a:rPr lang="en" altLang="ja-JP" sz="1400" dirty="0">
-                <a:solidFill>
-                  <a:schemeClr val="tx1"/>
-                </a:solidFill>
-                <a:latin typeface="Menlo" panose="020B0609030804020204" pitchFamily="49" charset="0"/>
-              </a:rPr>
-              <a:t>R2</a:t>
-            </a:r>
-          </a:p>
-          <a:p>
-            <a:r>
-              <a:rPr lang="en" altLang="ja-JP" sz="1400" dirty="0">
-                <a:solidFill>
-                  <a:schemeClr val="tx1"/>
-                </a:solidFill>
-                <a:latin typeface="Menlo" panose="020B0609030804020204" pitchFamily="49" charset="0"/>
-              </a:rPr>
-              <a:t>M=0          </a:t>
-            </a:r>
-            <a:r>
-              <a:rPr lang="en-US" altLang="ja-JP" sz="1200" dirty="0">
-                <a:solidFill>
-                  <a:schemeClr val="tx1"/>
-                </a:solidFill>
-                <a:latin typeface="Menlo" panose="020B0609030804020204" pitchFamily="49" charset="0"/>
-              </a:rPr>
-              <a:t>// </a:t>
-            </a:r>
-            <a:r>
-              <a:rPr lang="ja-JP" altLang="en-US" sz="1200">
-                <a:solidFill>
-                  <a:schemeClr val="tx1"/>
-                </a:solidFill>
-                <a:latin typeface="Menlo" panose="020B0609030804020204" pitchFamily="49" charset="0"/>
-              </a:rPr>
-              <a:t>結果を格納する </a:t>
-            </a:r>
-            <a:r>
-              <a:rPr lang="en" altLang="ja-JP" sz="1200" dirty="0">
-                <a:solidFill>
-                  <a:schemeClr val="tx1"/>
-                </a:solidFill>
-                <a:latin typeface="Menlo" panose="020B0609030804020204" pitchFamily="49" charset="0"/>
-              </a:rPr>
-              <a:t>R2 </a:t>
-            </a:r>
-            <a:r>
-              <a:rPr lang="ja-JP" altLang="en-US" sz="1200">
-                <a:solidFill>
-                  <a:schemeClr val="tx1"/>
-                </a:solidFill>
-                <a:latin typeface="Menlo" panose="020B0609030804020204" pitchFamily="49" charset="0"/>
-              </a:rPr>
-              <a:t>を </a:t>
-            </a:r>
-            <a:r>
-              <a:rPr lang="en-US" altLang="ja-JP" sz="1200" dirty="0">
-                <a:solidFill>
-                  <a:schemeClr val="tx1"/>
-                </a:solidFill>
-                <a:latin typeface="Menlo" panose="020B0609030804020204" pitchFamily="49" charset="0"/>
-              </a:rPr>
-              <a:t>0 </a:t>
-            </a:r>
-            <a:r>
-              <a:rPr lang="ja-JP" altLang="en-US" sz="1200">
-                <a:solidFill>
-                  <a:schemeClr val="tx1"/>
-                </a:solidFill>
-                <a:latin typeface="Menlo" panose="020B0609030804020204" pitchFamily="49" charset="0"/>
-              </a:rPr>
-              <a:t>で初期化</a:t>
-            </a:r>
-          </a:p>
-          <a:p>
-            <a:endParaRPr lang="ja-JP" altLang="en-US" sz="1400">
-              <a:solidFill>
-                <a:schemeClr val="tx1"/>
-              </a:solidFill>
-              <a:latin typeface="Menlo" panose="020B0609030804020204" pitchFamily="49" charset="0"/>
-            </a:endParaRPr>
-          </a:p>
-          <a:p>
-            <a:r>
-              <a:rPr lang="en-US" altLang="ja-JP" sz="1400" dirty="0">
-                <a:solidFill>
-                  <a:schemeClr val="tx1"/>
-                </a:solidFill>
-                <a:latin typeface="Menlo" panose="020B0609030804020204" pitchFamily="49" charset="0"/>
-              </a:rPr>
-              <a:t>@</a:t>
-            </a:r>
-            <a:r>
-              <a:rPr lang="en" altLang="ja-JP" sz="1400" dirty="0">
-                <a:solidFill>
-                  <a:schemeClr val="tx1"/>
-                </a:solidFill>
-                <a:latin typeface="Menlo" panose="020B0609030804020204" pitchFamily="49" charset="0"/>
-              </a:rPr>
-              <a:t>R1</a:t>
-            </a:r>
-          </a:p>
-          <a:p>
-            <a:r>
-              <a:rPr lang="en" altLang="ja-JP" sz="1400" dirty="0">
-                <a:solidFill>
-                  <a:schemeClr val="tx1"/>
-                </a:solidFill>
-                <a:latin typeface="Menlo" panose="020B0609030804020204" pitchFamily="49" charset="0"/>
-              </a:rPr>
-              <a:t>D=M</a:t>
-            </a:r>
-          </a:p>
-          <a:p>
-            <a:r>
-              <a:rPr lang="en" altLang="ja-JP" sz="1400" dirty="0">
-                <a:solidFill>
-                  <a:schemeClr val="tx1"/>
-                </a:solidFill>
-                <a:latin typeface="Menlo" panose="020B0609030804020204" pitchFamily="49" charset="0"/>
-              </a:rPr>
-              <a:t>@END</a:t>
-            </a:r>
-          </a:p>
-          <a:p>
-            <a:r>
-              <a:rPr lang="en" altLang="ja-JP" sz="1400" dirty="0">
-                <a:solidFill>
-                  <a:schemeClr val="tx1"/>
-                </a:solidFill>
-                <a:latin typeface="Menlo" panose="020B0609030804020204" pitchFamily="49" charset="0"/>
-              </a:rPr>
-              <a:t>D;JLE</a:t>
-            </a:r>
-            <a:r>
-              <a:rPr lang="ja-JP" altLang="en-US" sz="1400">
-                <a:solidFill>
-                  <a:schemeClr val="tx1"/>
-                </a:solidFill>
-                <a:latin typeface="Menlo" panose="020B0609030804020204" pitchFamily="49" charset="0"/>
-              </a:rPr>
-              <a:t> </a:t>
-            </a:r>
-            <a:r>
-              <a:rPr lang="en-US" altLang="ja-JP" sz="1400" dirty="0">
-                <a:solidFill>
-                  <a:schemeClr val="tx1"/>
-                </a:solidFill>
-                <a:latin typeface="Menlo" panose="020B0609030804020204" pitchFamily="49" charset="0"/>
-              </a:rPr>
-              <a:t>       </a:t>
-            </a:r>
-            <a:r>
-              <a:rPr lang="en" altLang="ja-JP" sz="1200" dirty="0">
-                <a:solidFill>
-                  <a:schemeClr val="tx1"/>
-                </a:solidFill>
-                <a:latin typeface="Menlo" panose="020B0609030804020204" pitchFamily="49" charset="0"/>
-              </a:rPr>
-              <a:t>// R1 </a:t>
-            </a:r>
-            <a:r>
-              <a:rPr lang="ja-JP" altLang="en-US" sz="1200">
-                <a:solidFill>
-                  <a:schemeClr val="tx1"/>
-                </a:solidFill>
-                <a:latin typeface="Menlo" panose="020B0609030804020204" pitchFamily="49" charset="0"/>
-              </a:rPr>
-              <a:t>が </a:t>
-            </a:r>
-            <a:r>
-              <a:rPr lang="en-US" altLang="ja-JP" sz="1200" dirty="0">
-                <a:solidFill>
-                  <a:schemeClr val="tx1"/>
-                </a:solidFill>
-                <a:latin typeface="Menlo" panose="020B0609030804020204" pitchFamily="49" charset="0"/>
-              </a:rPr>
-              <a:t>0 </a:t>
-            </a:r>
-            <a:r>
-              <a:rPr lang="ja-JP" altLang="en-US" sz="1200">
-                <a:solidFill>
-                  <a:schemeClr val="tx1"/>
-                </a:solidFill>
-                <a:latin typeface="Menlo" panose="020B0609030804020204" pitchFamily="49" charset="0"/>
-              </a:rPr>
-              <a:t>以下の場合は </a:t>
-            </a:r>
-            <a:r>
-              <a:rPr lang="en" altLang="ja-JP" sz="1200" dirty="0">
-                <a:solidFill>
-                  <a:schemeClr val="tx1"/>
-                </a:solidFill>
-                <a:latin typeface="Menlo" panose="020B0609030804020204" pitchFamily="49" charset="0"/>
-              </a:rPr>
-              <a:t>END </a:t>
-            </a:r>
-            <a:r>
-              <a:rPr lang="ja-JP" altLang="en-US" sz="1200">
-                <a:solidFill>
-                  <a:schemeClr val="tx1"/>
-                </a:solidFill>
-                <a:latin typeface="Menlo" panose="020B0609030804020204" pitchFamily="49" charset="0"/>
-              </a:rPr>
-              <a:t>へジャンプ</a:t>
+              <a:rPr lang="en" altLang="ja-JP" sz="1500" dirty="0">
+                <a:solidFill>
+                  <a:schemeClr val="tx1"/>
+                </a:solidFill>
+                <a:latin typeface="Menlo" panose="020B0609030804020204" pitchFamily="49" charset="0"/>
+                <a:ea typeface="Menlo" panose="020B0609030804020204" pitchFamily="49" charset="0"/>
+                <a:cs typeface="Menlo" panose="020B0609030804020204" pitchFamily="49" charset="0"/>
+              </a:rPr>
+              <a:t>// while (foo &gt; 0) {}</a:t>
+            </a:r>
+          </a:p>
+          <a:p>
+            <a:r>
+              <a:rPr lang="en" altLang="ja-JP" sz="1500" dirty="0">
+                <a:solidFill>
+                  <a:schemeClr val="tx1"/>
+                </a:solidFill>
+                <a:latin typeface="Menlo" panose="020B0609030804020204" pitchFamily="49" charset="0"/>
+                <a:ea typeface="Menlo" panose="020B0609030804020204" pitchFamily="49" charset="0"/>
+                <a:cs typeface="Menlo" panose="020B0609030804020204" pitchFamily="49" charset="0"/>
+              </a:rPr>
+              <a:t>(LOOP)</a:t>
+            </a:r>
+          </a:p>
+          <a:p>
+            <a:r>
+              <a:rPr lang="en" altLang="ja-JP" sz="1500" dirty="0">
+                <a:solidFill>
+                  <a:schemeClr val="tx1"/>
+                </a:solidFill>
+                <a:latin typeface="Menlo" panose="020B0609030804020204" pitchFamily="49" charset="0"/>
+                <a:ea typeface="Menlo" panose="020B0609030804020204" pitchFamily="49" charset="0"/>
+                <a:cs typeface="Menlo" panose="020B0609030804020204" pitchFamily="49" charset="0"/>
+              </a:rPr>
+              <a:t>    @foo</a:t>
+            </a:r>
+          </a:p>
+          <a:p>
+            <a:r>
+              <a:rPr lang="en" altLang="ja-JP" sz="1500" dirty="0">
+                <a:solidFill>
+                  <a:schemeClr val="tx1"/>
+                </a:solidFill>
+                <a:latin typeface="Menlo" panose="020B0609030804020204" pitchFamily="49" charset="0"/>
+                <a:ea typeface="Menlo" panose="020B0609030804020204" pitchFamily="49" charset="0"/>
+                <a:cs typeface="Menlo" panose="020B0609030804020204" pitchFamily="49" charset="0"/>
+              </a:rPr>
+              <a:t>    D=M</a:t>
+            </a:r>
+          </a:p>
+          <a:p>
+            <a:r>
+              <a:rPr lang="en" altLang="ja-JP" sz="1500" dirty="0">
+                <a:solidFill>
+                  <a:schemeClr val="tx1"/>
+                </a:solidFill>
+                <a:latin typeface="Menlo" panose="020B0609030804020204" pitchFamily="49" charset="0"/>
+                <a:ea typeface="Menlo" panose="020B0609030804020204" pitchFamily="49" charset="0"/>
+                <a:cs typeface="Menlo" panose="020B0609030804020204" pitchFamily="49" charset="0"/>
+              </a:rPr>
+              <a:t>    @LOOP</a:t>
+            </a:r>
+          </a:p>
+          <a:p>
+            <a:r>
+              <a:rPr lang="en" altLang="ja-JP" sz="1500" dirty="0">
+                <a:solidFill>
+                  <a:schemeClr val="tx1"/>
+                </a:solidFill>
+                <a:latin typeface="Menlo" panose="020B0609030804020204" pitchFamily="49" charset="0"/>
+                <a:ea typeface="Menlo" panose="020B0609030804020204" pitchFamily="49" charset="0"/>
+                <a:cs typeface="Menlo" panose="020B0609030804020204" pitchFamily="49" charset="0"/>
+              </a:rPr>
+              <a:t>    D;JGT</a:t>
+            </a:r>
+          </a:p>
+        </p:txBody>
+      </p:sp>
+      <p:sp>
+        <p:nvSpPr>
+          <p:cNvPr id="13" name="正方形/長方形 12">
+            <a:extLst>
+              <a:ext uri="{FF2B5EF4-FFF2-40B4-BE49-F238E27FC236}">
+                <a16:creationId xmlns:a16="http://schemas.microsoft.com/office/drawing/2014/main" id="{38877EE5-FD06-FC45-B465-B1A05B0680C4}"/>
+              </a:ext>
+            </a:extLst>
+          </p:cNvPr>
+          <p:cNvSpPr/>
+          <p:nvPr/>
+        </p:nvSpPr>
+        <p:spPr>
+          <a:xfrm>
+            <a:off x="1919862" y="4686089"/>
+            <a:ext cx="2762418" cy="746343"/>
+          </a:xfrm>
+          <a:prstGeom prst="rect">
+            <a:avLst/>
+          </a:prstGeom>
+          <a:solidFill>
+            <a:schemeClr val="accent2">
+              <a:lumMod val="20000"/>
+              <a:lumOff val="80000"/>
+            </a:schemeClr>
+          </a:solidFill>
+          <a:ln>
+            <a:noFill/>
+          </a:ln>
+        </p:spPr>
+        <p:style>
+          <a:lnRef idx="2">
+            <a:schemeClr val="accent1">
+              <a:shade val="50000"/>
+            </a:schemeClr>
+          </a:lnRef>
+          <a:fillRef idx="1">
+            <a:schemeClr val="accent1"/>
+          </a:fillRef>
+          <a:effectRef idx="0">
+            <a:schemeClr val="accent1"/>
+          </a:effectRef>
+          <a:fontRef idx="minor">
+            <a:schemeClr val="lt1"/>
+          </a:fontRef>
+        </p:style>
+        <p:txBody>
+          <a:bodyPr rtlCol="0" anchor="ctr"/>
+          <a:lstStyle/>
+          <a:p>
+            <a:r>
+              <a:rPr lang="en" altLang="ja-JP" sz="1500" dirty="0">
+                <a:solidFill>
+                  <a:schemeClr val="tx1"/>
+                </a:solidFill>
+                <a:latin typeface="Menlo" panose="020B0609030804020204" pitchFamily="49" charset="0"/>
+                <a:ea typeface="Menlo" panose="020B0609030804020204" pitchFamily="49" charset="0"/>
+                <a:cs typeface="Menlo" panose="020B0609030804020204" pitchFamily="49" charset="0"/>
+              </a:rPr>
+              <a:t>// foo += 1;</a:t>
+            </a:r>
+          </a:p>
+          <a:p>
+            <a:r>
+              <a:rPr lang="en" altLang="ja-JP" sz="1500" dirty="0">
+                <a:solidFill>
+                  <a:schemeClr val="tx1"/>
+                </a:solidFill>
+                <a:latin typeface="Menlo" panose="020B0609030804020204" pitchFamily="49" charset="0"/>
+                <a:ea typeface="Menlo" panose="020B0609030804020204" pitchFamily="49" charset="0"/>
+                <a:cs typeface="Menlo" panose="020B0609030804020204" pitchFamily="49" charset="0"/>
+              </a:rPr>
+              <a:t>@foo</a:t>
+            </a:r>
+          </a:p>
+          <a:p>
+            <a:r>
+              <a:rPr lang="en" altLang="ja-JP" sz="1500" dirty="0">
+                <a:solidFill>
+                  <a:schemeClr val="tx1"/>
+                </a:solidFill>
+                <a:latin typeface="Menlo" panose="020B0609030804020204" pitchFamily="49" charset="0"/>
+                <a:ea typeface="Menlo" panose="020B0609030804020204" pitchFamily="49" charset="0"/>
+                <a:cs typeface="Menlo" panose="020B0609030804020204" pitchFamily="49" charset="0"/>
+              </a:rPr>
+              <a:t>M=M+1</a:t>
             </a:r>
             <a:endParaRPr lang="en" altLang="ja-JP" sz="1200" dirty="0">
               <a:solidFill>
                 <a:schemeClr val="tx1"/>
               </a:solidFill>
               <a:latin typeface="Menlo" panose="020B0609030804020204" pitchFamily="49" charset="0"/>
+              <a:ea typeface="Menlo" panose="020B0609030804020204" pitchFamily="49" charset="0"/>
+              <a:cs typeface="Menlo" panose="020B0609030804020204" pitchFamily="49" charset="0"/>
             </a:endParaRPr>
           </a:p>
-          <a:p>
-            <a:br>
-              <a:rPr lang="en" altLang="ja-JP" sz="1400" dirty="0">
-                <a:solidFill>
-                  <a:schemeClr val="tx1"/>
-                </a:solidFill>
-                <a:latin typeface="Menlo" panose="020B0609030804020204" pitchFamily="49" charset="0"/>
-              </a:rPr>
-            </a:br>
-            <a:r>
-              <a:rPr lang="en" altLang="ja-JP" sz="1400" dirty="0">
-                <a:solidFill>
-                  <a:schemeClr val="tx1"/>
-                </a:solidFill>
-                <a:latin typeface="Menlo" panose="020B0609030804020204" pitchFamily="49" charset="0"/>
-              </a:rPr>
-              <a:t>(LOOP)</a:t>
-            </a:r>
-          </a:p>
-          <a:p>
-            <a:r>
-              <a:rPr lang="en" altLang="ja-JP" sz="1400" dirty="0">
-                <a:solidFill>
-                  <a:schemeClr val="tx1"/>
-                </a:solidFill>
-                <a:latin typeface="Menlo" panose="020B0609030804020204" pitchFamily="49" charset="0"/>
-              </a:rPr>
-              <a:t>    @R0</a:t>
-            </a:r>
-          </a:p>
-          <a:p>
-            <a:r>
-              <a:rPr lang="en" altLang="ja-JP" sz="1400" dirty="0">
-                <a:solidFill>
-                  <a:schemeClr val="tx1"/>
-                </a:solidFill>
-                <a:latin typeface="Menlo" panose="020B0609030804020204" pitchFamily="49" charset="0"/>
-              </a:rPr>
-              <a:t>    D=M</a:t>
-            </a:r>
-          </a:p>
-          <a:p>
-            <a:r>
-              <a:rPr lang="en" altLang="ja-JP" sz="1400" dirty="0">
-                <a:solidFill>
-                  <a:schemeClr val="tx1"/>
-                </a:solidFill>
-                <a:latin typeface="Menlo" panose="020B0609030804020204" pitchFamily="49" charset="0"/>
-              </a:rPr>
-              <a:t>    @R2</a:t>
-            </a:r>
-          </a:p>
-          <a:p>
-            <a:r>
-              <a:rPr lang="en" altLang="ja-JP" sz="1400" dirty="0">
-                <a:solidFill>
-                  <a:schemeClr val="tx1"/>
-                </a:solidFill>
-                <a:latin typeface="Menlo" panose="020B0609030804020204" pitchFamily="49" charset="0"/>
-              </a:rPr>
-              <a:t>    M=M+D</a:t>
-            </a:r>
-            <a:r>
-              <a:rPr lang="en-US" altLang="ja-JP" sz="1400" dirty="0">
-                <a:solidFill>
-                  <a:schemeClr val="tx1"/>
-                </a:solidFill>
-                <a:latin typeface="Menlo" panose="020B0609030804020204" pitchFamily="49" charset="0"/>
-              </a:rPr>
-              <a:t>    </a:t>
-            </a:r>
-            <a:r>
-              <a:rPr lang="en" altLang="ja-JP" sz="1200" dirty="0">
-                <a:solidFill>
-                  <a:schemeClr val="tx1"/>
-                </a:solidFill>
-                <a:latin typeface="Menlo" panose="020B0609030804020204" pitchFamily="49" charset="0"/>
-              </a:rPr>
-              <a:t>// R2 += R0</a:t>
-            </a:r>
-          </a:p>
-          <a:p>
-            <a:br>
-              <a:rPr lang="en" altLang="ja-JP" sz="1400" dirty="0">
-                <a:solidFill>
-                  <a:schemeClr val="tx1"/>
-                </a:solidFill>
-                <a:latin typeface="Menlo" panose="020B0609030804020204" pitchFamily="49" charset="0"/>
-              </a:rPr>
-            </a:br>
-            <a:r>
-              <a:rPr lang="ja-JP" altLang="en-US" sz="1400">
-                <a:solidFill>
-                  <a:schemeClr val="tx1"/>
-                </a:solidFill>
-                <a:latin typeface="Menlo" panose="020B0609030804020204" pitchFamily="49" charset="0"/>
-              </a:rPr>
-              <a:t>    </a:t>
-            </a:r>
-            <a:r>
-              <a:rPr lang="en-US" altLang="ja-JP" sz="1400" dirty="0">
-                <a:solidFill>
-                  <a:schemeClr val="tx1"/>
-                </a:solidFill>
-                <a:latin typeface="Menlo" panose="020B0609030804020204" pitchFamily="49" charset="0"/>
-              </a:rPr>
-              <a:t>@</a:t>
-            </a:r>
-            <a:r>
-              <a:rPr lang="en" altLang="ja-JP" sz="1400" dirty="0">
-                <a:solidFill>
-                  <a:schemeClr val="tx1"/>
-                </a:solidFill>
-                <a:latin typeface="Menlo" panose="020B0609030804020204" pitchFamily="49" charset="0"/>
-              </a:rPr>
-              <a:t>R1</a:t>
-            </a:r>
-          </a:p>
-          <a:p>
-            <a:r>
-              <a:rPr lang="en" altLang="ja-JP" sz="1400" dirty="0">
-                <a:solidFill>
-                  <a:schemeClr val="tx1"/>
-                </a:solidFill>
-                <a:latin typeface="Menlo" panose="020B0609030804020204" pitchFamily="49" charset="0"/>
-              </a:rPr>
-              <a:t>    MD=M-1   </a:t>
-            </a:r>
-            <a:r>
-              <a:rPr lang="en" altLang="ja-JP" sz="1200" dirty="0">
-                <a:solidFill>
-                  <a:schemeClr val="tx1"/>
-                </a:solidFill>
-                <a:latin typeface="Menlo" panose="020B0609030804020204" pitchFamily="49" charset="0"/>
-              </a:rPr>
-              <a:t>// R1 </a:t>
-            </a:r>
-            <a:r>
-              <a:rPr lang="ja-JP" altLang="en-US" sz="1200">
-                <a:solidFill>
-                  <a:schemeClr val="tx1"/>
-                </a:solidFill>
-                <a:latin typeface="Menlo" panose="020B0609030804020204" pitchFamily="49" charset="0"/>
-              </a:rPr>
-              <a:t>をデクリメント</a:t>
-            </a:r>
-          </a:p>
-          <a:p>
-            <a:endParaRPr lang="en" altLang="ja-JP" sz="1400" dirty="0">
-              <a:solidFill>
-                <a:schemeClr val="tx1"/>
-              </a:solidFill>
-              <a:latin typeface="Menlo" panose="020B0609030804020204" pitchFamily="49" charset="0"/>
-            </a:endParaRPr>
-          </a:p>
-          <a:p>
-            <a:r>
-              <a:rPr lang="ja-JP" altLang="en-US" sz="1400">
-                <a:solidFill>
-                  <a:schemeClr val="tx1"/>
-                </a:solidFill>
-                <a:latin typeface="Menlo" panose="020B0609030804020204" pitchFamily="49" charset="0"/>
-              </a:rPr>
-              <a:t>    </a:t>
-            </a:r>
-            <a:r>
-              <a:rPr lang="en-US" altLang="ja-JP" sz="1400" dirty="0">
-                <a:solidFill>
-                  <a:schemeClr val="tx1"/>
-                </a:solidFill>
-                <a:latin typeface="Menlo" panose="020B0609030804020204" pitchFamily="49" charset="0"/>
-              </a:rPr>
-              <a:t>@</a:t>
-            </a:r>
-            <a:r>
-              <a:rPr lang="en" altLang="ja-JP" sz="1400" dirty="0">
-                <a:solidFill>
-                  <a:schemeClr val="tx1"/>
-                </a:solidFill>
-                <a:latin typeface="Menlo" panose="020B0609030804020204" pitchFamily="49" charset="0"/>
-              </a:rPr>
-              <a:t>LOOP</a:t>
-            </a:r>
-          </a:p>
-          <a:p>
-            <a:r>
-              <a:rPr lang="en" altLang="ja-JP" sz="1400" dirty="0">
-                <a:solidFill>
-                  <a:schemeClr val="tx1"/>
-                </a:solidFill>
-                <a:latin typeface="Menlo" panose="020B0609030804020204" pitchFamily="49" charset="0"/>
-              </a:rPr>
-              <a:t>    D;JGT    </a:t>
-            </a:r>
-            <a:r>
-              <a:rPr lang="en" altLang="ja-JP" sz="1200" dirty="0">
-                <a:solidFill>
-                  <a:schemeClr val="tx1"/>
-                </a:solidFill>
-                <a:latin typeface="Menlo" panose="020B0609030804020204" pitchFamily="49" charset="0"/>
-              </a:rPr>
-              <a:t>// R1 &gt; 0 </a:t>
-            </a:r>
-            <a:r>
-              <a:rPr lang="ja-JP" altLang="en-US" sz="1200">
-                <a:solidFill>
-                  <a:schemeClr val="tx1"/>
-                </a:solidFill>
-                <a:latin typeface="Menlo" panose="020B0609030804020204" pitchFamily="49" charset="0"/>
-              </a:rPr>
-              <a:t>の時</a:t>
-            </a:r>
-            <a:r>
-              <a:rPr lang="en-US" altLang="ja-JP" sz="1200" dirty="0">
-                <a:solidFill>
-                  <a:schemeClr val="tx1"/>
-                </a:solidFill>
-                <a:latin typeface="Menlo" panose="020B0609030804020204" pitchFamily="49" charset="0"/>
-              </a:rPr>
-              <a:t>, </a:t>
-            </a:r>
-            <a:r>
-              <a:rPr lang="en" altLang="ja-JP" sz="1200" dirty="0">
-                <a:solidFill>
-                  <a:schemeClr val="tx1"/>
-                </a:solidFill>
-                <a:latin typeface="Menlo" panose="020B0609030804020204" pitchFamily="49" charset="0"/>
-              </a:rPr>
-              <a:t>Loop </a:t>
-            </a:r>
-            <a:r>
-              <a:rPr lang="ja-JP" altLang="en-US" sz="1200">
-                <a:solidFill>
-                  <a:schemeClr val="tx1"/>
-                </a:solidFill>
-                <a:latin typeface="Menlo" panose="020B0609030804020204" pitchFamily="49" charset="0"/>
-              </a:rPr>
-              <a:t>にジャンプ</a:t>
-            </a:r>
-          </a:p>
-          <a:p>
-            <a:br>
-              <a:rPr lang="en" altLang="ja-JP" sz="1400" dirty="0">
-                <a:solidFill>
-                  <a:schemeClr val="tx1"/>
-                </a:solidFill>
-                <a:latin typeface="Menlo" panose="020B0609030804020204" pitchFamily="49" charset="0"/>
-              </a:rPr>
-            </a:br>
-            <a:r>
-              <a:rPr lang="en" altLang="ja-JP" sz="1400" dirty="0">
-                <a:solidFill>
-                  <a:schemeClr val="tx1"/>
-                </a:solidFill>
-                <a:latin typeface="Menlo" panose="020B0609030804020204" pitchFamily="49" charset="0"/>
-              </a:rPr>
-              <a:t>(END)</a:t>
-            </a:r>
-            <a:endParaRPr lang="ja-JP" altLang="en-US" sz="1400">
-              <a:solidFill>
-                <a:schemeClr val="tx1"/>
-              </a:solidFill>
-              <a:latin typeface="Menlo" panose="020B0609030804020204" pitchFamily="49" charset="0"/>
-            </a:endParaRPr>
-          </a:p>
-          <a:p>
-            <a:r>
-              <a:rPr lang="ja-JP" altLang="en-US" sz="1400">
-                <a:solidFill>
-                  <a:schemeClr val="tx1"/>
-                </a:solidFill>
-                <a:latin typeface="Menlo" panose="020B0609030804020204" pitchFamily="49" charset="0"/>
-              </a:rPr>
-              <a:t>    </a:t>
-            </a:r>
-            <a:r>
-              <a:rPr lang="en-US" altLang="ja-JP" sz="1400" dirty="0">
-                <a:solidFill>
-                  <a:schemeClr val="tx1"/>
-                </a:solidFill>
-                <a:latin typeface="Menlo" panose="020B0609030804020204" pitchFamily="49" charset="0"/>
-              </a:rPr>
-              <a:t>@</a:t>
-            </a:r>
-            <a:r>
-              <a:rPr lang="en" altLang="ja-JP" sz="1400" dirty="0">
-                <a:solidFill>
-                  <a:schemeClr val="tx1"/>
-                </a:solidFill>
-                <a:latin typeface="Menlo" panose="020B0609030804020204" pitchFamily="49" charset="0"/>
-              </a:rPr>
-              <a:t>END</a:t>
-            </a:r>
-          </a:p>
-          <a:p>
-            <a:r>
-              <a:rPr lang="en" altLang="ja-JP" sz="1400" dirty="0">
-                <a:solidFill>
-                  <a:schemeClr val="tx1"/>
-                </a:solidFill>
-                <a:latin typeface="Menlo" panose="020B0609030804020204" pitchFamily="49" charset="0"/>
-              </a:rPr>
-              <a:t>    0;JMP    </a:t>
-            </a:r>
-            <a:r>
-              <a:rPr lang="en" altLang="ja-JP" sz="1200" dirty="0">
-                <a:solidFill>
-                  <a:schemeClr val="tx1"/>
-                </a:solidFill>
-                <a:latin typeface="Menlo" panose="020B0609030804020204" pitchFamily="49" charset="0"/>
-              </a:rPr>
-              <a:t>// </a:t>
-            </a:r>
-            <a:r>
-              <a:rPr lang="ja-JP" altLang="en-US" sz="1200">
-                <a:solidFill>
-                  <a:schemeClr val="tx1"/>
-                </a:solidFill>
-                <a:latin typeface="Menlo" panose="020B0609030804020204" pitchFamily="49" charset="0"/>
-              </a:rPr>
-              <a:t>無限ループは </a:t>
-            </a:r>
-            <a:r>
-              <a:rPr lang="en" altLang="ja-JP" sz="1200" dirty="0">
-                <a:solidFill>
-                  <a:schemeClr val="tx1"/>
-                </a:solidFill>
-                <a:latin typeface="Menlo" panose="020B0609030804020204" pitchFamily="49" charset="0"/>
-              </a:rPr>
-              <a:t>Hack </a:t>
-            </a:r>
-            <a:r>
-              <a:rPr lang="ja-JP" altLang="en-US" sz="1200">
-                <a:solidFill>
-                  <a:schemeClr val="tx1"/>
-                </a:solidFill>
-                <a:latin typeface="Menlo" panose="020B0609030804020204" pitchFamily="49" charset="0"/>
-              </a:rPr>
-              <a:t>プログラムを </a:t>
-            </a:r>
-            <a:r>
-              <a:rPr lang="en-US" altLang="ja-JP" sz="1200" dirty="0">
-                <a:solidFill>
-                  <a:schemeClr val="tx1"/>
-                </a:solidFill>
-                <a:latin typeface="Menlo" panose="020B0609030804020204" pitchFamily="49" charset="0"/>
-              </a:rPr>
-              <a:t>"</a:t>
-            </a:r>
-            <a:r>
-              <a:rPr lang="ja-JP" altLang="en-US" sz="1200">
-                <a:solidFill>
-                  <a:schemeClr val="tx1"/>
-                </a:solidFill>
-                <a:latin typeface="Menlo" panose="020B0609030804020204" pitchFamily="49" charset="0"/>
-              </a:rPr>
-              <a:t>終了させる</a:t>
-            </a:r>
-            <a:r>
-              <a:rPr lang="en-US" altLang="ja-JP" sz="1200" dirty="0">
-                <a:solidFill>
-                  <a:schemeClr val="tx1"/>
-                </a:solidFill>
-                <a:latin typeface="Menlo" panose="020B0609030804020204" pitchFamily="49" charset="0"/>
-              </a:rPr>
-              <a:t>"</a:t>
+        </p:txBody>
+      </p:sp>
+      <p:sp>
+        <p:nvSpPr>
+          <p:cNvPr id="14" name="正方形/長方形 13">
+            <a:extLst>
+              <a:ext uri="{FF2B5EF4-FFF2-40B4-BE49-F238E27FC236}">
+                <a16:creationId xmlns:a16="http://schemas.microsoft.com/office/drawing/2014/main" id="{265AD42E-1B12-5D41-8C9B-B22328667FBB}"/>
+              </a:ext>
+            </a:extLst>
+          </p:cNvPr>
+          <p:cNvSpPr/>
+          <p:nvPr/>
+        </p:nvSpPr>
+        <p:spPr>
+          <a:xfrm>
+            <a:off x="4982578" y="3829772"/>
+            <a:ext cx="2762418" cy="1641840"/>
+          </a:xfrm>
+          <a:prstGeom prst="rect">
+            <a:avLst/>
+          </a:prstGeom>
+          <a:solidFill>
+            <a:schemeClr val="accent2">
+              <a:lumMod val="20000"/>
+              <a:lumOff val="80000"/>
+            </a:schemeClr>
+          </a:solidFill>
+          <a:ln>
+            <a:noFill/>
+          </a:ln>
+        </p:spPr>
+        <p:style>
+          <a:lnRef idx="2">
+            <a:schemeClr val="accent1">
+              <a:shade val="50000"/>
+            </a:schemeClr>
+          </a:lnRef>
+          <a:fillRef idx="1">
+            <a:schemeClr val="accent1"/>
+          </a:fillRef>
+          <a:effectRef idx="0">
+            <a:schemeClr val="accent1"/>
+          </a:effectRef>
+          <a:fontRef idx="minor">
+            <a:schemeClr val="lt1"/>
+          </a:fontRef>
+        </p:style>
+        <p:txBody>
+          <a:bodyPr rtlCol="0" anchor="ctr"/>
+          <a:lstStyle/>
+          <a:p>
+            <a:r>
+              <a:rPr lang="en" altLang="ja-JP" sz="1500" dirty="0">
+                <a:solidFill>
+                  <a:schemeClr val="tx1"/>
+                </a:solidFill>
+                <a:latin typeface="Menlo" panose="020B0609030804020204" pitchFamily="49" charset="0"/>
+                <a:ea typeface="Menlo" panose="020B0609030804020204" pitchFamily="49" charset="0"/>
+                <a:cs typeface="Menlo" panose="020B0609030804020204" pitchFamily="49" charset="0"/>
+              </a:rPr>
+              <a:t>// foo += bar;</a:t>
+            </a:r>
+          </a:p>
+          <a:p>
+            <a:r>
+              <a:rPr lang="en" altLang="ja-JP" sz="1500" dirty="0">
+                <a:solidFill>
+                  <a:schemeClr val="tx1"/>
+                </a:solidFill>
+                <a:latin typeface="Menlo" panose="020B0609030804020204" pitchFamily="49" charset="0"/>
+                <a:ea typeface="Menlo" panose="020B0609030804020204" pitchFamily="49" charset="0"/>
+                <a:cs typeface="Menlo" panose="020B0609030804020204" pitchFamily="49" charset="0"/>
+              </a:rPr>
+              <a:t>@foo</a:t>
+            </a:r>
+          </a:p>
+          <a:p>
+            <a:r>
+              <a:rPr lang="en" altLang="ja-JP" sz="1500" dirty="0">
+                <a:solidFill>
+                  <a:schemeClr val="tx1"/>
+                </a:solidFill>
+                <a:latin typeface="Menlo" panose="020B0609030804020204" pitchFamily="49" charset="0"/>
+                <a:ea typeface="Menlo" panose="020B0609030804020204" pitchFamily="49" charset="0"/>
+                <a:cs typeface="Menlo" panose="020B0609030804020204" pitchFamily="49" charset="0"/>
+              </a:rPr>
+              <a:t>D=M</a:t>
+            </a:r>
+          </a:p>
+          <a:p>
+            <a:r>
+              <a:rPr lang="en" altLang="ja-JP" sz="1500" dirty="0">
+                <a:solidFill>
+                  <a:schemeClr val="tx1"/>
+                </a:solidFill>
+                <a:latin typeface="Menlo" panose="020B0609030804020204" pitchFamily="49" charset="0"/>
+                <a:ea typeface="Menlo" panose="020B0609030804020204" pitchFamily="49" charset="0"/>
+                <a:cs typeface="Menlo" panose="020B0609030804020204" pitchFamily="49" charset="0"/>
+              </a:rPr>
+              <a:t>@bar</a:t>
+            </a:r>
+          </a:p>
+          <a:p>
+            <a:r>
+              <a:rPr lang="en" altLang="ja-JP" sz="1500" dirty="0">
+                <a:solidFill>
+                  <a:schemeClr val="tx1"/>
+                </a:solidFill>
+                <a:latin typeface="Menlo" panose="020B0609030804020204" pitchFamily="49" charset="0"/>
+                <a:ea typeface="Menlo" panose="020B0609030804020204" pitchFamily="49" charset="0"/>
+                <a:cs typeface="Menlo" panose="020B0609030804020204" pitchFamily="49" charset="0"/>
+              </a:rPr>
+              <a:t>D=D+M</a:t>
+            </a:r>
+          </a:p>
+          <a:p>
+            <a:r>
+              <a:rPr lang="en" altLang="ja-JP" sz="1500" dirty="0">
+                <a:solidFill>
+                  <a:schemeClr val="tx1"/>
+                </a:solidFill>
+                <a:latin typeface="Menlo" panose="020B0609030804020204" pitchFamily="49" charset="0"/>
+                <a:ea typeface="Menlo" panose="020B0609030804020204" pitchFamily="49" charset="0"/>
+                <a:cs typeface="Menlo" panose="020B0609030804020204" pitchFamily="49" charset="0"/>
+              </a:rPr>
+              <a:t>@foo</a:t>
+            </a:r>
+          </a:p>
+          <a:p>
+            <a:r>
+              <a:rPr lang="en" altLang="ja-JP" sz="1500" dirty="0">
+                <a:solidFill>
+                  <a:schemeClr val="tx1"/>
+                </a:solidFill>
+                <a:latin typeface="Menlo" panose="020B0609030804020204" pitchFamily="49" charset="0"/>
+                <a:ea typeface="Menlo" panose="020B0609030804020204" pitchFamily="49" charset="0"/>
+                <a:cs typeface="Menlo" panose="020B0609030804020204" pitchFamily="49" charset="0"/>
+              </a:rPr>
+              <a:t>M=D</a:t>
             </a:r>
             <a:endParaRPr lang="en" altLang="ja-JP" sz="1200" dirty="0">
               <a:solidFill>
                 <a:schemeClr val="tx1"/>
               </a:solidFill>
               <a:latin typeface="Menlo" panose="020B0609030804020204" pitchFamily="49" charset="0"/>
+              <a:ea typeface="Menlo" panose="020B0609030804020204" pitchFamily="49" charset="0"/>
+              <a:cs typeface="Menlo" panose="020B0609030804020204" pitchFamily="49" charset="0"/>
             </a:endParaRPr>
           </a:p>
         </p:txBody>
@@ -17065,7 +16852,7 @@
     </p:spTree>
     <p:extLst>
       <p:ext uri="{BB962C8B-B14F-4D97-AF65-F5344CB8AC3E}">
-        <p14:creationId xmlns:p14="http://schemas.microsoft.com/office/powerpoint/2010/main" val="1716395669"/>
+        <p14:creationId xmlns:p14="http://schemas.microsoft.com/office/powerpoint/2010/main" val="3005392046"/>
       </p:ext>
     </p:extLst>
   </p:cSld>
@@ -17186,11 +16973,23 @@
             </a:r>
             <a:r>
               <a:rPr kumimoji="1" lang="en-US" altLang="ja-JP" dirty="0"/>
-              <a:t> - </a:t>
+              <a:t> – </a:t>
             </a:r>
             <a:r>
               <a:rPr lang="en-US" altLang="ja-JP" dirty="0" err="1"/>
-              <a:t>Fill.asm</a:t>
+              <a:t>Mult.asm</a:t>
+            </a:r>
+            <a:r>
+              <a:rPr lang="en-US" altLang="ja-JP" dirty="0"/>
+              <a:t> (</a:t>
+            </a:r>
+            <a:r>
+              <a:rPr lang="ja-JP" altLang="en-US"/>
+              <a:t>実装案</a:t>
+            </a:r>
+            <a:r>
+              <a:rPr lang="en-US" altLang="ja-JP" dirty="0"/>
+              <a:t>)</a:t>
             </a:r>
             <a:endParaRPr kumimoji="1" lang="ja-JP" altLang="en-US"/>
           </a:p>
@@ -17282,46 +17081,10 @@
           </a:bodyPr>
           <a:lstStyle/>
           <a:p>
-            <a:r>
-              <a:rPr kumimoji="1" lang="ja-JP" altLang="en-US" sz="2400"/>
-              <a:t>入出力操作プログラム</a:t>
-            </a:r>
-            <a:r>
-              <a:rPr kumimoji="1" lang="en-US" altLang="ja-JP" sz="2400" dirty="0"/>
-              <a:t> (</a:t>
-            </a:r>
-            <a:r>
-              <a:rPr kumimoji="1" lang="en-US" altLang="ja-JP" sz="2400" dirty="0" err="1"/>
-              <a:t>Fill.asm</a:t>
-            </a:r>
-            <a:r>
-              <a:rPr kumimoji="1" lang="en-US" altLang="ja-JP" sz="2400" dirty="0"/>
-              <a:t>)</a:t>
-            </a:r>
-          </a:p>
-          <a:p>
-            <a:pPr lvl="1"/>
-            <a:r>
-              <a:rPr kumimoji="1" lang="ja-JP" altLang="en-US" sz="2000"/>
-              <a:t>キーボードが押下されたとき、スクリーンの全てのピクセルを黒で描画する</a:t>
-            </a:r>
-            <a:endParaRPr kumimoji="1" lang="en-US" altLang="ja-JP" sz="2000" dirty="0"/>
-          </a:p>
-          <a:p>
-            <a:pPr lvl="2"/>
-            <a:r>
-              <a:rPr kumimoji="1" lang="ja-JP" altLang="en-US" sz="1800"/>
-              <a:t>キーボードを押している間は真っ黒</a:t>
-            </a:r>
-            <a:endParaRPr kumimoji="1" lang="en-US" altLang="ja-JP" sz="1800" dirty="0"/>
-          </a:p>
-          <a:p>
-            <a:pPr lvl="2"/>
-            <a:r>
-              <a:rPr lang="ja-JP" altLang="en-US" sz="1800"/>
-              <a:t>キーボードを押していない時は真っ白</a:t>
-            </a:r>
-            <a:endParaRPr kumimoji="1" lang="ja-JP" altLang="en-US" sz="1800"/>
+            <a:pPr marL="0" indent="0">
+              <a:buNone/>
+            </a:pPr>
+            <a:endParaRPr kumimoji="1" lang="ja-JP" altLang="en-US" sz="2400"/>
           </a:p>
         </p:txBody>
       </p:sp>
@@ -17448,70 +17211,810 @@
           </a:p>
         </p:txBody>
       </p:sp>
-      <p:pic>
-        <p:nvPicPr>
-          <p:cNvPr id="11" name="図 10" descr="スクリーンショット が含まれている画像&#10;&#10;自動的に生成された説明">
+      <p:sp>
+        <p:nvSpPr>
+          <p:cNvPr id="11" name="正方形/長方形 10">
             <a:extLst>
               <a:ext uri="{FF2B5EF4-FFF2-40B4-BE49-F238E27FC236}">
-                <a16:creationId xmlns:a16="http://schemas.microsoft.com/office/drawing/2014/main" id="{13EEC0D5-1FB0-DA47-889E-A4738ABDB059}"/>
+                <a16:creationId xmlns:a16="http://schemas.microsoft.com/office/drawing/2014/main" id="{A1D03AB6-6A6D-A64F-B461-707C744F34F8}"/>
               </a:ext>
             </a:extLst>
           </p:cNvPr>
-          <p:cNvPicPr>
-            <a:picLocks noChangeAspect="1"/>
-          </p:cNvPicPr>
+          <p:cNvSpPr/>
           <p:nvPr/>
-        </p:nvPicPr>
-        <p:blipFill>
-          <a:blip r:embed="rId2"/>
-          <a:stretch>
-            <a:fillRect/>
-          </a:stretch>
-        </p:blipFill>
+        </p:nvSpPr>
         <p:spPr>
           <a:xfrm>
-            <a:off x="5564208" y="3273792"/>
-            <a:ext cx="4850279" cy="3400879"/>
+            <a:off x="1470031" y="1105512"/>
+            <a:ext cx="2762418" cy="1413753"/>
           </a:xfrm>
           <a:prstGeom prst="rect">
             <a:avLst/>
           </a:prstGeom>
-        </p:spPr>
-      </p:pic>
-      <p:pic>
-        <p:nvPicPr>
-          <p:cNvPr id="7" name="図 6" descr="スクリーンショット が含まれている画像&#10;&#10;自動的に生成された説明">
+          <a:solidFill>
+            <a:schemeClr val="accent2">
+              <a:lumMod val="20000"/>
+              <a:lumOff val="80000"/>
+            </a:schemeClr>
+          </a:solidFill>
+          <a:ln>
+            <a:noFill/>
+          </a:ln>
+        </p:spPr>
+        <p:style>
+          <a:lnRef idx="2">
+            <a:schemeClr val="accent1">
+              <a:shade val="50000"/>
+            </a:schemeClr>
+          </a:lnRef>
+          <a:fillRef idx="1">
+            <a:schemeClr val="accent1"/>
+          </a:fillRef>
+          <a:effectRef idx="0">
+            <a:schemeClr val="accent1"/>
+          </a:effectRef>
+          <a:fontRef idx="minor">
+            <a:schemeClr val="lt1"/>
+          </a:fontRef>
+        </p:style>
+        <p:txBody>
+          <a:bodyPr rtlCol="0" anchor="ctr"/>
+          <a:lstStyle/>
+          <a:p>
+            <a:r>
+              <a:rPr lang="en" altLang="ja-JP" sz="1500" dirty="0">
+                <a:solidFill>
+                  <a:schemeClr val="tx1"/>
+                </a:solidFill>
+                <a:latin typeface="Menlo" panose="020B0609030804020204" pitchFamily="49" charset="0"/>
+                <a:ea typeface="Menlo" panose="020B0609030804020204" pitchFamily="49" charset="0"/>
+                <a:cs typeface="Menlo" panose="020B0609030804020204" pitchFamily="49" charset="0"/>
+              </a:rPr>
+              <a:t>int r0, r1;  </a:t>
+            </a:r>
+            <a:r>
+              <a:rPr lang="en" altLang="ja-JP" sz="1200" dirty="0">
+                <a:solidFill>
+                  <a:schemeClr val="tx1"/>
+                </a:solidFill>
+                <a:latin typeface="Menlo" panose="020B0609030804020204" pitchFamily="49" charset="0"/>
+                <a:ea typeface="Menlo" panose="020B0609030804020204" pitchFamily="49" charset="0"/>
+                <a:cs typeface="Menlo" panose="020B0609030804020204" pitchFamily="49" charset="0"/>
+              </a:rPr>
+              <a:t>// input</a:t>
+            </a:r>
+          </a:p>
+          <a:p>
+            <a:r>
+              <a:rPr lang="en" altLang="ja-JP" sz="1500" dirty="0">
+                <a:solidFill>
+                  <a:schemeClr val="tx1"/>
+                </a:solidFill>
+                <a:latin typeface="Menlo" panose="020B0609030804020204" pitchFamily="49" charset="0"/>
+                <a:ea typeface="Menlo" panose="020B0609030804020204" pitchFamily="49" charset="0"/>
+                <a:cs typeface="Menlo" panose="020B0609030804020204" pitchFamily="49" charset="0"/>
+              </a:rPr>
+              <a:t>int r2 = 0;  </a:t>
+            </a:r>
+            <a:r>
+              <a:rPr lang="en" altLang="ja-JP" sz="1200" dirty="0">
+                <a:solidFill>
+                  <a:schemeClr val="tx1"/>
+                </a:solidFill>
+                <a:latin typeface="Menlo" panose="020B0609030804020204" pitchFamily="49" charset="0"/>
+                <a:ea typeface="Menlo" panose="020B0609030804020204" pitchFamily="49" charset="0"/>
+                <a:cs typeface="Menlo" panose="020B0609030804020204" pitchFamily="49" charset="0"/>
+              </a:rPr>
+              <a:t>// sum</a:t>
+            </a:r>
+          </a:p>
+          <a:p>
+            <a:r>
+              <a:rPr lang="en" altLang="ja-JP" sz="1500" dirty="0">
+                <a:solidFill>
+                  <a:schemeClr val="tx1"/>
+                </a:solidFill>
+                <a:latin typeface="Menlo" panose="020B0609030804020204" pitchFamily="49" charset="0"/>
+                <a:ea typeface="Menlo" panose="020B0609030804020204" pitchFamily="49" charset="0"/>
+                <a:cs typeface="Menlo" panose="020B0609030804020204" pitchFamily="49" charset="0"/>
+              </a:rPr>
+              <a:t>while (r1 &gt; 0) { </a:t>
+            </a:r>
+          </a:p>
+          <a:p>
+            <a:r>
+              <a:rPr lang="en" altLang="ja-JP" sz="1500" dirty="0">
+                <a:solidFill>
+                  <a:schemeClr val="tx1"/>
+                </a:solidFill>
+                <a:latin typeface="Menlo" panose="020B0609030804020204" pitchFamily="49" charset="0"/>
+                <a:ea typeface="Menlo" panose="020B0609030804020204" pitchFamily="49" charset="0"/>
+                <a:cs typeface="Menlo" panose="020B0609030804020204" pitchFamily="49" charset="0"/>
+              </a:rPr>
+              <a:t>    r2 += r0; </a:t>
+            </a:r>
+          </a:p>
+          <a:p>
+            <a:r>
+              <a:rPr lang="en" altLang="ja-JP" sz="1500" dirty="0">
+                <a:solidFill>
+                  <a:schemeClr val="tx1"/>
+                </a:solidFill>
+                <a:latin typeface="Menlo" panose="020B0609030804020204" pitchFamily="49" charset="0"/>
+                <a:ea typeface="Menlo" panose="020B0609030804020204" pitchFamily="49" charset="0"/>
+                <a:cs typeface="Menlo" panose="020B0609030804020204" pitchFamily="49" charset="0"/>
+              </a:rPr>
+              <a:t>    r1--;</a:t>
+            </a:r>
+          </a:p>
+          <a:p>
+            <a:r>
+              <a:rPr lang="en" altLang="ja-JP" sz="1500" dirty="0">
+                <a:solidFill>
+                  <a:schemeClr val="tx1"/>
+                </a:solidFill>
+                <a:latin typeface="Menlo" panose="020B0609030804020204" pitchFamily="49" charset="0"/>
+                <a:ea typeface="Menlo" panose="020B0609030804020204" pitchFamily="49" charset="0"/>
+                <a:cs typeface="Menlo" panose="020B0609030804020204" pitchFamily="49" charset="0"/>
+              </a:rPr>
+              <a:t>} </a:t>
+            </a:r>
+          </a:p>
+        </p:txBody>
+      </p:sp>
+      <p:sp>
+        <p:nvSpPr>
+          <p:cNvPr id="13" name="正方形/長方形 12">
             <a:extLst>
               <a:ext uri="{FF2B5EF4-FFF2-40B4-BE49-F238E27FC236}">
-                <a16:creationId xmlns:a16="http://schemas.microsoft.com/office/drawing/2014/main" id="{BD634594-299D-BB4A-9FF4-8D65979EAE18}"/>
+                <a16:creationId xmlns:a16="http://schemas.microsoft.com/office/drawing/2014/main" id="{69DB38CC-F7C1-424F-A1C2-C31958AD2970}"/>
               </a:ext>
             </a:extLst>
           </p:cNvPr>
-          <p:cNvPicPr>
-            <a:picLocks noChangeAspect="1"/>
-          </p:cNvPicPr>
+          <p:cNvSpPr/>
           <p:nvPr/>
-        </p:nvPicPr>
-        <p:blipFill>
-          <a:blip r:embed="rId3"/>
-          <a:stretch>
-            <a:fillRect/>
-          </a:stretch>
-        </p:blipFill>
+        </p:nvSpPr>
         <p:spPr>
           <a:xfrm>
-            <a:off x="2439035" y="2850979"/>
-            <a:ext cx="4850279" cy="3400879"/>
+            <a:off x="5006173" y="1110012"/>
+            <a:ext cx="5378798" cy="5006040"/>
           </a:xfrm>
           <a:prstGeom prst="rect">
             <a:avLst/>
           </a:prstGeom>
-        </p:spPr>
-      </p:pic>
+          <a:solidFill>
+            <a:schemeClr val="accent2">
+              <a:lumMod val="20000"/>
+              <a:lumOff val="80000"/>
+            </a:schemeClr>
+          </a:solidFill>
+          <a:ln>
+            <a:noFill/>
+          </a:ln>
+        </p:spPr>
+        <p:style>
+          <a:lnRef idx="2">
+            <a:schemeClr val="accent1">
+              <a:shade val="50000"/>
+            </a:schemeClr>
+          </a:lnRef>
+          <a:fillRef idx="1">
+            <a:schemeClr val="accent1"/>
+          </a:fillRef>
+          <a:effectRef idx="0">
+            <a:schemeClr val="accent1"/>
+          </a:effectRef>
+          <a:fontRef idx="minor">
+            <a:schemeClr val="lt1"/>
+          </a:fontRef>
+        </p:style>
+        <p:txBody>
+          <a:bodyPr rtlCol="0" anchor="ctr"/>
+          <a:lstStyle/>
+          <a:p>
+            <a:r>
+              <a:rPr lang="en-US" altLang="ja-JP" sz="1400" dirty="0">
+                <a:solidFill>
+                  <a:schemeClr val="tx1"/>
+                </a:solidFill>
+                <a:latin typeface="Menlo" panose="020B0609030804020204" pitchFamily="49" charset="0"/>
+              </a:rPr>
+              <a:t>@</a:t>
+            </a:r>
+            <a:r>
+              <a:rPr lang="en" altLang="ja-JP" sz="1400" dirty="0">
+                <a:solidFill>
+                  <a:schemeClr val="tx1"/>
+                </a:solidFill>
+                <a:latin typeface="Menlo" panose="020B0609030804020204" pitchFamily="49" charset="0"/>
+              </a:rPr>
+              <a:t>R2</a:t>
+            </a:r>
+          </a:p>
+          <a:p>
+            <a:r>
+              <a:rPr lang="en" altLang="ja-JP" sz="1400" dirty="0">
+                <a:solidFill>
+                  <a:schemeClr val="tx1"/>
+                </a:solidFill>
+                <a:latin typeface="Menlo" panose="020B0609030804020204" pitchFamily="49" charset="0"/>
+              </a:rPr>
+              <a:t>M=0          </a:t>
+            </a:r>
+            <a:r>
+              <a:rPr lang="en-US" altLang="ja-JP" sz="1200" dirty="0">
+                <a:solidFill>
+                  <a:schemeClr val="tx1"/>
+                </a:solidFill>
+                <a:latin typeface="Menlo" panose="020B0609030804020204" pitchFamily="49" charset="0"/>
+              </a:rPr>
+              <a:t>// </a:t>
+            </a:r>
+            <a:r>
+              <a:rPr lang="ja-JP" altLang="en-US" sz="1200">
+                <a:solidFill>
+                  <a:schemeClr val="tx1"/>
+                </a:solidFill>
+                <a:latin typeface="Menlo" panose="020B0609030804020204" pitchFamily="49" charset="0"/>
+              </a:rPr>
+              <a:t>結果を格納する </a:t>
+            </a:r>
+            <a:r>
+              <a:rPr lang="en" altLang="ja-JP" sz="1200" dirty="0">
+                <a:solidFill>
+                  <a:schemeClr val="tx1"/>
+                </a:solidFill>
+                <a:latin typeface="Menlo" panose="020B0609030804020204" pitchFamily="49" charset="0"/>
+              </a:rPr>
+              <a:t>R2 </a:t>
+            </a:r>
+            <a:r>
+              <a:rPr lang="ja-JP" altLang="en-US" sz="1200">
+                <a:solidFill>
+                  <a:schemeClr val="tx1"/>
+                </a:solidFill>
+                <a:latin typeface="Menlo" panose="020B0609030804020204" pitchFamily="49" charset="0"/>
+              </a:rPr>
+              <a:t>を </a:t>
+            </a:r>
+            <a:r>
+              <a:rPr lang="en-US" altLang="ja-JP" sz="1200" dirty="0">
+                <a:solidFill>
+                  <a:schemeClr val="tx1"/>
+                </a:solidFill>
+                <a:latin typeface="Menlo" panose="020B0609030804020204" pitchFamily="49" charset="0"/>
+              </a:rPr>
+              <a:t>0 </a:t>
+            </a:r>
+            <a:r>
+              <a:rPr lang="ja-JP" altLang="en-US" sz="1200">
+                <a:solidFill>
+                  <a:schemeClr val="tx1"/>
+                </a:solidFill>
+                <a:latin typeface="Menlo" panose="020B0609030804020204" pitchFamily="49" charset="0"/>
+              </a:rPr>
+              <a:t>で初期化</a:t>
+            </a:r>
+          </a:p>
+          <a:p>
+            <a:endParaRPr lang="ja-JP" altLang="en-US" sz="1400">
+              <a:solidFill>
+                <a:schemeClr val="tx1"/>
+              </a:solidFill>
+              <a:latin typeface="Menlo" panose="020B0609030804020204" pitchFamily="49" charset="0"/>
+            </a:endParaRPr>
+          </a:p>
+          <a:p>
+            <a:r>
+              <a:rPr lang="en-US" altLang="ja-JP" sz="1400" dirty="0">
+                <a:solidFill>
+                  <a:schemeClr val="tx1"/>
+                </a:solidFill>
+                <a:latin typeface="Menlo" panose="020B0609030804020204" pitchFamily="49" charset="0"/>
+              </a:rPr>
+              <a:t>@</a:t>
+            </a:r>
+            <a:r>
+              <a:rPr lang="en" altLang="ja-JP" sz="1400" dirty="0">
+                <a:solidFill>
+                  <a:schemeClr val="tx1"/>
+                </a:solidFill>
+                <a:latin typeface="Menlo" panose="020B0609030804020204" pitchFamily="49" charset="0"/>
+              </a:rPr>
+              <a:t>R1</a:t>
+            </a:r>
+          </a:p>
+          <a:p>
+            <a:r>
+              <a:rPr lang="en" altLang="ja-JP" sz="1400" dirty="0">
+                <a:solidFill>
+                  <a:schemeClr val="tx1"/>
+                </a:solidFill>
+                <a:latin typeface="Menlo" panose="020B0609030804020204" pitchFamily="49" charset="0"/>
+              </a:rPr>
+              <a:t>D=M</a:t>
+            </a:r>
+          </a:p>
+          <a:p>
+            <a:r>
+              <a:rPr lang="en" altLang="ja-JP" sz="1400" dirty="0">
+                <a:solidFill>
+                  <a:schemeClr val="tx1"/>
+                </a:solidFill>
+                <a:latin typeface="Menlo" panose="020B0609030804020204" pitchFamily="49" charset="0"/>
+              </a:rPr>
+              <a:t>@END</a:t>
+            </a:r>
+          </a:p>
+          <a:p>
+            <a:r>
+              <a:rPr lang="en" altLang="ja-JP" sz="1400" dirty="0">
+                <a:solidFill>
+                  <a:schemeClr val="tx1"/>
+                </a:solidFill>
+                <a:latin typeface="Menlo" panose="020B0609030804020204" pitchFamily="49" charset="0"/>
+              </a:rPr>
+              <a:t>D;JLE</a:t>
+            </a:r>
+            <a:r>
+              <a:rPr lang="ja-JP" altLang="en-US" sz="1400">
+                <a:solidFill>
+                  <a:schemeClr val="tx1"/>
+                </a:solidFill>
+                <a:latin typeface="Menlo" panose="020B0609030804020204" pitchFamily="49" charset="0"/>
+              </a:rPr>
+              <a:t> </a:t>
+            </a:r>
+            <a:r>
+              <a:rPr lang="en-US" altLang="ja-JP" sz="1400" dirty="0">
+                <a:solidFill>
+                  <a:schemeClr val="tx1"/>
+                </a:solidFill>
+                <a:latin typeface="Menlo" panose="020B0609030804020204" pitchFamily="49" charset="0"/>
+              </a:rPr>
+              <a:t>       </a:t>
+            </a:r>
+            <a:r>
+              <a:rPr lang="en" altLang="ja-JP" sz="1200" dirty="0">
+                <a:solidFill>
+                  <a:schemeClr val="tx1"/>
+                </a:solidFill>
+                <a:latin typeface="Menlo" panose="020B0609030804020204" pitchFamily="49" charset="0"/>
+              </a:rPr>
+              <a:t>// R1 </a:t>
+            </a:r>
+            <a:r>
+              <a:rPr lang="ja-JP" altLang="en-US" sz="1200">
+                <a:solidFill>
+                  <a:schemeClr val="tx1"/>
+                </a:solidFill>
+                <a:latin typeface="Menlo" panose="020B0609030804020204" pitchFamily="49" charset="0"/>
+              </a:rPr>
+              <a:t>が </a:t>
+            </a:r>
+            <a:r>
+              <a:rPr lang="en-US" altLang="ja-JP" sz="1200" dirty="0">
+                <a:solidFill>
+                  <a:schemeClr val="tx1"/>
+                </a:solidFill>
+                <a:latin typeface="Menlo" panose="020B0609030804020204" pitchFamily="49" charset="0"/>
+              </a:rPr>
+              <a:t>0 </a:t>
+            </a:r>
+            <a:r>
+              <a:rPr lang="ja-JP" altLang="en-US" sz="1200">
+                <a:solidFill>
+                  <a:schemeClr val="tx1"/>
+                </a:solidFill>
+                <a:latin typeface="Menlo" panose="020B0609030804020204" pitchFamily="49" charset="0"/>
+              </a:rPr>
+              <a:t>以下の場合は </a:t>
+            </a:r>
+            <a:r>
+              <a:rPr lang="en" altLang="ja-JP" sz="1200" dirty="0">
+                <a:solidFill>
+                  <a:schemeClr val="tx1"/>
+                </a:solidFill>
+                <a:latin typeface="Menlo" panose="020B0609030804020204" pitchFamily="49" charset="0"/>
+              </a:rPr>
+              <a:t>END </a:t>
+            </a:r>
+            <a:r>
+              <a:rPr lang="ja-JP" altLang="en-US" sz="1200">
+                <a:solidFill>
+                  <a:schemeClr val="tx1"/>
+                </a:solidFill>
+                <a:latin typeface="Menlo" panose="020B0609030804020204" pitchFamily="49" charset="0"/>
+              </a:rPr>
+              <a:t>へジャンプ</a:t>
+            </a:r>
+            <a:endParaRPr lang="en" altLang="ja-JP" sz="1200" dirty="0">
+              <a:solidFill>
+                <a:schemeClr val="tx1"/>
+              </a:solidFill>
+              <a:latin typeface="Menlo" panose="020B0609030804020204" pitchFamily="49" charset="0"/>
+            </a:endParaRPr>
+          </a:p>
+          <a:p>
+            <a:br>
+              <a:rPr lang="en" altLang="ja-JP" sz="1400" dirty="0">
+                <a:solidFill>
+                  <a:schemeClr val="tx1"/>
+                </a:solidFill>
+                <a:latin typeface="Menlo" panose="020B0609030804020204" pitchFamily="49" charset="0"/>
+              </a:rPr>
+            </a:br>
+            <a:r>
+              <a:rPr lang="en" altLang="ja-JP" sz="1400" dirty="0">
+                <a:solidFill>
+                  <a:schemeClr val="tx1"/>
+                </a:solidFill>
+                <a:latin typeface="Menlo" panose="020B0609030804020204" pitchFamily="49" charset="0"/>
+              </a:rPr>
+              <a:t>(LOOP)</a:t>
+            </a:r>
+          </a:p>
+          <a:p>
+            <a:r>
+              <a:rPr lang="en" altLang="ja-JP" sz="1400" dirty="0">
+                <a:solidFill>
+                  <a:schemeClr val="tx1"/>
+                </a:solidFill>
+                <a:latin typeface="Menlo" panose="020B0609030804020204" pitchFamily="49" charset="0"/>
+              </a:rPr>
+              <a:t>    @R0</a:t>
+            </a:r>
+          </a:p>
+          <a:p>
+            <a:r>
+              <a:rPr lang="en" altLang="ja-JP" sz="1400" dirty="0">
+                <a:solidFill>
+                  <a:schemeClr val="tx1"/>
+                </a:solidFill>
+                <a:latin typeface="Menlo" panose="020B0609030804020204" pitchFamily="49" charset="0"/>
+              </a:rPr>
+              <a:t>    D=M</a:t>
+            </a:r>
+          </a:p>
+          <a:p>
+            <a:r>
+              <a:rPr lang="en" altLang="ja-JP" sz="1400" dirty="0">
+                <a:solidFill>
+                  <a:schemeClr val="tx1"/>
+                </a:solidFill>
+                <a:latin typeface="Menlo" panose="020B0609030804020204" pitchFamily="49" charset="0"/>
+              </a:rPr>
+              <a:t>    @R2</a:t>
+            </a:r>
+          </a:p>
+          <a:p>
+            <a:r>
+              <a:rPr lang="en" altLang="ja-JP" sz="1400" dirty="0">
+                <a:solidFill>
+                  <a:schemeClr val="tx1"/>
+                </a:solidFill>
+                <a:latin typeface="Menlo" panose="020B0609030804020204" pitchFamily="49" charset="0"/>
+              </a:rPr>
+              <a:t>    M=M+D</a:t>
+            </a:r>
+            <a:r>
+              <a:rPr lang="en-US" altLang="ja-JP" sz="1400" dirty="0">
+                <a:solidFill>
+                  <a:schemeClr val="tx1"/>
+                </a:solidFill>
+                <a:latin typeface="Menlo" panose="020B0609030804020204" pitchFamily="49" charset="0"/>
+              </a:rPr>
+              <a:t>    </a:t>
+            </a:r>
+            <a:r>
+              <a:rPr lang="en" altLang="ja-JP" sz="1200" dirty="0">
+                <a:solidFill>
+                  <a:schemeClr val="tx1"/>
+                </a:solidFill>
+                <a:latin typeface="Menlo" panose="020B0609030804020204" pitchFamily="49" charset="0"/>
+              </a:rPr>
+              <a:t>// R2 += R0</a:t>
+            </a:r>
+          </a:p>
+          <a:p>
+            <a:br>
+              <a:rPr lang="en" altLang="ja-JP" sz="1400" dirty="0">
+                <a:solidFill>
+                  <a:schemeClr val="tx1"/>
+                </a:solidFill>
+                <a:latin typeface="Menlo" panose="020B0609030804020204" pitchFamily="49" charset="0"/>
+              </a:rPr>
+            </a:br>
+            <a:r>
+              <a:rPr lang="ja-JP" altLang="en-US" sz="1400">
+                <a:solidFill>
+                  <a:schemeClr val="tx1"/>
+                </a:solidFill>
+                <a:latin typeface="Menlo" panose="020B0609030804020204" pitchFamily="49" charset="0"/>
+              </a:rPr>
+              <a:t>    </a:t>
+            </a:r>
+            <a:r>
+              <a:rPr lang="en-US" altLang="ja-JP" sz="1400" dirty="0">
+                <a:solidFill>
+                  <a:schemeClr val="tx1"/>
+                </a:solidFill>
+                <a:latin typeface="Menlo" panose="020B0609030804020204" pitchFamily="49" charset="0"/>
+              </a:rPr>
+              <a:t>@</a:t>
+            </a:r>
+            <a:r>
+              <a:rPr lang="en" altLang="ja-JP" sz="1400" dirty="0">
+                <a:solidFill>
+                  <a:schemeClr val="tx1"/>
+                </a:solidFill>
+                <a:latin typeface="Menlo" panose="020B0609030804020204" pitchFamily="49" charset="0"/>
+              </a:rPr>
+              <a:t>R1</a:t>
+            </a:r>
+          </a:p>
+          <a:p>
+            <a:r>
+              <a:rPr lang="en" altLang="ja-JP" sz="1400" dirty="0">
+                <a:solidFill>
+                  <a:schemeClr val="tx1"/>
+                </a:solidFill>
+                <a:latin typeface="Menlo" panose="020B0609030804020204" pitchFamily="49" charset="0"/>
+              </a:rPr>
+              <a:t>    MD=M-1   </a:t>
+            </a:r>
+            <a:r>
+              <a:rPr lang="en" altLang="ja-JP" sz="1200" dirty="0">
+                <a:solidFill>
+                  <a:schemeClr val="tx1"/>
+                </a:solidFill>
+                <a:latin typeface="Menlo" panose="020B0609030804020204" pitchFamily="49" charset="0"/>
+              </a:rPr>
+              <a:t>// R1 </a:t>
+            </a:r>
+            <a:r>
+              <a:rPr lang="ja-JP" altLang="en-US" sz="1200">
+                <a:solidFill>
+                  <a:schemeClr val="tx1"/>
+                </a:solidFill>
+                <a:latin typeface="Menlo" panose="020B0609030804020204" pitchFamily="49" charset="0"/>
+              </a:rPr>
+              <a:t>をデクリメント</a:t>
+            </a:r>
+          </a:p>
+          <a:p>
+            <a:endParaRPr lang="en" altLang="ja-JP" sz="1400" dirty="0">
+              <a:solidFill>
+                <a:schemeClr val="tx1"/>
+              </a:solidFill>
+              <a:latin typeface="Menlo" panose="020B0609030804020204" pitchFamily="49" charset="0"/>
+            </a:endParaRPr>
+          </a:p>
+          <a:p>
+            <a:r>
+              <a:rPr lang="ja-JP" altLang="en-US" sz="1400">
+                <a:solidFill>
+                  <a:schemeClr val="tx1"/>
+                </a:solidFill>
+                <a:latin typeface="Menlo" panose="020B0609030804020204" pitchFamily="49" charset="0"/>
+              </a:rPr>
+              <a:t>    </a:t>
+            </a:r>
+            <a:r>
+              <a:rPr lang="en-US" altLang="ja-JP" sz="1400" dirty="0">
+                <a:solidFill>
+                  <a:schemeClr val="tx1"/>
+                </a:solidFill>
+                <a:latin typeface="Menlo" panose="020B0609030804020204" pitchFamily="49" charset="0"/>
+              </a:rPr>
+              <a:t>@</a:t>
+            </a:r>
+            <a:r>
+              <a:rPr lang="en" altLang="ja-JP" sz="1400" dirty="0">
+                <a:solidFill>
+                  <a:schemeClr val="tx1"/>
+                </a:solidFill>
+                <a:latin typeface="Menlo" panose="020B0609030804020204" pitchFamily="49" charset="0"/>
+              </a:rPr>
+              <a:t>LOOP</a:t>
+            </a:r>
+          </a:p>
+          <a:p>
+            <a:r>
+              <a:rPr lang="en" altLang="ja-JP" sz="1400" dirty="0">
+                <a:solidFill>
+                  <a:schemeClr val="tx1"/>
+                </a:solidFill>
+                <a:latin typeface="Menlo" panose="020B0609030804020204" pitchFamily="49" charset="0"/>
+              </a:rPr>
+              <a:t>    D;JGT    </a:t>
+            </a:r>
+            <a:r>
+              <a:rPr lang="en" altLang="ja-JP" sz="1200" dirty="0">
+                <a:solidFill>
+                  <a:schemeClr val="tx1"/>
+                </a:solidFill>
+                <a:latin typeface="Menlo" panose="020B0609030804020204" pitchFamily="49" charset="0"/>
+              </a:rPr>
+              <a:t>// R1 &gt; 0 </a:t>
+            </a:r>
+            <a:r>
+              <a:rPr lang="ja-JP" altLang="en-US" sz="1200">
+                <a:solidFill>
+                  <a:schemeClr val="tx1"/>
+                </a:solidFill>
+                <a:latin typeface="Menlo" panose="020B0609030804020204" pitchFamily="49" charset="0"/>
+              </a:rPr>
+              <a:t>の時</a:t>
+            </a:r>
+            <a:r>
+              <a:rPr lang="en-US" altLang="ja-JP" sz="1200" dirty="0">
+                <a:solidFill>
+                  <a:schemeClr val="tx1"/>
+                </a:solidFill>
+                <a:latin typeface="Menlo" panose="020B0609030804020204" pitchFamily="49" charset="0"/>
+              </a:rPr>
+              <a:t>, </a:t>
+            </a:r>
+            <a:r>
+              <a:rPr lang="en" altLang="ja-JP" sz="1200" dirty="0">
+                <a:solidFill>
+                  <a:schemeClr val="tx1"/>
+                </a:solidFill>
+                <a:latin typeface="Menlo" panose="020B0609030804020204" pitchFamily="49" charset="0"/>
+              </a:rPr>
+              <a:t>Loop </a:t>
+            </a:r>
+            <a:r>
+              <a:rPr lang="ja-JP" altLang="en-US" sz="1200">
+                <a:solidFill>
+                  <a:schemeClr val="tx1"/>
+                </a:solidFill>
+                <a:latin typeface="Menlo" panose="020B0609030804020204" pitchFamily="49" charset="0"/>
+              </a:rPr>
+              <a:t>にジャンプ</a:t>
+            </a:r>
+          </a:p>
+          <a:p>
+            <a:br>
+              <a:rPr lang="en" altLang="ja-JP" sz="1400" dirty="0">
+                <a:solidFill>
+                  <a:schemeClr val="tx1"/>
+                </a:solidFill>
+                <a:latin typeface="Menlo" panose="020B0609030804020204" pitchFamily="49" charset="0"/>
+              </a:rPr>
+            </a:br>
+            <a:r>
+              <a:rPr lang="en" altLang="ja-JP" sz="1400" dirty="0">
+                <a:solidFill>
+                  <a:schemeClr val="tx1"/>
+                </a:solidFill>
+                <a:latin typeface="Menlo" panose="020B0609030804020204" pitchFamily="49" charset="0"/>
+              </a:rPr>
+              <a:t>(END)</a:t>
+            </a:r>
+            <a:endParaRPr lang="ja-JP" altLang="en-US" sz="1400">
+              <a:solidFill>
+                <a:schemeClr val="tx1"/>
+              </a:solidFill>
+              <a:latin typeface="Menlo" panose="020B0609030804020204" pitchFamily="49" charset="0"/>
+            </a:endParaRPr>
+          </a:p>
+          <a:p>
+            <a:r>
+              <a:rPr lang="ja-JP" altLang="en-US" sz="1400">
+                <a:solidFill>
+                  <a:schemeClr val="tx1"/>
+                </a:solidFill>
+                <a:latin typeface="Menlo" panose="020B0609030804020204" pitchFamily="49" charset="0"/>
+              </a:rPr>
+              <a:t>    </a:t>
+            </a:r>
+            <a:r>
+              <a:rPr lang="en-US" altLang="ja-JP" sz="1400" dirty="0">
+                <a:solidFill>
+                  <a:schemeClr val="tx1"/>
+                </a:solidFill>
+                <a:latin typeface="Menlo" panose="020B0609030804020204" pitchFamily="49" charset="0"/>
+              </a:rPr>
+              <a:t>@</a:t>
+            </a:r>
+            <a:r>
+              <a:rPr lang="en" altLang="ja-JP" sz="1400" dirty="0">
+                <a:solidFill>
+                  <a:schemeClr val="tx1"/>
+                </a:solidFill>
+                <a:latin typeface="Menlo" panose="020B0609030804020204" pitchFamily="49" charset="0"/>
+              </a:rPr>
+              <a:t>END</a:t>
+            </a:r>
+          </a:p>
+          <a:p>
+            <a:r>
+              <a:rPr lang="en" altLang="ja-JP" sz="1400" dirty="0">
+                <a:solidFill>
+                  <a:schemeClr val="tx1"/>
+                </a:solidFill>
+                <a:latin typeface="Menlo" panose="020B0609030804020204" pitchFamily="49" charset="0"/>
+              </a:rPr>
+              <a:t>    0;JMP    </a:t>
+            </a:r>
+            <a:r>
+              <a:rPr lang="en" altLang="ja-JP" sz="1200" dirty="0">
+                <a:solidFill>
+                  <a:schemeClr val="tx1"/>
+                </a:solidFill>
+                <a:latin typeface="Menlo" panose="020B0609030804020204" pitchFamily="49" charset="0"/>
+              </a:rPr>
+              <a:t>// </a:t>
+            </a:r>
+            <a:r>
+              <a:rPr lang="ja-JP" altLang="en-US" sz="1200">
+                <a:solidFill>
+                  <a:schemeClr val="tx1"/>
+                </a:solidFill>
+                <a:latin typeface="Menlo" panose="020B0609030804020204" pitchFamily="49" charset="0"/>
+              </a:rPr>
+              <a:t>無限ループは </a:t>
+            </a:r>
+            <a:r>
+              <a:rPr lang="en" altLang="ja-JP" sz="1200" dirty="0">
+                <a:solidFill>
+                  <a:schemeClr val="tx1"/>
+                </a:solidFill>
+                <a:latin typeface="Menlo" panose="020B0609030804020204" pitchFamily="49" charset="0"/>
+              </a:rPr>
+              <a:t>Hack </a:t>
+            </a:r>
+            <a:r>
+              <a:rPr lang="ja-JP" altLang="en-US" sz="1200">
+                <a:solidFill>
+                  <a:schemeClr val="tx1"/>
+                </a:solidFill>
+                <a:latin typeface="Menlo" panose="020B0609030804020204" pitchFamily="49" charset="0"/>
+              </a:rPr>
+              <a:t>プログラムを </a:t>
+            </a:r>
+            <a:r>
+              <a:rPr lang="en-US" altLang="ja-JP" sz="1200" dirty="0">
+                <a:solidFill>
+                  <a:schemeClr val="tx1"/>
+                </a:solidFill>
+                <a:latin typeface="Menlo" panose="020B0609030804020204" pitchFamily="49" charset="0"/>
+              </a:rPr>
+              <a:t>"</a:t>
+            </a:r>
+            <a:r>
+              <a:rPr lang="ja-JP" altLang="en-US" sz="1200">
+                <a:solidFill>
+                  <a:schemeClr val="tx1"/>
+                </a:solidFill>
+                <a:latin typeface="Menlo" panose="020B0609030804020204" pitchFamily="49" charset="0"/>
+              </a:rPr>
+              <a:t>終了させる</a:t>
+            </a:r>
+            <a:r>
+              <a:rPr lang="en-US" altLang="ja-JP" sz="1200" dirty="0">
+                <a:solidFill>
+                  <a:schemeClr val="tx1"/>
+                </a:solidFill>
+                <a:latin typeface="Menlo" panose="020B0609030804020204" pitchFamily="49" charset="0"/>
+              </a:rPr>
+              <a:t>"</a:t>
+            </a:r>
+            <a:endParaRPr lang="en" altLang="ja-JP" sz="1200" dirty="0">
+              <a:solidFill>
+                <a:schemeClr val="tx1"/>
+              </a:solidFill>
+              <a:latin typeface="Menlo" panose="020B0609030804020204" pitchFamily="49" charset="0"/>
+            </a:endParaRPr>
+          </a:p>
+        </p:txBody>
+      </p:sp>
     </p:spTree>
     <p:extLst>
       <p:ext uri="{BB962C8B-B14F-4D97-AF65-F5344CB8AC3E}">
-        <p14:creationId xmlns:p14="http://schemas.microsoft.com/office/powerpoint/2010/main" val="44598024"/>
+        <p14:creationId xmlns:p14="http://schemas.microsoft.com/office/powerpoint/2010/main" val="1716395669"/>
       </p:ext>
     </p:extLst>
   </p:cSld>
@@ -17632,11 +18135,7 @@
             </a:r>
             <a:r>
               <a:rPr kumimoji="1" lang="en-US" altLang="ja-JP" dirty="0"/>
-              <a:t> </a:t>
-            </a:r>
-            <a:r>
-              <a:rPr lang="en-US" altLang="ja-JP" dirty="0"/>
-              <a:t>- </a:t>
+              <a:t> - </a:t>
             </a:r>
             <a:r>
               <a:rPr lang="en-US" altLang="ja-JP" dirty="0" err="1"/>
@@ -17722,8 +18221,8 @@
         </p:nvSpPr>
         <p:spPr>
           <a:xfrm>
-            <a:off x="6486630" y="1110462"/>
-            <a:ext cx="4616798" cy="5131165"/>
+            <a:off x="934916" y="1105512"/>
+            <a:ext cx="10483360" cy="5131165"/>
           </a:xfrm>
         </p:spPr>
         <p:txBody>
@@ -17733,10 +18232,45 @@
           <a:lstStyle/>
           <a:p>
             <a:r>
-              <a:rPr lang="ja-JP" altLang="en-US" sz="2400"/>
-              <a:t>スクリーン出力</a:t>
-            </a:r>
-            <a:endParaRPr kumimoji="1" lang="ja-JP" altLang="en-US" sz="2400"/>
+              <a:rPr kumimoji="1" lang="ja-JP" altLang="en-US" sz="2400"/>
+              <a:t>入出力操作プログラム</a:t>
+            </a:r>
+            <a:r>
+              <a:rPr kumimoji="1" lang="en-US" altLang="ja-JP" sz="2400" dirty="0"/>
+              <a:t> (</a:t>
+            </a:r>
+            <a:r>
+              <a:rPr kumimoji="1" lang="en-US" altLang="ja-JP" sz="2400" dirty="0" err="1"/>
+              <a:t>Fill.asm</a:t>
+            </a:r>
+            <a:r>
+              <a:rPr kumimoji="1" lang="en-US" altLang="ja-JP" sz="2400" dirty="0"/>
+              <a:t>)</a:t>
+            </a:r>
+          </a:p>
+          <a:p>
+            <a:pPr lvl="1"/>
+            <a:r>
+              <a:rPr kumimoji="1" lang="ja-JP" altLang="en-US" sz="2000"/>
+              <a:t>キーボードが押下されたとき、スクリーンの全てのピクセルを黒で描画する</a:t>
+            </a:r>
+            <a:endParaRPr kumimoji="1" lang="en-US" altLang="ja-JP" sz="2000" dirty="0"/>
+          </a:p>
+          <a:p>
+            <a:pPr lvl="2"/>
+            <a:r>
+              <a:rPr kumimoji="1" lang="ja-JP" altLang="en-US" sz="1800"/>
+              <a:t>キーボードを押している間は真っ黒</a:t>
+            </a:r>
+            <a:endParaRPr kumimoji="1" lang="en-US" altLang="ja-JP" sz="1800" dirty="0"/>
+          </a:p>
+          <a:p>
+            <a:pPr lvl="2"/>
+            <a:r>
+              <a:rPr lang="ja-JP" altLang="en-US" sz="1800"/>
+              <a:t>キーボードを押していない時は真っ白</a:t>
+            </a:r>
+            <a:endParaRPr kumimoji="1" lang="ja-JP" altLang="en-US" sz="1800"/>
           </a:p>
         </p:txBody>
       </p:sp>
@@ -17863,703 +18397,70 @@
           </a:p>
         </p:txBody>
       </p:sp>
-      <p:sp>
-        <p:nvSpPr>
-          <p:cNvPr id="16" name="コンテンツ プレースホルダー 2">
+      <p:pic>
+        <p:nvPicPr>
+          <p:cNvPr id="11" name="図 10" descr="スクリーンショット が含まれている画像&#10;&#10;自動的に生成された説明">
             <a:extLst>
               <a:ext uri="{FF2B5EF4-FFF2-40B4-BE49-F238E27FC236}">
-                <a16:creationId xmlns:a16="http://schemas.microsoft.com/office/drawing/2014/main" id="{1B0AB432-EA2C-8B4E-8025-E89E468260A2}"/>
+                <a16:creationId xmlns:a16="http://schemas.microsoft.com/office/drawing/2014/main" id="{13EEC0D5-1FB0-DA47-889E-A4738ABDB059}"/>
               </a:ext>
             </a:extLst>
           </p:cNvPr>
-          <p:cNvSpPr txBox="1">
-            <a:spLocks/>
-          </p:cNvSpPr>
+          <p:cNvPicPr>
+            <a:picLocks noChangeAspect="1"/>
+          </p:cNvPicPr>
           <p:nvPr/>
-        </p:nvSpPr>
+        </p:nvPicPr>
+        <p:blipFill>
+          <a:blip r:embed="rId2"/>
+          <a:stretch>
+            <a:fillRect/>
+          </a:stretch>
+        </p:blipFill>
         <p:spPr>
           <a:xfrm>
-            <a:off x="934916" y="1105512"/>
-            <a:ext cx="4616798" cy="5131165"/>
+            <a:off x="5564208" y="3273792"/>
+            <a:ext cx="4850279" cy="3400879"/>
           </a:xfrm>
           <a:prstGeom prst="rect">
             <a:avLst/>
           </a:prstGeom>
         </p:spPr>
-        <p:txBody>
-          <a:bodyPr vert="horz" lIns="91440" tIns="45720" rIns="91440" bIns="45720" rtlCol="0">
-            <a:normAutofit/>
-          </a:bodyPr>
-          <a:lstStyle>
-            <a:lvl1pPr marL="342900" indent="-342900" algn="l" defTabSz="457200" rtl="0" eaLnBrk="1" latinLnBrk="0" hangingPunct="1">
-              <a:spcBef>
-                <a:spcPts val="1000"/>
-              </a:spcBef>
-              <a:spcAft>
-                <a:spcPts val="0"/>
-              </a:spcAft>
-              <a:buClr>
-                <a:schemeClr val="accent1"/>
-              </a:buClr>
-              <a:buSzPct val="80000"/>
-              <a:buFont typeface="Wingdings 3" charset="2"/>
-              <a:buChar char=""/>
-              <a:defRPr kumimoji="1" sz="1800" kern="1200">
-                <a:solidFill>
-                  <a:schemeClr val="tx1">
-                    <a:lumMod val="75000"/>
-                    <a:lumOff val="25000"/>
-                  </a:schemeClr>
-                </a:solidFill>
-                <a:latin typeface="+mn-lt"/>
-                <a:ea typeface="+mn-ea"/>
-                <a:cs typeface="+mn-cs"/>
-              </a:defRPr>
-            </a:lvl1pPr>
-            <a:lvl2pPr marL="742950" indent="-285750" algn="l" defTabSz="457200" rtl="0" eaLnBrk="1" latinLnBrk="0" hangingPunct="1">
-              <a:spcBef>
-                <a:spcPts val="1000"/>
-              </a:spcBef>
-              <a:spcAft>
-                <a:spcPts val="0"/>
-              </a:spcAft>
-              <a:buClr>
-                <a:schemeClr val="accent1"/>
-              </a:buClr>
-              <a:buSzPct val="80000"/>
-              <a:buFont typeface="Wingdings 3" charset="2"/>
-              <a:buChar char=""/>
-              <a:defRPr kumimoji="1" sz="1600" kern="1200">
-                <a:solidFill>
-                  <a:schemeClr val="tx1">
-                    <a:lumMod val="75000"/>
-                    <a:lumOff val="25000"/>
-                  </a:schemeClr>
-                </a:solidFill>
-                <a:latin typeface="+mn-lt"/>
-                <a:ea typeface="+mn-ea"/>
-                <a:cs typeface="+mn-cs"/>
-              </a:defRPr>
-            </a:lvl2pPr>
-            <a:lvl3pPr marL="1143000" indent="-228600" algn="l" defTabSz="457200" rtl="0" eaLnBrk="1" latinLnBrk="0" hangingPunct="1">
-              <a:spcBef>
-                <a:spcPts val="1000"/>
-              </a:spcBef>
-              <a:spcAft>
-                <a:spcPts val="0"/>
-              </a:spcAft>
-              <a:buClr>
-                <a:schemeClr val="accent1"/>
-              </a:buClr>
-              <a:buSzPct val="80000"/>
-              <a:buFont typeface="Wingdings 3" charset="2"/>
-              <a:buChar char=""/>
-              <a:defRPr kumimoji="1" sz="1400" kern="1200">
-                <a:solidFill>
-                  <a:schemeClr val="tx1">
-                    <a:lumMod val="75000"/>
-                    <a:lumOff val="25000"/>
-                  </a:schemeClr>
-                </a:solidFill>
-                <a:latin typeface="+mn-lt"/>
-                <a:ea typeface="+mn-ea"/>
-                <a:cs typeface="+mn-cs"/>
-              </a:defRPr>
-            </a:lvl3pPr>
-            <a:lvl4pPr marL="1600200" indent="-228600" algn="l" defTabSz="457200" rtl="0" eaLnBrk="1" latinLnBrk="0" hangingPunct="1">
-              <a:spcBef>
-                <a:spcPts val="1000"/>
-              </a:spcBef>
-              <a:spcAft>
-                <a:spcPts val="0"/>
-              </a:spcAft>
-              <a:buClr>
-                <a:schemeClr val="accent1"/>
-              </a:buClr>
-              <a:buSzPct val="80000"/>
-              <a:buFont typeface="Wingdings 3" charset="2"/>
-              <a:buChar char=""/>
-              <a:defRPr kumimoji="1" sz="1200" kern="1200">
-                <a:solidFill>
-                  <a:schemeClr val="tx1">
-                    <a:lumMod val="75000"/>
-                    <a:lumOff val="25000"/>
-                  </a:schemeClr>
-                </a:solidFill>
-                <a:latin typeface="+mn-lt"/>
-                <a:ea typeface="+mn-ea"/>
-                <a:cs typeface="+mn-cs"/>
-              </a:defRPr>
-            </a:lvl4pPr>
-            <a:lvl5pPr marL="2057400" indent="-228600" algn="l" defTabSz="457200" rtl="0" eaLnBrk="1" latinLnBrk="0" hangingPunct="1">
-              <a:spcBef>
-                <a:spcPts val="1000"/>
-              </a:spcBef>
-              <a:spcAft>
-                <a:spcPts val="0"/>
-              </a:spcAft>
-              <a:buClr>
-                <a:schemeClr val="accent1"/>
-              </a:buClr>
-              <a:buSzPct val="80000"/>
-              <a:buFont typeface="Wingdings 3" charset="2"/>
-              <a:buChar char=""/>
-              <a:defRPr kumimoji="1" sz="1200" kern="1200">
-                <a:solidFill>
-                  <a:schemeClr val="tx1">
-                    <a:lumMod val="75000"/>
-                    <a:lumOff val="25000"/>
-                  </a:schemeClr>
-                </a:solidFill>
-                <a:latin typeface="+mn-lt"/>
-                <a:ea typeface="+mn-ea"/>
-                <a:cs typeface="+mn-cs"/>
-              </a:defRPr>
-            </a:lvl5pPr>
-            <a:lvl6pPr marL="2514600" indent="-228600" algn="l" defTabSz="457200" rtl="0" eaLnBrk="1" latinLnBrk="0" hangingPunct="1">
-              <a:spcBef>
-                <a:spcPts val="1000"/>
-              </a:spcBef>
-              <a:spcAft>
-                <a:spcPts val="0"/>
-              </a:spcAft>
-              <a:buClr>
-                <a:schemeClr val="accent1"/>
-              </a:buClr>
-              <a:buSzPct val="80000"/>
-              <a:buFont typeface="Wingdings 3" charset="2"/>
-              <a:buChar char=""/>
-              <a:defRPr kumimoji="1" sz="1200" kern="1200">
-                <a:solidFill>
-                  <a:schemeClr val="tx1">
-                    <a:lumMod val="75000"/>
-                    <a:lumOff val="25000"/>
-                  </a:schemeClr>
-                </a:solidFill>
-                <a:latin typeface="+mn-lt"/>
-                <a:ea typeface="+mn-ea"/>
-                <a:cs typeface="+mn-cs"/>
-              </a:defRPr>
-            </a:lvl6pPr>
-            <a:lvl7pPr marL="2971800" indent="-228600" algn="l" defTabSz="457200" rtl="0" eaLnBrk="1" latinLnBrk="0" hangingPunct="1">
-              <a:spcBef>
-                <a:spcPts val="1000"/>
-              </a:spcBef>
-              <a:spcAft>
-                <a:spcPts val="0"/>
-              </a:spcAft>
-              <a:buClr>
-                <a:schemeClr val="accent1"/>
-              </a:buClr>
-              <a:buSzPct val="80000"/>
-              <a:buFont typeface="Wingdings 3" charset="2"/>
-              <a:buChar char=""/>
-              <a:defRPr kumimoji="1" sz="1200" kern="1200">
-                <a:solidFill>
-                  <a:schemeClr val="tx1">
-                    <a:lumMod val="75000"/>
-                    <a:lumOff val="25000"/>
-                  </a:schemeClr>
-                </a:solidFill>
-                <a:latin typeface="+mn-lt"/>
-                <a:ea typeface="+mn-ea"/>
-                <a:cs typeface="+mn-cs"/>
-              </a:defRPr>
-            </a:lvl7pPr>
-            <a:lvl8pPr marL="3429000" indent="-228600" algn="l" defTabSz="457200" rtl="0" eaLnBrk="1" latinLnBrk="0" hangingPunct="1">
-              <a:spcBef>
-                <a:spcPts val="1000"/>
-              </a:spcBef>
-              <a:spcAft>
-                <a:spcPts val="0"/>
-              </a:spcAft>
-              <a:buClr>
-                <a:schemeClr val="accent1"/>
-              </a:buClr>
-              <a:buSzPct val="80000"/>
-              <a:buFont typeface="Wingdings 3" charset="2"/>
-              <a:buChar char=""/>
-              <a:defRPr kumimoji="1" sz="1200" kern="1200">
-                <a:solidFill>
-                  <a:schemeClr val="tx1">
-                    <a:lumMod val="75000"/>
-                    <a:lumOff val="25000"/>
-                  </a:schemeClr>
-                </a:solidFill>
-                <a:latin typeface="+mn-lt"/>
-                <a:ea typeface="+mn-ea"/>
-                <a:cs typeface="+mn-cs"/>
-              </a:defRPr>
-            </a:lvl8pPr>
-            <a:lvl9pPr marL="3886200" indent="-228600" algn="l" defTabSz="457200" rtl="0" eaLnBrk="1" latinLnBrk="0" hangingPunct="1">
-              <a:spcBef>
-                <a:spcPts val="1000"/>
-              </a:spcBef>
-              <a:spcAft>
-                <a:spcPts val="0"/>
-              </a:spcAft>
-              <a:buClr>
-                <a:schemeClr val="accent1"/>
-              </a:buClr>
-              <a:buSzPct val="80000"/>
-              <a:buFont typeface="Wingdings 3" charset="2"/>
-              <a:buChar char=""/>
-              <a:defRPr kumimoji="1" sz="1200" kern="1200">
-                <a:solidFill>
-                  <a:schemeClr val="tx1">
-                    <a:lumMod val="75000"/>
-                    <a:lumOff val="25000"/>
-                  </a:schemeClr>
-                </a:solidFill>
-                <a:latin typeface="+mn-lt"/>
-                <a:ea typeface="+mn-ea"/>
-                <a:cs typeface="+mn-cs"/>
-              </a:defRPr>
-            </a:lvl9pPr>
-          </a:lstStyle>
-          <a:p>
-            <a:r>
-              <a:rPr lang="ja-JP" altLang="en-US" sz="2400"/>
-              <a:t>キーボード入力</a:t>
-            </a:r>
-            <a:endParaRPr lang="ja-JP" altLang="en-US" sz="1800"/>
-          </a:p>
-        </p:txBody>
-      </p:sp>
-      <p:sp>
-        <p:nvSpPr>
-          <p:cNvPr id="17" name="正方形/長方形 16">
+      </p:pic>
+      <p:pic>
+        <p:nvPicPr>
+          <p:cNvPr id="7" name="図 6" descr="スクリーンショット が含まれている画像&#10;&#10;自動的に生成された説明">
             <a:extLst>
               <a:ext uri="{FF2B5EF4-FFF2-40B4-BE49-F238E27FC236}">
-                <a16:creationId xmlns:a16="http://schemas.microsoft.com/office/drawing/2014/main" id="{A53F0D2B-4CF7-5644-85E5-3A85B0B8BEF7}"/>
+                <a16:creationId xmlns:a16="http://schemas.microsoft.com/office/drawing/2014/main" id="{BD634594-299D-BB4A-9FF4-8D65979EAE18}"/>
               </a:ext>
             </a:extLst>
           </p:cNvPr>
-          <p:cNvSpPr/>
+          <p:cNvPicPr>
+            <a:picLocks noChangeAspect="1"/>
+          </p:cNvPicPr>
           <p:nvPr/>
-        </p:nvSpPr>
+        </p:nvPicPr>
+        <p:blipFill>
+          <a:blip r:embed="rId3"/>
+          <a:stretch>
+            <a:fillRect/>
+          </a:stretch>
+        </p:blipFill>
         <p:spPr>
           <a:xfrm>
-            <a:off x="1321303" y="1683028"/>
-            <a:ext cx="4165097" cy="1564026"/>
+            <a:off x="2439035" y="2850979"/>
+            <a:ext cx="4850279" cy="3400879"/>
           </a:xfrm>
           <a:prstGeom prst="rect">
             <a:avLst/>
           </a:prstGeom>
-          <a:solidFill>
-            <a:schemeClr val="accent2">
-              <a:lumMod val="20000"/>
-              <a:lumOff val="80000"/>
-            </a:schemeClr>
-          </a:solidFill>
-          <a:ln>
-            <a:noFill/>
-          </a:ln>
-        </p:spPr>
-        <p:style>
-          <a:lnRef idx="2">
-            <a:schemeClr val="accent1">
-              <a:shade val="50000"/>
-            </a:schemeClr>
-          </a:lnRef>
-          <a:fillRef idx="1">
-            <a:schemeClr val="accent1"/>
-          </a:fillRef>
-          <a:effectRef idx="0">
-            <a:schemeClr val="accent1"/>
-          </a:effectRef>
-          <a:fontRef idx="minor">
-            <a:schemeClr val="lt1"/>
-          </a:fontRef>
-        </p:style>
-        <p:txBody>
-          <a:bodyPr rtlCol="0" anchor="ctr"/>
-          <a:lstStyle/>
-          <a:p>
-            <a:r>
-              <a:rPr lang="en" altLang="ja-JP" sz="1600" dirty="0">
-                <a:solidFill>
-                  <a:schemeClr val="tx1"/>
-                </a:solidFill>
-                <a:latin typeface="Menlo" panose="020B0609030804020204" pitchFamily="49" charset="0"/>
-              </a:rPr>
-              <a:t>@KBD</a:t>
-            </a:r>
-          </a:p>
-          <a:p>
-            <a:r>
-              <a:rPr lang="en" altLang="ja-JP" sz="1600" dirty="0">
-                <a:solidFill>
-                  <a:schemeClr val="tx1"/>
-                </a:solidFill>
-                <a:latin typeface="Menlo" panose="020B0609030804020204" pitchFamily="49" charset="0"/>
-              </a:rPr>
-              <a:t>D=M    </a:t>
-            </a:r>
-            <a:r>
-              <a:rPr lang="en" altLang="ja-JP" sz="1200" dirty="0">
-                <a:solidFill>
-                  <a:schemeClr val="tx1"/>
-                </a:solidFill>
-                <a:latin typeface="Menlo" panose="020B0609030804020204" pitchFamily="49" charset="0"/>
-              </a:rPr>
-              <a:t>// </a:t>
-            </a:r>
-            <a:r>
-              <a:rPr lang="ja-JP" altLang="en-US" sz="1200">
-                <a:solidFill>
-                  <a:schemeClr val="tx1"/>
-                </a:solidFill>
-                <a:latin typeface="Menlo" panose="020B0609030804020204" pitchFamily="49" charset="0"/>
-              </a:rPr>
-              <a:t>キーボード入力</a:t>
-            </a:r>
-          </a:p>
-          <a:p>
-            <a:r>
-              <a:rPr lang="en-US" altLang="ja-JP" sz="1600" dirty="0">
-                <a:solidFill>
-                  <a:schemeClr val="tx1"/>
-                </a:solidFill>
-                <a:latin typeface="Menlo" panose="020B0609030804020204" pitchFamily="49" charset="0"/>
-              </a:rPr>
-              <a:t>@</a:t>
-            </a:r>
-            <a:r>
-              <a:rPr lang="en" altLang="ja-JP" sz="1600" dirty="0">
-                <a:solidFill>
-                  <a:schemeClr val="tx1"/>
-                </a:solidFill>
-                <a:latin typeface="Menlo" panose="020B0609030804020204" pitchFamily="49" charset="0"/>
-              </a:rPr>
-              <a:t>FOO</a:t>
-            </a:r>
-          </a:p>
-          <a:p>
-            <a:r>
-              <a:rPr lang="en" altLang="ja-JP" sz="1600" dirty="0">
-                <a:solidFill>
-                  <a:schemeClr val="tx1"/>
-                </a:solidFill>
-                <a:latin typeface="Menlo" panose="020B0609030804020204" pitchFamily="49" charset="0"/>
-              </a:rPr>
-              <a:t>D;JGT  </a:t>
-            </a:r>
-            <a:r>
-              <a:rPr lang="en" altLang="ja-JP" sz="1200" dirty="0">
-                <a:solidFill>
-                  <a:schemeClr val="tx1"/>
-                </a:solidFill>
-                <a:latin typeface="Menlo" panose="020B0609030804020204" pitchFamily="49" charset="0"/>
-              </a:rPr>
-              <a:t>// </a:t>
-            </a:r>
-            <a:r>
-              <a:rPr lang="ja-JP" altLang="en-US" sz="1200">
-                <a:solidFill>
-                  <a:schemeClr val="tx1"/>
-                </a:solidFill>
-                <a:latin typeface="Menlo" panose="020B0609030804020204" pitchFamily="49" charset="0"/>
-              </a:rPr>
-              <a:t>キーが入力されている場合</a:t>
-            </a:r>
-            <a:r>
-              <a:rPr lang="en-US" altLang="ja-JP" sz="1200" dirty="0">
-                <a:solidFill>
-                  <a:schemeClr val="tx1"/>
-                </a:solidFill>
-                <a:latin typeface="Menlo" panose="020B0609030804020204" pitchFamily="49" charset="0"/>
-              </a:rPr>
-              <a:t> FOO </a:t>
-            </a:r>
-            <a:r>
-              <a:rPr lang="ja-JP" altLang="en-US" sz="1200">
-                <a:solidFill>
-                  <a:schemeClr val="tx1"/>
-                </a:solidFill>
-                <a:latin typeface="Menlo" panose="020B0609030804020204" pitchFamily="49" charset="0"/>
-              </a:rPr>
-              <a:t>へ</a:t>
-            </a:r>
-          </a:p>
-          <a:p>
-            <a:r>
-              <a:rPr lang="en-US" altLang="ja-JP" sz="1600" dirty="0">
-                <a:solidFill>
-                  <a:schemeClr val="tx1"/>
-                </a:solidFill>
-                <a:latin typeface="Menlo" panose="020B0609030804020204" pitchFamily="49" charset="0"/>
-              </a:rPr>
-              <a:t>@</a:t>
-            </a:r>
-            <a:r>
-              <a:rPr lang="en" altLang="ja-JP" sz="1600" dirty="0">
-                <a:solidFill>
-                  <a:schemeClr val="tx1"/>
-                </a:solidFill>
-                <a:latin typeface="Menlo" panose="020B0609030804020204" pitchFamily="49" charset="0"/>
-              </a:rPr>
-              <a:t>BAR</a:t>
-            </a:r>
-          </a:p>
-          <a:p>
-            <a:r>
-              <a:rPr lang="en" altLang="ja-JP" sz="1600" dirty="0">
-                <a:solidFill>
-                  <a:schemeClr val="tx1"/>
-                </a:solidFill>
-                <a:latin typeface="Menlo" panose="020B0609030804020204" pitchFamily="49" charset="0"/>
-              </a:rPr>
-              <a:t>D;JEQ  </a:t>
-            </a:r>
-            <a:r>
-              <a:rPr lang="en" altLang="ja-JP" sz="1200" dirty="0">
-                <a:solidFill>
-                  <a:schemeClr val="tx1"/>
-                </a:solidFill>
-                <a:latin typeface="Menlo" panose="020B0609030804020204" pitchFamily="49" charset="0"/>
-              </a:rPr>
-              <a:t>// </a:t>
-            </a:r>
-            <a:r>
-              <a:rPr lang="ja-JP" altLang="en-US" sz="1200">
-                <a:solidFill>
-                  <a:schemeClr val="tx1"/>
-                </a:solidFill>
-                <a:latin typeface="Menlo" panose="020B0609030804020204" pitchFamily="49" charset="0"/>
-              </a:rPr>
-              <a:t>入力されていない場合 </a:t>
-            </a:r>
-            <a:r>
-              <a:rPr lang="en-US" altLang="ja-JP" sz="1200" dirty="0">
-                <a:solidFill>
-                  <a:schemeClr val="tx1"/>
-                </a:solidFill>
-                <a:latin typeface="Menlo" panose="020B0609030804020204" pitchFamily="49" charset="0"/>
-              </a:rPr>
-              <a:t>BAR </a:t>
-            </a:r>
-            <a:r>
-              <a:rPr lang="ja-JP" altLang="en-US" sz="1200">
-                <a:solidFill>
-                  <a:schemeClr val="tx1"/>
-                </a:solidFill>
-                <a:latin typeface="Menlo" panose="020B0609030804020204" pitchFamily="49" charset="0"/>
-              </a:rPr>
-              <a:t>へ</a:t>
-            </a:r>
-          </a:p>
-        </p:txBody>
-      </p:sp>
-      <p:sp>
-        <p:nvSpPr>
-          <p:cNvPr id="18" name="正方形/長方形 17">
-            <a:extLst>
-              <a:ext uri="{FF2B5EF4-FFF2-40B4-BE49-F238E27FC236}">
-                <a16:creationId xmlns:a16="http://schemas.microsoft.com/office/drawing/2014/main" id="{46E26D55-7AD8-BF42-B4E8-A2B763E7A495}"/>
-              </a:ext>
-            </a:extLst>
-          </p:cNvPr>
-          <p:cNvSpPr/>
-          <p:nvPr/>
-        </p:nvSpPr>
-        <p:spPr>
-          <a:xfrm>
-            <a:off x="6866797" y="1683028"/>
-            <a:ext cx="4525305" cy="1461388"/>
-          </a:xfrm>
-          <a:prstGeom prst="rect">
-            <a:avLst/>
-          </a:prstGeom>
-          <a:solidFill>
-            <a:schemeClr val="accent2">
-              <a:lumMod val="20000"/>
-              <a:lumOff val="80000"/>
-            </a:schemeClr>
-          </a:solidFill>
-          <a:ln>
-            <a:noFill/>
-          </a:ln>
-        </p:spPr>
-        <p:style>
-          <a:lnRef idx="2">
-            <a:schemeClr val="accent1">
-              <a:shade val="50000"/>
-            </a:schemeClr>
-          </a:lnRef>
-          <a:fillRef idx="1">
-            <a:schemeClr val="accent1"/>
-          </a:fillRef>
-          <a:effectRef idx="0">
-            <a:schemeClr val="accent1"/>
-          </a:effectRef>
-          <a:fontRef idx="minor">
-            <a:schemeClr val="lt1"/>
-          </a:fontRef>
-        </p:style>
-        <p:txBody>
-          <a:bodyPr rtlCol="0" anchor="ctr"/>
-          <a:lstStyle/>
-          <a:p>
-            <a:r>
-              <a:rPr lang="en" altLang="ja-JP" sz="1600" dirty="0">
-                <a:solidFill>
-                  <a:schemeClr val="tx1"/>
-                </a:solidFill>
-                <a:latin typeface="Menlo" panose="020B0609030804020204" pitchFamily="49" charset="0"/>
-              </a:rPr>
-              <a:t>@SCREEN</a:t>
-            </a:r>
-          </a:p>
-          <a:p>
-            <a:r>
-              <a:rPr lang="en" altLang="ja-JP" sz="1600" dirty="0">
-                <a:solidFill>
-                  <a:schemeClr val="tx1"/>
-                </a:solidFill>
-                <a:latin typeface="Menlo" panose="020B0609030804020204" pitchFamily="49" charset="0"/>
-              </a:rPr>
-              <a:t>M=1</a:t>
-            </a:r>
-            <a:r>
-              <a:rPr lang="en" altLang="ja-JP" sz="1200" dirty="0">
-                <a:solidFill>
-                  <a:schemeClr val="tx1"/>
-                </a:solidFill>
-                <a:latin typeface="Menlo" panose="020B0609030804020204" pitchFamily="49" charset="0"/>
-              </a:rPr>
-              <a:t>    // SCREEN[0] </a:t>
-            </a:r>
-            <a:r>
-              <a:rPr lang="ja-JP" altLang="en-US" sz="1200">
-                <a:solidFill>
-                  <a:schemeClr val="tx1"/>
-                </a:solidFill>
-                <a:latin typeface="Menlo" panose="020B0609030804020204" pitchFamily="49" charset="0"/>
-              </a:rPr>
-              <a:t>のワードの</a:t>
-            </a:r>
-            <a:r>
-              <a:rPr lang="en-US" altLang="ja-JP" sz="1200" dirty="0">
-                <a:solidFill>
-                  <a:schemeClr val="tx1"/>
-                </a:solidFill>
-                <a:latin typeface="Menlo" panose="020B0609030804020204" pitchFamily="49" charset="0"/>
-              </a:rPr>
-              <a:t>1</a:t>
-            </a:r>
-            <a:r>
-              <a:rPr lang="ja-JP" altLang="en-US" sz="1200">
-                <a:solidFill>
-                  <a:schemeClr val="tx1"/>
-                </a:solidFill>
-                <a:latin typeface="Menlo" panose="020B0609030804020204" pitchFamily="49" charset="0"/>
-              </a:rPr>
-              <a:t>ビットを黒く描画する</a:t>
-            </a:r>
-          </a:p>
-          <a:p>
-            <a:r>
-              <a:rPr lang="en-US" altLang="ja-JP" sz="1600" dirty="0">
-                <a:solidFill>
-                  <a:schemeClr val="tx1"/>
-                </a:solidFill>
-                <a:latin typeface="Menlo" panose="020B0609030804020204" pitchFamily="49" charset="0"/>
-              </a:rPr>
-              <a:t>@</a:t>
-            </a:r>
-            <a:r>
-              <a:rPr lang="en" altLang="ja-JP" sz="1600" dirty="0">
-                <a:solidFill>
-                  <a:schemeClr val="tx1"/>
-                </a:solidFill>
-                <a:latin typeface="Menlo" panose="020B0609030804020204" pitchFamily="49" charset="0"/>
-              </a:rPr>
-              <a:t>SCREEN</a:t>
-            </a:r>
-          </a:p>
-          <a:p>
-            <a:r>
-              <a:rPr lang="en" altLang="ja-JP" sz="1600" dirty="0">
-                <a:solidFill>
-                  <a:schemeClr val="tx1"/>
-                </a:solidFill>
-                <a:latin typeface="Menlo" panose="020B0609030804020204" pitchFamily="49" charset="0"/>
-              </a:rPr>
-              <a:t>A=A+1</a:t>
-            </a:r>
-            <a:r>
-              <a:rPr lang="en" altLang="ja-JP" sz="1200" dirty="0">
-                <a:solidFill>
-                  <a:schemeClr val="tx1"/>
-                </a:solidFill>
-                <a:latin typeface="Menlo" panose="020B0609030804020204" pitchFamily="49" charset="0"/>
-              </a:rPr>
-              <a:t> // SCREEN[1] </a:t>
-            </a:r>
-            <a:r>
-              <a:rPr lang="ja-JP" altLang="en-US" sz="1200">
-                <a:solidFill>
-                  <a:schemeClr val="tx1"/>
-                </a:solidFill>
-                <a:latin typeface="Menlo" panose="020B0609030804020204" pitchFamily="49" charset="0"/>
-              </a:rPr>
-              <a:t>を指定する</a:t>
-            </a:r>
-          </a:p>
-          <a:p>
-            <a:r>
-              <a:rPr lang="en" altLang="ja-JP" sz="1600" dirty="0">
-                <a:solidFill>
-                  <a:schemeClr val="tx1"/>
-                </a:solidFill>
-                <a:latin typeface="Menlo" panose="020B0609030804020204" pitchFamily="49" charset="0"/>
-              </a:rPr>
-              <a:t>M=1</a:t>
-            </a:r>
-            <a:r>
-              <a:rPr lang="en" altLang="ja-JP" sz="1200" dirty="0">
-                <a:solidFill>
-                  <a:schemeClr val="tx1"/>
-                </a:solidFill>
-                <a:latin typeface="Menlo" panose="020B0609030804020204" pitchFamily="49" charset="0"/>
-              </a:rPr>
-              <a:t>    // </a:t>
-            </a:r>
-            <a:r>
-              <a:rPr lang="ja-JP" altLang="en-US" sz="1200">
-                <a:solidFill>
-                  <a:schemeClr val="tx1"/>
-                </a:solidFill>
-                <a:latin typeface="Menlo" panose="020B0609030804020204" pitchFamily="49" charset="0"/>
-              </a:rPr>
-              <a:t>指定されたワードの</a:t>
-            </a:r>
-            <a:r>
-              <a:rPr lang="en-US" altLang="ja-JP" sz="1200" dirty="0">
-                <a:solidFill>
-                  <a:schemeClr val="tx1"/>
-                </a:solidFill>
-                <a:latin typeface="Menlo" panose="020B0609030804020204" pitchFamily="49" charset="0"/>
-              </a:rPr>
-              <a:t>1</a:t>
-            </a:r>
-            <a:r>
-              <a:rPr lang="ja-JP" altLang="en-US" sz="1200">
-                <a:solidFill>
-                  <a:schemeClr val="tx1"/>
-                </a:solidFill>
-                <a:latin typeface="Menlo" panose="020B0609030804020204" pitchFamily="49" charset="0"/>
-              </a:rPr>
-              <a:t>ビットを黒く描画する</a:t>
-            </a:r>
-          </a:p>
-        </p:txBody>
-      </p:sp>
+        </p:spPr>
+      </p:pic>
     </p:spTree>
     <p:extLst>
       <p:ext uri="{BB962C8B-B14F-4D97-AF65-F5344CB8AC3E}">
-        <p14:creationId xmlns:p14="http://schemas.microsoft.com/office/powerpoint/2010/main" val="3954660120"/>
+        <p14:creationId xmlns:p14="http://schemas.microsoft.com/office/powerpoint/2010/main" val="44598024"/>
       </p:ext>
     </p:extLst>
   </p:cSld>
@@ -18675,32 +18576,20 @@
           <a:lstStyle/>
           <a:p>
             <a:r>
-              <a:rPr lang="ja-JP" altLang="en-US"/>
+              <a:rPr kumimoji="1" lang="ja-JP" altLang="en-US"/>
               <a:t>課題</a:t>
             </a:r>
             <a:r>
+              <a:rPr kumimoji="1" lang="en-US" altLang="ja-JP" dirty="0"/>
+              <a:t> </a:t>
+            </a:r>
+            <a:r>
               <a:rPr lang="en-US" altLang="ja-JP" dirty="0"/>
-              <a:t> - </a:t>
+              <a:t>- </a:t>
             </a:r>
             <a:r>
               <a:rPr lang="en-US" altLang="ja-JP" dirty="0" err="1"/>
               <a:t>Fill.asm</a:t>
-            </a:r>
-            <a:r>
-              <a:rPr lang="ja-JP" altLang="en-US"/>
-              <a:t> </a:t>
-            </a:r>
-            <a:r>
-              <a:rPr lang="en-US" altLang="ja-JP" dirty="0"/>
-              <a:t>(</a:t>
-            </a:r>
-            <a:r>
-              <a:rPr lang="ja-JP" altLang="en-US"/>
-              <a:t>実装案</a:t>
-            </a:r>
-            <a:r>
-              <a:rPr lang="en-US" altLang="ja-JP" dirty="0"/>
-              <a:t>)</a:t>
             </a:r>
             <a:endParaRPr kumimoji="1" lang="ja-JP" altLang="en-US"/>
           </a:p>
@@ -18766,6 +18655,42 @@
       </p:sp>
       <p:sp>
         <p:nvSpPr>
+          <p:cNvPr id="3" name="コンテンツ プレースホルダー 2">
+            <a:extLst>
+              <a:ext uri="{FF2B5EF4-FFF2-40B4-BE49-F238E27FC236}">
+                <a16:creationId xmlns:a16="http://schemas.microsoft.com/office/drawing/2014/main" id="{895889A3-C76C-6645-ADD1-20D62CD552A8}"/>
+              </a:ext>
+            </a:extLst>
+          </p:cNvPr>
+          <p:cNvSpPr>
+            <a:spLocks noGrp="1"/>
+          </p:cNvSpPr>
+          <p:nvPr>
+            <p:ph idx="1"/>
+          </p:nvPr>
+        </p:nvSpPr>
+        <p:spPr>
+          <a:xfrm>
+            <a:off x="6486630" y="1110462"/>
+            <a:ext cx="4616798" cy="5131165"/>
+          </a:xfrm>
+        </p:spPr>
+        <p:txBody>
+          <a:bodyPr>
+            <a:normAutofit/>
+          </a:bodyPr>
+          <a:lstStyle/>
+          <a:p>
+            <a:r>
+              <a:rPr lang="ja-JP" altLang="en-US" sz="2400"/>
+              <a:t>スクリーン出力</a:t>
+            </a:r>
+            <a:endParaRPr kumimoji="1" lang="ja-JP" altLang="en-US" sz="2400"/>
+          </a:p>
+        </p:txBody>
+      </p:sp>
+      <p:sp>
+        <p:nvSpPr>
           <p:cNvPr id="12" name="Isosceles Triangle 11">
             <a:extLst>
               <a:ext uri="{FF2B5EF4-FFF2-40B4-BE49-F238E27FC236}">
@@ -18889,10 +18814,273 @@
       </p:sp>
       <p:sp>
         <p:nvSpPr>
-          <p:cNvPr id="9" name="正方形/長方形 8">
+          <p:cNvPr id="16" name="コンテンツ プレースホルダー 2">
             <a:extLst>
               <a:ext uri="{FF2B5EF4-FFF2-40B4-BE49-F238E27FC236}">
-                <a16:creationId xmlns:a16="http://schemas.microsoft.com/office/drawing/2014/main" id="{F515A086-A130-6447-A414-B6A02E99F997}"/>
+                <a16:creationId xmlns:a16="http://schemas.microsoft.com/office/drawing/2014/main" id="{1B0AB432-EA2C-8B4E-8025-E89E468260A2}"/>
+              </a:ext>
+            </a:extLst>
+          </p:cNvPr>
+          <p:cNvSpPr txBox="1">
+            <a:spLocks/>
+          </p:cNvSpPr>
+          <p:nvPr/>
+        </p:nvSpPr>
+        <p:spPr>
+          <a:xfrm>
+            <a:off x="934916" y="1105513"/>
+            <a:ext cx="4616798" cy="2323488"/>
+          </a:xfrm>
+          <a:prstGeom prst="rect">
+            <a:avLst/>
+          </a:prstGeom>
+        </p:spPr>
+        <p:txBody>
+          <a:bodyPr vert="horz" lIns="91440" tIns="45720" rIns="91440" bIns="45720" rtlCol="0">
+            <a:normAutofit/>
+          </a:bodyPr>
+          <a:lstStyle>
+            <a:lvl1pPr marL="342900" indent="-342900" algn="l" defTabSz="457200" rtl="0" eaLnBrk="1" latinLnBrk="0" hangingPunct="1">
+              <a:spcBef>
+                <a:spcPts val="1000"/>
+              </a:spcBef>
+              <a:spcAft>
+                <a:spcPts val="0"/>
+              </a:spcAft>
+              <a:buClr>
+                <a:schemeClr val="accent1"/>
+              </a:buClr>
+              <a:buSzPct val="80000"/>
+              <a:buFont typeface="Wingdings 3" charset="2"/>
+              <a:buChar char=""/>
+              <a:defRPr kumimoji="1" sz="1800" kern="1200">
+                <a:solidFill>
+                  <a:schemeClr val="tx1">
+                    <a:lumMod val="75000"/>
+                    <a:lumOff val="25000"/>
+                  </a:schemeClr>
+                </a:solidFill>
+                <a:latin typeface="+mn-lt"/>
+                <a:ea typeface="+mn-ea"/>
+                <a:cs typeface="+mn-cs"/>
+              </a:defRPr>
+            </a:lvl1pPr>
+            <a:lvl2pPr marL="742950" indent="-285750" algn="l" defTabSz="457200" rtl="0" eaLnBrk="1" latinLnBrk="0" hangingPunct="1">
+              <a:spcBef>
+                <a:spcPts val="1000"/>
+              </a:spcBef>
+              <a:spcAft>
+                <a:spcPts val="0"/>
+              </a:spcAft>
+              <a:buClr>
+                <a:schemeClr val="accent1"/>
+              </a:buClr>
+              <a:buSzPct val="80000"/>
+              <a:buFont typeface="Wingdings 3" charset="2"/>
+              <a:buChar char=""/>
+              <a:defRPr kumimoji="1" sz="1600" kern="1200">
+                <a:solidFill>
+                  <a:schemeClr val="tx1">
+                    <a:lumMod val="75000"/>
+                    <a:lumOff val="25000"/>
+                  </a:schemeClr>
+                </a:solidFill>
+                <a:latin typeface="+mn-lt"/>
+                <a:ea typeface="+mn-ea"/>
+                <a:cs typeface="+mn-cs"/>
+              </a:defRPr>
+            </a:lvl2pPr>
+            <a:lvl3pPr marL="1143000" indent="-228600" algn="l" defTabSz="457200" rtl="0" eaLnBrk="1" latinLnBrk="0" hangingPunct="1">
+              <a:spcBef>
+                <a:spcPts val="1000"/>
+              </a:spcBef>
+              <a:spcAft>
+                <a:spcPts val="0"/>
+              </a:spcAft>
+              <a:buClr>
+                <a:schemeClr val="accent1"/>
+              </a:buClr>
+              <a:buSzPct val="80000"/>
+              <a:buFont typeface="Wingdings 3" charset="2"/>
+              <a:buChar char=""/>
+              <a:defRPr kumimoji="1" sz="1400" kern="1200">
+                <a:solidFill>
+                  <a:schemeClr val="tx1">
+                    <a:lumMod val="75000"/>
+                    <a:lumOff val="25000"/>
+                  </a:schemeClr>
+                </a:solidFill>
+                <a:latin typeface="+mn-lt"/>
+                <a:ea typeface="+mn-ea"/>
+                <a:cs typeface="+mn-cs"/>
+              </a:defRPr>
+            </a:lvl3pPr>
+            <a:lvl4pPr marL="1600200" indent="-228600" algn="l" defTabSz="457200" rtl="0" eaLnBrk="1" latinLnBrk="0" hangingPunct="1">
+              <a:spcBef>
+                <a:spcPts val="1000"/>
+              </a:spcBef>
+              <a:spcAft>
+                <a:spcPts val="0"/>
+              </a:spcAft>
+              <a:buClr>
+                <a:schemeClr val="accent1"/>
+              </a:buClr>
+              <a:buSzPct val="80000"/>
+              <a:buFont typeface="Wingdings 3" charset="2"/>
+              <a:buChar char=""/>
+              <a:defRPr kumimoji="1" sz="1200" kern="1200">
+                <a:solidFill>
+                  <a:schemeClr val="tx1">
+                    <a:lumMod val="75000"/>
+                    <a:lumOff val="25000"/>
+                  </a:schemeClr>
+                </a:solidFill>
+                <a:latin typeface="+mn-lt"/>
+                <a:ea typeface="+mn-ea"/>
+                <a:cs typeface="+mn-cs"/>
+              </a:defRPr>
+            </a:lvl4pPr>
+            <a:lvl5pPr marL="2057400" indent="-228600" algn="l" defTabSz="457200" rtl="0" eaLnBrk="1" latinLnBrk="0" hangingPunct="1">
+              <a:spcBef>
+                <a:spcPts val="1000"/>
+              </a:spcBef>
+              <a:spcAft>
+                <a:spcPts val="0"/>
+              </a:spcAft>
+              <a:buClr>
+                <a:schemeClr val="accent1"/>
+              </a:buClr>
+              <a:buSzPct val="80000"/>
+              <a:buFont typeface="Wingdings 3" charset="2"/>
+              <a:buChar char=""/>
+              <a:defRPr kumimoji="1" sz="1200" kern="1200">
+                <a:solidFill>
+                  <a:schemeClr val="tx1">
+                    <a:lumMod val="75000"/>
+                    <a:lumOff val="25000"/>
+                  </a:schemeClr>
+                </a:solidFill>
+                <a:latin typeface="+mn-lt"/>
+                <a:ea typeface="+mn-ea"/>
+                <a:cs typeface="+mn-cs"/>
+              </a:defRPr>
+            </a:lvl5pPr>
+            <a:lvl6pPr marL="2514600" indent="-228600" algn="l" defTabSz="457200" rtl="0" eaLnBrk="1" latinLnBrk="0" hangingPunct="1">
+              <a:spcBef>
+                <a:spcPts val="1000"/>
+              </a:spcBef>
+              <a:spcAft>
+                <a:spcPts val="0"/>
+              </a:spcAft>
+              <a:buClr>
+                <a:schemeClr val="accent1"/>
+              </a:buClr>
+              <a:buSzPct val="80000"/>
+              <a:buFont typeface="Wingdings 3" charset="2"/>
+              <a:buChar char=""/>
+              <a:defRPr kumimoji="1" sz="1200" kern="1200">
+                <a:solidFill>
+                  <a:schemeClr val="tx1">
+                    <a:lumMod val="75000"/>
+                    <a:lumOff val="25000"/>
+                  </a:schemeClr>
+                </a:solidFill>
+                <a:latin typeface="+mn-lt"/>
+                <a:ea typeface="+mn-ea"/>
+                <a:cs typeface="+mn-cs"/>
+              </a:defRPr>
+            </a:lvl6pPr>
+            <a:lvl7pPr marL="2971800" indent="-228600" algn="l" defTabSz="457200" rtl="0" eaLnBrk="1" latinLnBrk="0" hangingPunct="1">
+              <a:spcBef>
+                <a:spcPts val="1000"/>
+              </a:spcBef>
+              <a:spcAft>
+                <a:spcPts val="0"/>
+              </a:spcAft>
+              <a:buClr>
+                <a:schemeClr val="accent1"/>
+              </a:buClr>
+              <a:buSzPct val="80000"/>
+              <a:buFont typeface="Wingdings 3" charset="2"/>
+              <a:buChar char=""/>
+              <a:defRPr kumimoji="1" sz="1200" kern="1200">
+                <a:solidFill>
+                  <a:schemeClr val="tx1">
+                    <a:lumMod val="75000"/>
+                    <a:lumOff val="25000"/>
+                  </a:schemeClr>
+                </a:solidFill>
+                <a:latin typeface="+mn-lt"/>
+                <a:ea typeface="+mn-ea"/>
+                <a:cs typeface="+mn-cs"/>
+              </a:defRPr>
+            </a:lvl7pPr>
+            <a:lvl8pPr marL="3429000" indent="-228600" algn="l" defTabSz="457200" rtl="0" eaLnBrk="1" latinLnBrk="0" hangingPunct="1">
+              <a:spcBef>
+                <a:spcPts val="1000"/>
+              </a:spcBef>
+              <a:spcAft>
+                <a:spcPts val="0"/>
+              </a:spcAft>
+              <a:buClr>
+                <a:schemeClr val="accent1"/>
+              </a:buClr>
+              <a:buSzPct val="80000"/>
+              <a:buFont typeface="Wingdings 3" charset="2"/>
+              <a:buChar char=""/>
+              <a:defRPr kumimoji="1" sz="1200" kern="1200">
+                <a:solidFill>
+                  <a:schemeClr val="tx1">
+                    <a:lumMod val="75000"/>
+                    <a:lumOff val="25000"/>
+                  </a:schemeClr>
+                </a:solidFill>
+                <a:latin typeface="+mn-lt"/>
+                <a:ea typeface="+mn-ea"/>
+                <a:cs typeface="+mn-cs"/>
+              </a:defRPr>
+            </a:lvl8pPr>
+            <a:lvl9pPr marL="3886200" indent="-228600" algn="l" defTabSz="457200" rtl="0" eaLnBrk="1" latinLnBrk="0" hangingPunct="1">
+              <a:spcBef>
+                <a:spcPts val="1000"/>
+              </a:spcBef>
+              <a:spcAft>
+                <a:spcPts val="0"/>
+              </a:spcAft>
+              <a:buClr>
+                <a:schemeClr val="accent1"/>
+              </a:buClr>
+              <a:buSzPct val="80000"/>
+              <a:buFont typeface="Wingdings 3" charset="2"/>
+              <a:buChar char=""/>
+              <a:defRPr kumimoji="1" sz="1200" kern="1200">
+                <a:solidFill>
+                  <a:schemeClr val="tx1">
+                    <a:lumMod val="75000"/>
+                    <a:lumOff val="25000"/>
+                  </a:schemeClr>
+                </a:solidFill>
+                <a:latin typeface="+mn-lt"/>
+                <a:ea typeface="+mn-ea"/>
+                <a:cs typeface="+mn-cs"/>
+              </a:defRPr>
+            </a:lvl9pPr>
+          </a:lstStyle>
+          <a:p>
+            <a:r>
+              <a:rPr lang="ja-JP" altLang="en-US" sz="2400"/>
+              <a:t>キーボード入力</a:t>
+            </a:r>
+            <a:endParaRPr lang="ja-JP" altLang="en-US" sz="1800"/>
+          </a:p>
+        </p:txBody>
+      </p:sp>
+      <p:sp>
+        <p:nvSpPr>
+          <p:cNvPr id="17" name="正方形/長方形 16">
+            <a:extLst>
+              <a:ext uri="{FF2B5EF4-FFF2-40B4-BE49-F238E27FC236}">
+                <a16:creationId xmlns:a16="http://schemas.microsoft.com/office/drawing/2014/main" id="{A53F0D2B-4CF7-5644-85E5-3A85B0B8BEF7}"/>
               </a:ext>
             </a:extLst>
           </p:cNvPr>
@@ -18901,8 +19089,8 @@
         </p:nvSpPr>
         <p:spPr>
           <a:xfrm>
-            <a:off x="1544946" y="984522"/>
-            <a:ext cx="4439417" cy="4447014"/>
+            <a:off x="1321303" y="1683028"/>
+            <a:ext cx="4165097" cy="1564026"/>
           </a:xfrm>
           <a:prstGeom prst="rect">
             <a:avLst/>
@@ -18934,663 +19122,190 @@
           </a:fontRef>
         </p:style>
         <p:txBody>
-          <a:bodyPr rtlCol="0" anchor="t"/>
+          <a:bodyPr rtlCol="0" anchor="ctr"/>
           <a:lstStyle/>
           <a:p>
             <a:r>
-              <a:rPr lang="en" altLang="ja-JP" sz="900" dirty="0">
-                <a:solidFill>
-                  <a:schemeClr val="tx1"/>
-                </a:solidFill>
-                <a:latin typeface="Menlo" panose="020B0609030804020204" pitchFamily="49" charset="0"/>
-                <a:ea typeface="Menlo" panose="020B0609030804020204" pitchFamily="49" charset="0"/>
-                <a:cs typeface="Menlo" panose="020B0609030804020204" pitchFamily="49" charset="0"/>
-              </a:rPr>
-              <a:t>(LOOP)</a:t>
-            </a:r>
-          </a:p>
-          <a:p>
-            <a:r>
-              <a:rPr lang="en" altLang="ja-JP" sz="900" dirty="0">
-                <a:solidFill>
-                  <a:schemeClr val="tx1"/>
-                </a:solidFill>
-                <a:latin typeface="Menlo" panose="020B0609030804020204" pitchFamily="49" charset="0"/>
-                <a:ea typeface="Menlo" panose="020B0609030804020204" pitchFamily="49" charset="0"/>
-                <a:cs typeface="Menlo" panose="020B0609030804020204" pitchFamily="49" charset="0"/>
-              </a:rPr>
-              <a:t>    </a:t>
-            </a:r>
-            <a:r>
-              <a:rPr lang="en" altLang="ja-JP" sz="800" dirty="0">
-                <a:solidFill>
-                  <a:schemeClr val="tx1"/>
-                </a:solidFill>
-                <a:latin typeface="+mn-ea"/>
-                <a:cs typeface="Menlo" panose="020B0609030804020204" pitchFamily="49" charset="0"/>
-              </a:rPr>
-              <a:t>// </a:t>
-            </a:r>
-            <a:r>
-              <a:rPr lang="ja-JP" altLang="en-US" sz="800">
-                <a:solidFill>
-                  <a:schemeClr val="tx1"/>
-                </a:solidFill>
-                <a:latin typeface="+mn-ea"/>
-                <a:cs typeface="Menlo" panose="020B0609030804020204" pitchFamily="49" charset="0"/>
+              <a:rPr lang="en" altLang="ja-JP" sz="1600" dirty="0">
+                <a:solidFill>
+                  <a:schemeClr val="tx1"/>
+                </a:solidFill>
+                <a:latin typeface="Menlo" panose="020B0609030804020204" pitchFamily="49" charset="0"/>
+              </a:rPr>
+              <a:t>@KBD</a:t>
+            </a:r>
+          </a:p>
+          <a:p>
+            <a:r>
+              <a:rPr lang="en" altLang="ja-JP" sz="1600" dirty="0">
+                <a:solidFill>
+                  <a:schemeClr val="tx1"/>
+                </a:solidFill>
+                <a:latin typeface="Menlo" panose="020B0609030804020204" pitchFamily="49" charset="0"/>
+              </a:rPr>
+              <a:t>D=M    </a:t>
+            </a:r>
+            <a:r>
+              <a:rPr lang="en" altLang="ja-JP" sz="1200" dirty="0">
+                <a:solidFill>
+                  <a:schemeClr val="tx1"/>
+                </a:solidFill>
+                <a:latin typeface="Menlo" panose="020B0609030804020204" pitchFamily="49" charset="0"/>
+              </a:rPr>
+              <a:t>// </a:t>
+            </a:r>
+            <a:r>
+              <a:rPr lang="ja-JP" altLang="en-US" sz="1200">
+                <a:solidFill>
+                  <a:schemeClr val="tx1"/>
+                </a:solidFill>
+                <a:latin typeface="Menlo" panose="020B0609030804020204" pitchFamily="49" charset="0"/>
               </a:rPr>
               <a:t>キーボード入力</a:t>
             </a:r>
           </a:p>
           <a:p>
             <a:r>
-              <a:rPr lang="ja-JP" altLang="en-US" sz="900">
-                <a:solidFill>
-                  <a:schemeClr val="tx1"/>
-                </a:solidFill>
-                <a:latin typeface="Menlo" panose="020B0609030804020204" pitchFamily="49" charset="0"/>
-                <a:cs typeface="Menlo" panose="020B0609030804020204" pitchFamily="49" charset="0"/>
-              </a:rPr>
-              <a:t>    </a:t>
-            </a:r>
-            <a:r>
-              <a:rPr lang="en-US" altLang="ja-JP" sz="900" dirty="0">
-                <a:solidFill>
-                  <a:schemeClr val="tx1"/>
-                </a:solidFill>
-                <a:latin typeface="Menlo" panose="020B0609030804020204" pitchFamily="49" charset="0"/>
-                <a:ea typeface="Menlo" panose="020B0609030804020204" pitchFamily="49" charset="0"/>
-                <a:cs typeface="Menlo" panose="020B0609030804020204" pitchFamily="49" charset="0"/>
+              <a:rPr lang="en-US" altLang="ja-JP" sz="1600" dirty="0">
+                <a:solidFill>
+                  <a:schemeClr val="tx1"/>
+                </a:solidFill>
+                <a:latin typeface="Menlo" panose="020B0609030804020204" pitchFamily="49" charset="0"/>
               </a:rPr>
               <a:t>@</a:t>
             </a:r>
             <a:r>
-              <a:rPr lang="en" altLang="ja-JP" sz="900" dirty="0">
-                <a:solidFill>
-                  <a:schemeClr val="tx1"/>
-                </a:solidFill>
-                <a:latin typeface="Menlo" panose="020B0609030804020204" pitchFamily="49" charset="0"/>
-                <a:ea typeface="Menlo" panose="020B0609030804020204" pitchFamily="49" charset="0"/>
-                <a:cs typeface="Menlo" panose="020B0609030804020204" pitchFamily="49" charset="0"/>
-              </a:rPr>
-              <a:t>KBD</a:t>
-            </a:r>
-          </a:p>
-          <a:p>
-            <a:r>
-              <a:rPr lang="en" altLang="ja-JP" sz="900" dirty="0">
-                <a:solidFill>
-                  <a:schemeClr val="tx1"/>
-                </a:solidFill>
-                <a:latin typeface="Menlo" panose="020B0609030804020204" pitchFamily="49" charset="0"/>
-                <a:ea typeface="Menlo" panose="020B0609030804020204" pitchFamily="49" charset="0"/>
-                <a:cs typeface="Menlo" panose="020B0609030804020204" pitchFamily="49" charset="0"/>
-              </a:rPr>
-              <a:t>    D=M</a:t>
-            </a:r>
-            <a:br>
-              <a:rPr lang="en" altLang="ja-JP" sz="900" dirty="0">
-                <a:solidFill>
-                  <a:schemeClr val="tx1"/>
-                </a:solidFill>
-                <a:latin typeface="Menlo" panose="020B0609030804020204" pitchFamily="49" charset="0"/>
-                <a:ea typeface="Menlo" panose="020B0609030804020204" pitchFamily="49" charset="0"/>
-                <a:cs typeface="Menlo" panose="020B0609030804020204" pitchFamily="49" charset="0"/>
-              </a:rPr>
-            </a:br>
-            <a:endParaRPr lang="en" altLang="ja-JP" sz="900" dirty="0">
-              <a:solidFill>
-                <a:schemeClr val="tx1"/>
-              </a:solidFill>
-              <a:latin typeface="Menlo" panose="020B0609030804020204" pitchFamily="49" charset="0"/>
-              <a:ea typeface="Menlo" panose="020B0609030804020204" pitchFamily="49" charset="0"/>
-              <a:cs typeface="Menlo" panose="020B0609030804020204" pitchFamily="49" charset="0"/>
-            </a:endParaRPr>
-          </a:p>
-          <a:p>
-            <a:r>
-              <a:rPr lang="en" altLang="ja-JP" sz="900" dirty="0">
-                <a:solidFill>
-                  <a:schemeClr val="tx1"/>
-                </a:solidFill>
-                <a:latin typeface="Menlo" panose="020B0609030804020204" pitchFamily="49" charset="0"/>
-                <a:ea typeface="Menlo" panose="020B0609030804020204" pitchFamily="49" charset="0"/>
-                <a:cs typeface="Menlo" panose="020B0609030804020204" pitchFamily="49" charset="0"/>
-              </a:rPr>
-              <a:t>    </a:t>
-            </a:r>
-            <a:r>
-              <a:rPr lang="en" altLang="ja-JP" sz="800" dirty="0">
-                <a:solidFill>
-                  <a:schemeClr val="tx1"/>
-                </a:solidFill>
-                <a:latin typeface="+mn-ea"/>
-                <a:cs typeface="Menlo" panose="020B0609030804020204" pitchFamily="49" charset="0"/>
-              </a:rPr>
-              <a:t>// </a:t>
-            </a:r>
-            <a:r>
-              <a:rPr lang="ja-JP" altLang="en-US" sz="800">
-                <a:solidFill>
-                  <a:schemeClr val="tx1"/>
-                </a:solidFill>
-                <a:latin typeface="+mn-ea"/>
-                <a:cs typeface="Menlo" panose="020B0609030804020204" pitchFamily="49" charset="0"/>
-              </a:rPr>
-              <a:t>押下されている場合 </a:t>
-            </a:r>
-            <a:r>
-              <a:rPr lang="en" altLang="ja-JP" sz="800" dirty="0">
-                <a:solidFill>
-                  <a:schemeClr val="tx1"/>
-                </a:solidFill>
-                <a:latin typeface="+mn-ea"/>
-                <a:cs typeface="Menlo" panose="020B0609030804020204" pitchFamily="49" charset="0"/>
-              </a:rPr>
-              <a:t>ON </a:t>
-            </a:r>
-            <a:r>
-              <a:rPr lang="ja-JP" altLang="en-US" sz="800">
-                <a:solidFill>
-                  <a:schemeClr val="tx1"/>
-                </a:solidFill>
-                <a:latin typeface="+mn-ea"/>
-                <a:cs typeface="Menlo" panose="020B0609030804020204" pitchFamily="49" charset="0"/>
-              </a:rPr>
-              <a:t>へジャンプ</a:t>
-            </a:r>
-          </a:p>
-          <a:p>
-            <a:r>
-              <a:rPr lang="ja-JP" altLang="en-US" sz="900">
-                <a:solidFill>
-                  <a:schemeClr val="tx1"/>
-                </a:solidFill>
-                <a:latin typeface="Menlo" panose="020B0609030804020204" pitchFamily="49" charset="0"/>
-                <a:cs typeface="Menlo" panose="020B0609030804020204" pitchFamily="49" charset="0"/>
-              </a:rPr>
-              <a:t>    </a:t>
-            </a:r>
-            <a:r>
-              <a:rPr lang="en-US" altLang="ja-JP" sz="900" dirty="0">
-                <a:solidFill>
-                  <a:schemeClr val="tx1"/>
-                </a:solidFill>
-                <a:latin typeface="Menlo" panose="020B0609030804020204" pitchFamily="49" charset="0"/>
-                <a:ea typeface="Menlo" panose="020B0609030804020204" pitchFamily="49" charset="0"/>
-                <a:cs typeface="Menlo" panose="020B0609030804020204" pitchFamily="49" charset="0"/>
+              <a:rPr lang="en" altLang="ja-JP" sz="1600" dirty="0">
+                <a:solidFill>
+                  <a:schemeClr val="tx1"/>
+                </a:solidFill>
+                <a:latin typeface="Menlo" panose="020B0609030804020204" pitchFamily="49" charset="0"/>
+              </a:rPr>
+              <a:t>FOO</a:t>
+            </a:r>
+          </a:p>
+          <a:p>
+            <a:r>
+              <a:rPr lang="en" altLang="ja-JP" sz="1600" dirty="0">
+                <a:solidFill>
+                  <a:schemeClr val="tx1"/>
+                </a:solidFill>
+                <a:latin typeface="Menlo" panose="020B0609030804020204" pitchFamily="49" charset="0"/>
+              </a:rPr>
+              <a:t>D;JGT  </a:t>
+            </a:r>
+            <a:r>
+              <a:rPr lang="en" altLang="ja-JP" sz="1200" dirty="0">
+                <a:solidFill>
+                  <a:schemeClr val="tx1"/>
+                </a:solidFill>
+                <a:latin typeface="Menlo" panose="020B0609030804020204" pitchFamily="49" charset="0"/>
+              </a:rPr>
+              <a:t>// </a:t>
+            </a:r>
+            <a:r>
+              <a:rPr lang="ja-JP" altLang="en-US" sz="1200">
+                <a:solidFill>
+                  <a:schemeClr val="tx1"/>
+                </a:solidFill>
+                <a:latin typeface="Menlo" panose="020B0609030804020204" pitchFamily="49" charset="0"/>
+              </a:rPr>
+              <a:t>キーが入力されている場合</a:t>
+            </a:r>
+            <a:r>
+              <a:rPr lang="en-US" altLang="ja-JP" sz="1200" dirty="0">
+                <a:solidFill>
+                  <a:schemeClr val="tx1"/>
+                </a:solidFill>
+                <a:latin typeface="Menlo" panose="020B0609030804020204" pitchFamily="49" charset="0"/>
+              </a:rPr>
+              <a:t> FOO </a:t>
+            </a:r>
+            <a:r>
+              <a:rPr lang="ja-JP" altLang="en-US" sz="1200">
+                <a:solidFill>
+                  <a:schemeClr val="tx1"/>
+                </a:solidFill>
+                <a:latin typeface="Menlo" panose="020B0609030804020204" pitchFamily="49" charset="0"/>
+              </a:rPr>
+              <a:t>へ</a:t>
+            </a:r>
+          </a:p>
+          <a:p>
+            <a:r>
+              <a:rPr lang="en-US" altLang="ja-JP" sz="1600" dirty="0">
+                <a:solidFill>
+                  <a:schemeClr val="tx1"/>
+                </a:solidFill>
+                <a:latin typeface="Menlo" panose="020B0609030804020204" pitchFamily="49" charset="0"/>
               </a:rPr>
               <a:t>@</a:t>
             </a:r>
             <a:r>
-              <a:rPr lang="en" altLang="ja-JP" sz="900" dirty="0">
-                <a:solidFill>
-                  <a:schemeClr val="tx1"/>
-                </a:solidFill>
-                <a:latin typeface="Menlo" panose="020B0609030804020204" pitchFamily="49" charset="0"/>
-                <a:ea typeface="Menlo" panose="020B0609030804020204" pitchFamily="49" charset="0"/>
-                <a:cs typeface="Menlo" panose="020B0609030804020204" pitchFamily="49" charset="0"/>
-              </a:rPr>
-              <a:t>ON</a:t>
-            </a:r>
-          </a:p>
-          <a:p>
-            <a:r>
-              <a:rPr lang="en" altLang="ja-JP" sz="900" dirty="0">
-                <a:solidFill>
-                  <a:schemeClr val="tx1"/>
-                </a:solidFill>
-                <a:latin typeface="Menlo" panose="020B0609030804020204" pitchFamily="49" charset="0"/>
-                <a:ea typeface="Menlo" panose="020B0609030804020204" pitchFamily="49" charset="0"/>
-                <a:cs typeface="Menlo" panose="020B0609030804020204" pitchFamily="49" charset="0"/>
-              </a:rPr>
-              <a:t>    D;JGT</a:t>
-            </a:r>
-            <a:br>
-              <a:rPr lang="en" altLang="ja-JP" sz="900" dirty="0">
-                <a:solidFill>
-                  <a:schemeClr val="tx1"/>
-                </a:solidFill>
-                <a:latin typeface="Menlo" panose="020B0609030804020204" pitchFamily="49" charset="0"/>
-                <a:ea typeface="Menlo" panose="020B0609030804020204" pitchFamily="49" charset="0"/>
-                <a:cs typeface="Menlo" panose="020B0609030804020204" pitchFamily="49" charset="0"/>
-              </a:rPr>
-            </a:br>
-            <a:endParaRPr lang="en" altLang="ja-JP" sz="900" dirty="0">
-              <a:solidFill>
-                <a:schemeClr val="tx1"/>
-              </a:solidFill>
-              <a:latin typeface="Menlo" panose="020B0609030804020204" pitchFamily="49" charset="0"/>
-              <a:ea typeface="Menlo" panose="020B0609030804020204" pitchFamily="49" charset="0"/>
-              <a:cs typeface="Menlo" panose="020B0609030804020204" pitchFamily="49" charset="0"/>
-            </a:endParaRPr>
-          </a:p>
-          <a:p>
-            <a:r>
-              <a:rPr lang="en" altLang="ja-JP" sz="900" dirty="0">
-                <a:solidFill>
-                  <a:schemeClr val="tx1"/>
-                </a:solidFill>
-                <a:latin typeface="Menlo" panose="020B0609030804020204" pitchFamily="49" charset="0"/>
-                <a:ea typeface="Menlo" panose="020B0609030804020204" pitchFamily="49" charset="0"/>
-                <a:cs typeface="Menlo" panose="020B0609030804020204" pitchFamily="49" charset="0"/>
-              </a:rPr>
-              <a:t>    </a:t>
-            </a:r>
-            <a:r>
-              <a:rPr lang="en" altLang="ja-JP" sz="800" dirty="0">
-                <a:solidFill>
-                  <a:schemeClr val="tx1"/>
-                </a:solidFill>
-                <a:latin typeface="+mn-ea"/>
-                <a:cs typeface="Menlo" panose="020B0609030804020204" pitchFamily="49" charset="0"/>
-              </a:rPr>
-              <a:t>// </a:t>
-            </a:r>
-            <a:r>
-              <a:rPr lang="ja-JP" altLang="en-US" sz="800">
-                <a:solidFill>
-                  <a:schemeClr val="tx1"/>
-                </a:solidFill>
-                <a:latin typeface="+mn-ea"/>
-                <a:cs typeface="Menlo" panose="020B0609030804020204" pitchFamily="49" charset="0"/>
-              </a:rPr>
-              <a:t>押下されていない場合 </a:t>
-            </a:r>
-            <a:r>
-              <a:rPr lang="en" altLang="ja-JP" sz="800" dirty="0">
-                <a:solidFill>
-                  <a:schemeClr val="tx1"/>
-                </a:solidFill>
-                <a:latin typeface="+mn-ea"/>
-                <a:cs typeface="Menlo" panose="020B0609030804020204" pitchFamily="49" charset="0"/>
-              </a:rPr>
-              <a:t>R0 </a:t>
-            </a:r>
-            <a:r>
-              <a:rPr lang="ja-JP" altLang="en-US" sz="800">
-                <a:solidFill>
-                  <a:schemeClr val="tx1"/>
-                </a:solidFill>
-                <a:latin typeface="+mn-ea"/>
-                <a:cs typeface="Menlo" panose="020B0609030804020204" pitchFamily="49" charset="0"/>
-              </a:rPr>
-              <a:t>に </a:t>
-            </a:r>
-            <a:r>
-              <a:rPr lang="en-US" altLang="ja-JP" sz="800" dirty="0">
-                <a:solidFill>
-                  <a:schemeClr val="tx1"/>
-                </a:solidFill>
-                <a:latin typeface="+mn-ea"/>
-                <a:cs typeface="Menlo" panose="020B0609030804020204" pitchFamily="49" charset="0"/>
-              </a:rPr>
-              <a:t>0(0</a:t>
-            </a:r>
-            <a:r>
-              <a:rPr lang="en" altLang="ja-JP" sz="800" dirty="0">
-                <a:solidFill>
-                  <a:schemeClr val="tx1"/>
-                </a:solidFill>
-                <a:latin typeface="+mn-ea"/>
-                <a:cs typeface="Menlo" panose="020B0609030804020204" pitchFamily="49" charset="0"/>
-              </a:rPr>
-              <a:t>b000000000000) </a:t>
-            </a:r>
-            <a:r>
-              <a:rPr lang="ja-JP" altLang="en-US" sz="800">
-                <a:solidFill>
-                  <a:schemeClr val="tx1"/>
-                </a:solidFill>
-                <a:latin typeface="+mn-ea"/>
-                <a:cs typeface="Menlo" panose="020B0609030804020204" pitchFamily="49" charset="0"/>
-              </a:rPr>
-              <a:t>をセット</a:t>
-            </a:r>
-          </a:p>
-          <a:p>
-            <a:r>
-              <a:rPr lang="ja-JP" altLang="en-US" sz="900">
-                <a:solidFill>
-                  <a:schemeClr val="tx1"/>
-                </a:solidFill>
-                <a:latin typeface="Menlo" panose="020B0609030804020204" pitchFamily="49" charset="0"/>
-                <a:cs typeface="Menlo" panose="020B0609030804020204" pitchFamily="49" charset="0"/>
-              </a:rPr>
-              <a:t>    </a:t>
-            </a:r>
-            <a:r>
-              <a:rPr lang="en-US" altLang="ja-JP" sz="900" dirty="0">
-                <a:solidFill>
-                  <a:schemeClr val="tx1"/>
-                </a:solidFill>
-                <a:latin typeface="Menlo" panose="020B0609030804020204" pitchFamily="49" charset="0"/>
-                <a:ea typeface="Menlo" panose="020B0609030804020204" pitchFamily="49" charset="0"/>
-                <a:cs typeface="Menlo" panose="020B0609030804020204" pitchFamily="49" charset="0"/>
-              </a:rPr>
-              <a:t>@</a:t>
-            </a:r>
-            <a:r>
-              <a:rPr lang="en" altLang="ja-JP" sz="900" dirty="0">
-                <a:solidFill>
-                  <a:schemeClr val="tx1"/>
-                </a:solidFill>
-                <a:latin typeface="Menlo" panose="020B0609030804020204" pitchFamily="49" charset="0"/>
-                <a:ea typeface="Menlo" panose="020B0609030804020204" pitchFamily="49" charset="0"/>
-                <a:cs typeface="Menlo" panose="020B0609030804020204" pitchFamily="49" charset="0"/>
-              </a:rPr>
-              <a:t>R0</a:t>
-            </a:r>
-          </a:p>
-          <a:p>
-            <a:r>
-              <a:rPr lang="en" altLang="ja-JP" sz="900" dirty="0">
-                <a:solidFill>
-                  <a:schemeClr val="tx1"/>
-                </a:solidFill>
-                <a:latin typeface="Menlo" panose="020B0609030804020204" pitchFamily="49" charset="0"/>
-                <a:ea typeface="Menlo" panose="020B0609030804020204" pitchFamily="49" charset="0"/>
-                <a:cs typeface="Menlo" panose="020B0609030804020204" pitchFamily="49" charset="0"/>
-              </a:rPr>
-              <a:t>    M=0</a:t>
-            </a:r>
-            <a:br>
-              <a:rPr lang="en" altLang="ja-JP" sz="900" dirty="0">
-                <a:solidFill>
-                  <a:schemeClr val="tx1"/>
-                </a:solidFill>
-                <a:latin typeface="Menlo" panose="020B0609030804020204" pitchFamily="49" charset="0"/>
-                <a:ea typeface="Menlo" panose="020B0609030804020204" pitchFamily="49" charset="0"/>
-                <a:cs typeface="Menlo" panose="020B0609030804020204" pitchFamily="49" charset="0"/>
-              </a:rPr>
-            </a:br>
-            <a:endParaRPr lang="en" altLang="ja-JP" sz="900" dirty="0">
-              <a:solidFill>
-                <a:schemeClr val="tx1"/>
-              </a:solidFill>
-              <a:latin typeface="Menlo" panose="020B0609030804020204" pitchFamily="49" charset="0"/>
-              <a:ea typeface="Menlo" panose="020B0609030804020204" pitchFamily="49" charset="0"/>
-              <a:cs typeface="Menlo" panose="020B0609030804020204" pitchFamily="49" charset="0"/>
-            </a:endParaRPr>
-          </a:p>
-          <a:p>
-            <a:r>
-              <a:rPr lang="en" altLang="ja-JP" sz="900" dirty="0">
-                <a:solidFill>
-                  <a:schemeClr val="tx1"/>
-                </a:solidFill>
-                <a:latin typeface="Menlo" panose="020B0609030804020204" pitchFamily="49" charset="0"/>
-                <a:ea typeface="Menlo" panose="020B0609030804020204" pitchFamily="49" charset="0"/>
-                <a:cs typeface="Menlo" panose="020B0609030804020204" pitchFamily="49" charset="0"/>
-              </a:rPr>
-              <a:t>    </a:t>
-            </a:r>
-            <a:r>
-              <a:rPr lang="en" altLang="ja-JP" sz="800" dirty="0">
-                <a:solidFill>
-                  <a:schemeClr val="tx1"/>
-                </a:solidFill>
-                <a:latin typeface="+mn-ea"/>
-                <a:cs typeface="Menlo" panose="020B0609030804020204" pitchFamily="49" charset="0"/>
-              </a:rPr>
-              <a:t>// FILL </a:t>
-            </a:r>
-            <a:r>
-              <a:rPr lang="ja-JP" altLang="en-US" sz="800">
-                <a:solidFill>
-                  <a:schemeClr val="tx1"/>
-                </a:solidFill>
-                <a:latin typeface="+mn-ea"/>
-                <a:cs typeface="Menlo" panose="020B0609030804020204" pitchFamily="49" charset="0"/>
-              </a:rPr>
-              <a:t>へジャンプ</a:t>
-            </a:r>
-          </a:p>
-          <a:p>
-            <a:r>
-              <a:rPr lang="ja-JP" altLang="en-US" sz="900">
-                <a:solidFill>
-                  <a:schemeClr val="tx1"/>
-                </a:solidFill>
-                <a:latin typeface="Menlo" panose="020B0609030804020204" pitchFamily="49" charset="0"/>
-                <a:cs typeface="Menlo" panose="020B0609030804020204" pitchFamily="49" charset="0"/>
-              </a:rPr>
-              <a:t>    </a:t>
-            </a:r>
-            <a:r>
-              <a:rPr lang="en-US" altLang="ja-JP" sz="900" dirty="0">
-                <a:solidFill>
-                  <a:schemeClr val="tx1"/>
-                </a:solidFill>
-                <a:latin typeface="Menlo" panose="020B0609030804020204" pitchFamily="49" charset="0"/>
-                <a:ea typeface="Menlo" panose="020B0609030804020204" pitchFamily="49" charset="0"/>
-                <a:cs typeface="Menlo" panose="020B0609030804020204" pitchFamily="49" charset="0"/>
-              </a:rPr>
-              <a:t>@</a:t>
-            </a:r>
-            <a:r>
-              <a:rPr lang="en" altLang="ja-JP" sz="900" dirty="0">
-                <a:solidFill>
-                  <a:schemeClr val="tx1"/>
-                </a:solidFill>
-                <a:latin typeface="Menlo" panose="020B0609030804020204" pitchFamily="49" charset="0"/>
-                <a:ea typeface="Menlo" panose="020B0609030804020204" pitchFamily="49" charset="0"/>
-                <a:cs typeface="Menlo" panose="020B0609030804020204" pitchFamily="49" charset="0"/>
-              </a:rPr>
-              <a:t>FILL</a:t>
-            </a:r>
-          </a:p>
-          <a:p>
-            <a:r>
-              <a:rPr lang="en" altLang="ja-JP" sz="900" dirty="0">
-                <a:solidFill>
-                  <a:schemeClr val="tx1"/>
-                </a:solidFill>
-                <a:latin typeface="Menlo" panose="020B0609030804020204" pitchFamily="49" charset="0"/>
-                <a:ea typeface="Menlo" panose="020B0609030804020204" pitchFamily="49" charset="0"/>
-                <a:cs typeface="Menlo" panose="020B0609030804020204" pitchFamily="49" charset="0"/>
-              </a:rPr>
-              <a:t>    0;JMP</a:t>
-            </a:r>
-            <a:br>
-              <a:rPr lang="en" altLang="ja-JP" sz="900" dirty="0">
-                <a:solidFill>
-                  <a:schemeClr val="tx1"/>
-                </a:solidFill>
-                <a:latin typeface="Menlo" panose="020B0609030804020204" pitchFamily="49" charset="0"/>
-                <a:ea typeface="Menlo" panose="020B0609030804020204" pitchFamily="49" charset="0"/>
-                <a:cs typeface="Menlo" panose="020B0609030804020204" pitchFamily="49" charset="0"/>
-              </a:rPr>
-            </a:br>
-            <a:endParaRPr lang="en" altLang="ja-JP" sz="900" dirty="0">
-              <a:solidFill>
-                <a:schemeClr val="tx1"/>
-              </a:solidFill>
-              <a:latin typeface="Menlo" panose="020B0609030804020204" pitchFamily="49" charset="0"/>
-              <a:ea typeface="Menlo" panose="020B0609030804020204" pitchFamily="49" charset="0"/>
-              <a:cs typeface="Menlo" panose="020B0609030804020204" pitchFamily="49" charset="0"/>
-            </a:endParaRPr>
-          </a:p>
-          <a:p>
-            <a:r>
-              <a:rPr lang="en" altLang="ja-JP" sz="900" dirty="0">
-                <a:solidFill>
-                  <a:schemeClr val="tx1"/>
-                </a:solidFill>
-                <a:latin typeface="Menlo" panose="020B0609030804020204" pitchFamily="49" charset="0"/>
-                <a:ea typeface="Menlo" panose="020B0609030804020204" pitchFamily="49" charset="0"/>
-                <a:cs typeface="Menlo" panose="020B0609030804020204" pitchFamily="49" charset="0"/>
-              </a:rPr>
-              <a:t>(ON)</a:t>
-            </a:r>
-          </a:p>
-          <a:p>
-            <a:r>
-              <a:rPr lang="en" altLang="ja-JP" sz="900" dirty="0">
-                <a:solidFill>
-                  <a:schemeClr val="tx1"/>
-                </a:solidFill>
-                <a:latin typeface="Menlo" panose="020B0609030804020204" pitchFamily="49" charset="0"/>
-                <a:ea typeface="Menlo" panose="020B0609030804020204" pitchFamily="49" charset="0"/>
-                <a:cs typeface="Menlo" panose="020B0609030804020204" pitchFamily="49" charset="0"/>
-              </a:rPr>
-              <a:t>    </a:t>
-            </a:r>
-            <a:r>
-              <a:rPr lang="en" altLang="ja-JP" sz="800" dirty="0">
-                <a:solidFill>
-                  <a:schemeClr val="tx1"/>
-                </a:solidFill>
-                <a:latin typeface="+mn-ea"/>
-                <a:cs typeface="Menlo" panose="020B0609030804020204" pitchFamily="49" charset="0"/>
-              </a:rPr>
-              <a:t>// R0 </a:t>
-            </a:r>
-            <a:r>
-              <a:rPr lang="ja-JP" altLang="en-US" sz="800">
-                <a:solidFill>
-                  <a:schemeClr val="tx1"/>
-                </a:solidFill>
-                <a:latin typeface="+mn-ea"/>
-                <a:cs typeface="Menlo" panose="020B0609030804020204" pitchFamily="49" charset="0"/>
-              </a:rPr>
-              <a:t>に </a:t>
-            </a:r>
-            <a:r>
-              <a:rPr lang="en-US" altLang="ja-JP" sz="800" dirty="0">
-                <a:solidFill>
-                  <a:schemeClr val="tx1"/>
-                </a:solidFill>
-                <a:latin typeface="+mn-ea"/>
-                <a:cs typeface="Menlo" panose="020B0609030804020204" pitchFamily="49" charset="0"/>
-              </a:rPr>
-              <a:t>-1(0</a:t>
-            </a:r>
-            <a:r>
-              <a:rPr lang="en" altLang="ja-JP" sz="800" dirty="0">
-                <a:solidFill>
-                  <a:schemeClr val="tx1"/>
-                </a:solidFill>
-                <a:latin typeface="+mn-ea"/>
-                <a:cs typeface="Menlo" panose="020B0609030804020204" pitchFamily="49" charset="0"/>
-              </a:rPr>
-              <a:t>b111111111111) </a:t>
-            </a:r>
-            <a:r>
-              <a:rPr lang="ja-JP" altLang="en-US" sz="800">
-                <a:solidFill>
-                  <a:schemeClr val="tx1"/>
-                </a:solidFill>
-                <a:latin typeface="+mn-ea"/>
-                <a:cs typeface="Menlo" panose="020B0609030804020204" pitchFamily="49" charset="0"/>
-              </a:rPr>
-              <a:t>をセット</a:t>
-            </a:r>
-          </a:p>
-          <a:p>
-            <a:r>
-              <a:rPr lang="ja-JP" altLang="en-US" sz="900">
-                <a:solidFill>
-                  <a:schemeClr val="tx1"/>
-                </a:solidFill>
-                <a:latin typeface="Menlo" panose="020B0609030804020204" pitchFamily="49" charset="0"/>
-                <a:cs typeface="Menlo" panose="020B0609030804020204" pitchFamily="49" charset="0"/>
-              </a:rPr>
-              <a:t>    </a:t>
-            </a:r>
-            <a:r>
-              <a:rPr lang="en-US" altLang="ja-JP" sz="900" dirty="0">
-                <a:solidFill>
-                  <a:schemeClr val="tx1"/>
-                </a:solidFill>
-                <a:latin typeface="Menlo" panose="020B0609030804020204" pitchFamily="49" charset="0"/>
-                <a:ea typeface="Menlo" panose="020B0609030804020204" pitchFamily="49" charset="0"/>
-                <a:cs typeface="Menlo" panose="020B0609030804020204" pitchFamily="49" charset="0"/>
-              </a:rPr>
-              <a:t>@</a:t>
-            </a:r>
-            <a:r>
-              <a:rPr lang="en" altLang="ja-JP" sz="900" dirty="0">
-                <a:solidFill>
-                  <a:schemeClr val="tx1"/>
-                </a:solidFill>
-                <a:latin typeface="Menlo" panose="020B0609030804020204" pitchFamily="49" charset="0"/>
-                <a:ea typeface="Menlo" panose="020B0609030804020204" pitchFamily="49" charset="0"/>
-                <a:cs typeface="Menlo" panose="020B0609030804020204" pitchFamily="49" charset="0"/>
-              </a:rPr>
-              <a:t>R0</a:t>
-            </a:r>
-          </a:p>
-          <a:p>
-            <a:r>
-              <a:rPr lang="en" altLang="ja-JP" sz="900" dirty="0">
-                <a:solidFill>
-                  <a:schemeClr val="tx1"/>
-                </a:solidFill>
-                <a:latin typeface="Menlo" panose="020B0609030804020204" pitchFamily="49" charset="0"/>
-                <a:ea typeface="Menlo" panose="020B0609030804020204" pitchFamily="49" charset="0"/>
-                <a:cs typeface="Menlo" panose="020B0609030804020204" pitchFamily="49" charset="0"/>
-              </a:rPr>
-              <a:t>    M=-1</a:t>
-            </a:r>
-          </a:p>
-          <a:p>
-            <a:endParaRPr lang="en" altLang="ja-JP" sz="900" dirty="0">
-              <a:solidFill>
-                <a:schemeClr val="tx1"/>
-              </a:solidFill>
-              <a:latin typeface="Menlo" panose="020B0609030804020204" pitchFamily="49" charset="0"/>
-              <a:ea typeface="Menlo" panose="020B0609030804020204" pitchFamily="49" charset="0"/>
-              <a:cs typeface="Menlo" panose="020B0609030804020204" pitchFamily="49" charset="0"/>
-            </a:endParaRPr>
-          </a:p>
-          <a:p>
-            <a:endParaRPr lang="en" altLang="ja-JP" sz="900" dirty="0">
-              <a:solidFill>
-                <a:schemeClr val="tx1"/>
-              </a:solidFill>
-              <a:latin typeface="Menlo" panose="020B0609030804020204" pitchFamily="49" charset="0"/>
-              <a:ea typeface="Menlo" panose="020B0609030804020204" pitchFamily="49" charset="0"/>
-              <a:cs typeface="Menlo" panose="020B0609030804020204" pitchFamily="49" charset="0"/>
-            </a:endParaRPr>
-          </a:p>
-          <a:p>
+              <a:rPr lang="en" altLang="ja-JP" sz="1600" dirty="0">
+                <a:solidFill>
+                  <a:schemeClr val="tx1"/>
+                </a:solidFill>
+                <a:latin typeface="Menlo" panose="020B0609030804020204" pitchFamily="49" charset="0"/>
+              </a:rPr>
+              <a:t>BAR</a:t>
+            </a:r>
+          </a:p>
+          <a:p>
+            <a:r>
+              <a:rPr lang="en" altLang="ja-JP" sz="1600" dirty="0">
+                <a:solidFill>
+                  <a:schemeClr val="tx1"/>
+                </a:solidFill>
+                <a:latin typeface="Menlo" panose="020B0609030804020204" pitchFamily="49" charset="0"/>
+              </a:rPr>
+              <a:t>D;JEQ  </a:t>
+            </a:r>
             <a:r>
               <a:rPr lang="en" altLang="ja-JP" sz="1200" dirty="0">
                 <a:solidFill>
-                  <a:srgbClr val="FF0000"/>
-                </a:solidFill>
-                <a:latin typeface="+mn-ea"/>
-                <a:cs typeface="Menlo" panose="020B0609030804020204" pitchFamily="49" charset="0"/>
-              </a:rPr>
-              <a:t>// </a:t>
+                  <a:schemeClr val="tx1"/>
+                </a:solidFill>
+                <a:latin typeface="Menlo" panose="020B0609030804020204" pitchFamily="49" charset="0"/>
+              </a:rPr>
+              <a:t>// </a:t>
             </a:r>
             <a:r>
               <a:rPr lang="ja-JP" altLang="en-US" sz="1200">
                 <a:solidFill>
-                  <a:srgbClr val="FF0000"/>
-                </a:solidFill>
-                <a:latin typeface="+mn-ea"/>
-                <a:cs typeface="Menlo" panose="020B0609030804020204" pitchFamily="49" charset="0"/>
-              </a:rPr>
-              <a:t>右へ続く</a:t>
-            </a:r>
-            <a:endParaRPr lang="en-US" altLang="ja-JP" sz="1200" dirty="0">
-              <a:solidFill>
-                <a:srgbClr val="FF0000"/>
-              </a:solidFill>
-              <a:latin typeface="+mn-ea"/>
-              <a:cs typeface="Menlo" panose="020B0609030804020204" pitchFamily="49" charset="0"/>
-            </a:endParaRPr>
+                  <a:schemeClr val="tx1"/>
+                </a:solidFill>
+                <a:latin typeface="Menlo" panose="020B0609030804020204" pitchFamily="49" charset="0"/>
+              </a:rPr>
+              <a:t>入力されていない場合 </a:t>
+            </a:r>
+            <a:r>
+              <a:rPr lang="en-US" altLang="ja-JP" sz="1200" dirty="0">
+                <a:solidFill>
+                  <a:schemeClr val="tx1"/>
+                </a:solidFill>
+                <a:latin typeface="Menlo" panose="020B0609030804020204" pitchFamily="49" charset="0"/>
+              </a:rPr>
+              <a:t>BAR </a:t>
+            </a:r>
+            <a:r>
+              <a:rPr lang="ja-JP" altLang="en-US" sz="1200">
+                <a:solidFill>
+                  <a:schemeClr val="tx1"/>
+                </a:solidFill>
+                <a:latin typeface="Menlo" panose="020B0609030804020204" pitchFamily="49" charset="0"/>
+              </a:rPr>
+              <a:t>へ</a:t>
+            </a:r>
           </a:p>
         </p:txBody>
       </p:sp>
       <p:sp>
         <p:nvSpPr>
-          <p:cNvPr id="14" name="正方形/長方形 13">
+          <p:cNvPr id="18" name="正方形/長方形 17">
             <a:extLst>
               <a:ext uri="{FF2B5EF4-FFF2-40B4-BE49-F238E27FC236}">
-                <a16:creationId xmlns:a16="http://schemas.microsoft.com/office/drawing/2014/main" id="{3F46030C-0825-3E46-B85A-396675B426AF}"/>
+                <a16:creationId xmlns:a16="http://schemas.microsoft.com/office/drawing/2014/main" id="{46E26D55-7AD8-BF42-B4E8-A2B763E7A495}"/>
               </a:ext>
             </a:extLst>
           </p:cNvPr>
@@ -19599,8 +19314,8 @@
         </p:nvSpPr>
         <p:spPr>
           <a:xfrm>
-            <a:off x="6269346" y="984522"/>
-            <a:ext cx="4439417" cy="4447014"/>
+            <a:off x="6866797" y="1683028"/>
+            <a:ext cx="4525305" cy="1461388"/>
           </a:xfrm>
           <a:prstGeom prst="rect">
             <a:avLst/>
@@ -19632,727 +19347,995 @@
           </a:fontRef>
         </p:style>
         <p:txBody>
-          <a:bodyPr rtlCol="0" anchor="t"/>
+          <a:bodyPr rtlCol="0" anchor="ctr"/>
           <a:lstStyle/>
           <a:p>
             <a:r>
-              <a:rPr lang="en" altLang="ja-JP" sz="900" dirty="0">
-                <a:solidFill>
-                  <a:schemeClr val="tx1"/>
-                </a:solidFill>
-                <a:latin typeface="Menlo" panose="020B0609030804020204" pitchFamily="49" charset="0"/>
-                <a:ea typeface="Menlo" panose="020B0609030804020204" pitchFamily="49" charset="0"/>
-                <a:cs typeface="Menlo" panose="020B0609030804020204" pitchFamily="49" charset="0"/>
-              </a:rPr>
-              <a:t>(FILL)</a:t>
-            </a:r>
-          </a:p>
-          <a:p>
-            <a:r>
-              <a:rPr lang="en" altLang="ja-JP" sz="900" dirty="0">
-                <a:solidFill>
-                  <a:schemeClr val="tx1"/>
-                </a:solidFill>
-                <a:latin typeface="Menlo" panose="020B0609030804020204" pitchFamily="49" charset="0"/>
-                <a:ea typeface="Menlo" panose="020B0609030804020204" pitchFamily="49" charset="0"/>
-                <a:cs typeface="Menlo" panose="020B0609030804020204" pitchFamily="49" charset="0"/>
-              </a:rPr>
-              <a:t>    </a:t>
-            </a:r>
-            <a:r>
-              <a:rPr lang="en" altLang="ja-JP" sz="800" dirty="0">
-                <a:solidFill>
-                  <a:schemeClr val="tx1"/>
-                </a:solidFill>
-                <a:latin typeface="+mn-ea"/>
-                <a:cs typeface="Menlo" panose="020B0609030804020204" pitchFamily="49" charset="0"/>
-              </a:rPr>
-              <a:t>// </a:t>
-            </a:r>
-            <a:r>
-              <a:rPr lang="ja-JP" altLang="en-US" sz="800">
-                <a:solidFill>
-                  <a:schemeClr val="tx1"/>
-                </a:solidFill>
-                <a:latin typeface="+mn-ea"/>
-                <a:cs typeface="Menlo" panose="020B0609030804020204" pitchFamily="49" charset="0"/>
-              </a:rPr>
-              <a:t>描写開始位置 </a:t>
-            </a:r>
-            <a:r>
-              <a:rPr lang="en-US" altLang="ja-JP" sz="800" dirty="0">
-                <a:solidFill>
-                  <a:schemeClr val="tx1"/>
-                </a:solidFill>
-                <a:latin typeface="+mn-ea"/>
-                <a:cs typeface="Menlo" panose="020B0609030804020204" pitchFamily="49" charset="0"/>
-              </a:rPr>
-              <a:t>(</a:t>
-            </a:r>
-            <a:r>
-              <a:rPr lang="ja-JP" altLang="en-US" sz="800">
-                <a:solidFill>
-                  <a:schemeClr val="tx1"/>
-                </a:solidFill>
-                <a:latin typeface="+mn-ea"/>
-                <a:cs typeface="Menlo" panose="020B0609030804020204" pitchFamily="49" charset="0"/>
-              </a:rPr>
-              <a:t>スクリーン右下</a:t>
-            </a:r>
-            <a:r>
-              <a:rPr lang="en-US" altLang="ja-JP" sz="800" dirty="0">
-                <a:solidFill>
-                  <a:schemeClr val="tx1"/>
-                </a:solidFill>
-                <a:latin typeface="+mn-ea"/>
-                <a:cs typeface="Menlo" panose="020B0609030804020204" pitchFamily="49" charset="0"/>
-              </a:rPr>
-              <a:t>) </a:t>
-            </a:r>
-            <a:r>
-              <a:rPr lang="ja-JP" altLang="en-US" sz="800">
-                <a:solidFill>
-                  <a:schemeClr val="tx1"/>
-                </a:solidFill>
-                <a:latin typeface="+mn-ea"/>
-                <a:cs typeface="Menlo" panose="020B0609030804020204" pitchFamily="49" charset="0"/>
-              </a:rPr>
-              <a:t>を初期化し </a:t>
-            </a:r>
-            <a:r>
-              <a:rPr lang="en" altLang="ja-JP" sz="800" dirty="0">
-                <a:solidFill>
-                  <a:schemeClr val="tx1"/>
-                </a:solidFill>
-                <a:latin typeface="+mn-ea"/>
-                <a:cs typeface="Menlo" panose="020B0609030804020204" pitchFamily="49" charset="0"/>
-              </a:rPr>
-              <a:t>R1 </a:t>
-            </a:r>
-            <a:r>
-              <a:rPr lang="ja-JP" altLang="en-US" sz="800">
-                <a:solidFill>
-                  <a:schemeClr val="tx1"/>
-                </a:solidFill>
-                <a:latin typeface="+mn-ea"/>
-                <a:cs typeface="Menlo" panose="020B0609030804020204" pitchFamily="49" charset="0"/>
-              </a:rPr>
-              <a:t>へ</a:t>
-            </a:r>
-          </a:p>
-          <a:p>
-            <a:r>
-              <a:rPr lang="ja-JP" altLang="en-US" sz="900">
-                <a:solidFill>
-                  <a:schemeClr val="tx1"/>
-                </a:solidFill>
-                <a:latin typeface="Menlo" panose="020B0609030804020204" pitchFamily="49" charset="0"/>
-                <a:cs typeface="Menlo" panose="020B0609030804020204" pitchFamily="49" charset="0"/>
-              </a:rPr>
-              <a:t>    </a:t>
-            </a:r>
-            <a:r>
-              <a:rPr lang="en-US" altLang="ja-JP" sz="900" dirty="0">
-                <a:solidFill>
-                  <a:schemeClr val="tx1"/>
-                </a:solidFill>
-                <a:latin typeface="Menlo" panose="020B0609030804020204" pitchFamily="49" charset="0"/>
-                <a:ea typeface="Menlo" panose="020B0609030804020204" pitchFamily="49" charset="0"/>
-                <a:cs typeface="Menlo" panose="020B0609030804020204" pitchFamily="49" charset="0"/>
+              <a:rPr lang="en" altLang="ja-JP" sz="1600" dirty="0">
+                <a:solidFill>
+                  <a:schemeClr val="tx1"/>
+                </a:solidFill>
+                <a:latin typeface="Menlo" panose="020B0609030804020204" pitchFamily="49" charset="0"/>
+              </a:rPr>
+              <a:t>@SCREEN</a:t>
+            </a:r>
+          </a:p>
+          <a:p>
+            <a:r>
+              <a:rPr lang="en" altLang="ja-JP" sz="1600" dirty="0">
+                <a:solidFill>
+                  <a:schemeClr val="tx1"/>
+                </a:solidFill>
+                <a:latin typeface="Menlo" panose="020B0609030804020204" pitchFamily="49" charset="0"/>
+              </a:rPr>
+              <a:t>M=1</a:t>
+            </a:r>
+            <a:r>
+              <a:rPr lang="en" altLang="ja-JP" sz="1200" dirty="0">
+                <a:solidFill>
+                  <a:schemeClr val="tx1"/>
+                </a:solidFill>
+                <a:latin typeface="Menlo" panose="020B0609030804020204" pitchFamily="49" charset="0"/>
+              </a:rPr>
+              <a:t>    // SCREEN[0] </a:t>
+            </a:r>
+            <a:r>
+              <a:rPr lang="ja-JP" altLang="en-US" sz="1200">
+                <a:solidFill>
+                  <a:schemeClr val="tx1"/>
+                </a:solidFill>
+                <a:latin typeface="Menlo" panose="020B0609030804020204" pitchFamily="49" charset="0"/>
+              </a:rPr>
+              <a:t>のワードの</a:t>
+            </a:r>
+            <a:r>
+              <a:rPr lang="en-US" altLang="ja-JP" sz="1200" dirty="0">
+                <a:solidFill>
+                  <a:schemeClr val="tx1"/>
+                </a:solidFill>
+                <a:latin typeface="Menlo" panose="020B0609030804020204" pitchFamily="49" charset="0"/>
+              </a:rPr>
+              <a:t>1</a:t>
+            </a:r>
+            <a:r>
+              <a:rPr lang="ja-JP" altLang="en-US" sz="1200">
+                <a:solidFill>
+                  <a:schemeClr val="tx1"/>
+                </a:solidFill>
+                <a:latin typeface="Menlo" panose="020B0609030804020204" pitchFamily="49" charset="0"/>
+              </a:rPr>
+              <a:t>ビットを黒く描画する</a:t>
+            </a:r>
+          </a:p>
+          <a:p>
+            <a:r>
+              <a:rPr lang="en-US" altLang="ja-JP" sz="1600" dirty="0">
+                <a:solidFill>
+                  <a:schemeClr val="tx1"/>
+                </a:solidFill>
+                <a:latin typeface="Menlo" panose="020B0609030804020204" pitchFamily="49" charset="0"/>
               </a:rPr>
               <a:t>@</a:t>
             </a:r>
             <a:r>
-              <a:rPr lang="en" altLang="ja-JP" sz="900" dirty="0">
-                <a:solidFill>
-                  <a:schemeClr val="tx1"/>
-                </a:solidFill>
-                <a:latin typeface="Menlo" panose="020B0609030804020204" pitchFamily="49" charset="0"/>
-                <a:ea typeface="Menlo" panose="020B0609030804020204" pitchFamily="49" charset="0"/>
-                <a:cs typeface="Menlo" panose="020B0609030804020204" pitchFamily="49" charset="0"/>
+              <a:rPr lang="en" altLang="ja-JP" sz="1600" dirty="0">
+                <a:solidFill>
+                  <a:schemeClr val="tx1"/>
+                </a:solidFill>
+                <a:latin typeface="Menlo" panose="020B0609030804020204" pitchFamily="49" charset="0"/>
               </a:rPr>
               <a:t>SCREEN</a:t>
             </a:r>
           </a:p>
           <a:p>
             <a:r>
-              <a:rPr lang="en" altLang="ja-JP" sz="900" dirty="0">
-                <a:solidFill>
-                  <a:schemeClr val="tx1"/>
-                </a:solidFill>
-                <a:latin typeface="Menlo" panose="020B0609030804020204" pitchFamily="49" charset="0"/>
-                <a:ea typeface="Menlo" panose="020B0609030804020204" pitchFamily="49" charset="0"/>
-                <a:cs typeface="Menlo" panose="020B0609030804020204" pitchFamily="49" charset="0"/>
-              </a:rPr>
-              <a:t>    D=A</a:t>
-            </a:r>
-          </a:p>
-          <a:p>
-            <a:r>
-              <a:rPr lang="en" altLang="ja-JP" sz="900" dirty="0">
-                <a:solidFill>
-                  <a:schemeClr val="tx1"/>
-                </a:solidFill>
-                <a:latin typeface="Menlo" panose="020B0609030804020204" pitchFamily="49" charset="0"/>
-                <a:ea typeface="Menlo" panose="020B0609030804020204" pitchFamily="49" charset="0"/>
-                <a:cs typeface="Menlo" panose="020B0609030804020204" pitchFamily="49" charset="0"/>
-              </a:rPr>
-              <a:t>    @8191    </a:t>
-            </a:r>
-            <a:r>
-              <a:rPr lang="en" altLang="ja-JP" sz="800" dirty="0">
-                <a:solidFill>
-                  <a:schemeClr val="tx1"/>
-                </a:solidFill>
-                <a:latin typeface="+mn-ea"/>
-                <a:cs typeface="Menlo" panose="020B0609030804020204" pitchFamily="49" charset="0"/>
-              </a:rPr>
-              <a:t>// 8192 = (512 / 16) * 256 - 1</a:t>
-            </a:r>
-          </a:p>
-          <a:p>
-            <a:r>
-              <a:rPr lang="en" altLang="ja-JP" sz="900" dirty="0">
-                <a:solidFill>
-                  <a:schemeClr val="tx1"/>
-                </a:solidFill>
-                <a:latin typeface="Menlo" panose="020B0609030804020204" pitchFamily="49" charset="0"/>
-                <a:ea typeface="Menlo" panose="020B0609030804020204" pitchFamily="49" charset="0"/>
-                <a:cs typeface="Menlo" panose="020B0609030804020204" pitchFamily="49" charset="0"/>
-              </a:rPr>
-              <a:t>    D=D+A</a:t>
-            </a:r>
-          </a:p>
-          <a:p>
-            <a:r>
-              <a:rPr lang="en" altLang="ja-JP" sz="900" dirty="0">
-                <a:solidFill>
-                  <a:schemeClr val="tx1"/>
-                </a:solidFill>
-                <a:latin typeface="Menlo" panose="020B0609030804020204" pitchFamily="49" charset="0"/>
-                <a:ea typeface="Menlo" panose="020B0609030804020204" pitchFamily="49" charset="0"/>
-                <a:cs typeface="Menlo" panose="020B0609030804020204" pitchFamily="49" charset="0"/>
-              </a:rPr>
-              <a:t>    @R1</a:t>
-            </a:r>
-          </a:p>
-          <a:p>
-            <a:r>
-              <a:rPr lang="en" altLang="ja-JP" sz="900" dirty="0">
-                <a:solidFill>
-                  <a:schemeClr val="tx1"/>
-                </a:solidFill>
-                <a:latin typeface="Menlo" panose="020B0609030804020204" pitchFamily="49" charset="0"/>
-                <a:ea typeface="Menlo" panose="020B0609030804020204" pitchFamily="49" charset="0"/>
-                <a:cs typeface="Menlo" panose="020B0609030804020204" pitchFamily="49" charset="0"/>
-              </a:rPr>
-              <a:t>    M=D</a:t>
-            </a:r>
-          </a:p>
-          <a:p>
-            <a:endParaRPr lang="en" altLang="ja-JP" sz="900" dirty="0">
+              <a:rPr lang="en" altLang="ja-JP" sz="1600" dirty="0">
+                <a:solidFill>
+                  <a:schemeClr val="tx1"/>
+                </a:solidFill>
+                <a:latin typeface="Menlo" panose="020B0609030804020204" pitchFamily="49" charset="0"/>
+              </a:rPr>
+              <a:t>A=A+1</a:t>
+            </a:r>
+            <a:r>
+              <a:rPr lang="en" altLang="ja-JP" sz="1200" dirty="0">
+                <a:solidFill>
+                  <a:schemeClr val="tx1"/>
+                </a:solidFill>
+                <a:latin typeface="Menlo" panose="020B0609030804020204" pitchFamily="49" charset="0"/>
+              </a:rPr>
+              <a:t> // SCREEN[1] </a:t>
+            </a:r>
+            <a:r>
+              <a:rPr lang="ja-JP" altLang="en-US" sz="1200">
+                <a:solidFill>
+                  <a:schemeClr val="tx1"/>
+                </a:solidFill>
+                <a:latin typeface="Menlo" panose="020B0609030804020204" pitchFamily="49" charset="0"/>
+              </a:rPr>
+              <a:t>を指定する</a:t>
+            </a:r>
+          </a:p>
+          <a:p>
+            <a:r>
+              <a:rPr lang="en" altLang="ja-JP" sz="1600" dirty="0">
+                <a:solidFill>
+                  <a:schemeClr val="tx1"/>
+                </a:solidFill>
+                <a:latin typeface="Menlo" panose="020B0609030804020204" pitchFamily="49" charset="0"/>
+              </a:rPr>
+              <a:t>M=1</a:t>
+            </a:r>
+            <a:r>
+              <a:rPr lang="en" altLang="ja-JP" sz="1200" dirty="0">
+                <a:solidFill>
+                  <a:schemeClr val="tx1"/>
+                </a:solidFill>
+                <a:latin typeface="Menlo" panose="020B0609030804020204" pitchFamily="49" charset="0"/>
+              </a:rPr>
+              <a:t>    // </a:t>
+            </a:r>
+            <a:r>
+              <a:rPr lang="ja-JP" altLang="en-US" sz="1200">
+                <a:solidFill>
+                  <a:schemeClr val="tx1"/>
+                </a:solidFill>
+                <a:latin typeface="Menlo" panose="020B0609030804020204" pitchFamily="49" charset="0"/>
+              </a:rPr>
+              <a:t>指定されたワードの</a:t>
+            </a:r>
+            <a:r>
+              <a:rPr lang="en-US" altLang="ja-JP" sz="1200" dirty="0">
+                <a:solidFill>
+                  <a:schemeClr val="tx1"/>
+                </a:solidFill>
+                <a:latin typeface="Menlo" panose="020B0609030804020204" pitchFamily="49" charset="0"/>
+              </a:rPr>
+              <a:t>1</a:t>
+            </a:r>
+            <a:r>
+              <a:rPr lang="ja-JP" altLang="en-US" sz="1200">
+                <a:solidFill>
+                  <a:schemeClr val="tx1"/>
+                </a:solidFill>
+                <a:latin typeface="Menlo" panose="020B0609030804020204" pitchFamily="49" charset="0"/>
+              </a:rPr>
+              <a:t>ビットを黒く描画する</a:t>
+            </a:r>
+          </a:p>
+        </p:txBody>
+      </p:sp>
+      <p:sp>
+        <p:nvSpPr>
+          <p:cNvPr id="13" name="コンテンツ プレースホルダー 2">
+            <a:extLst>
+              <a:ext uri="{FF2B5EF4-FFF2-40B4-BE49-F238E27FC236}">
+                <a16:creationId xmlns:a16="http://schemas.microsoft.com/office/drawing/2014/main" id="{4F99397F-9458-8E4D-BBF0-330B14AEC649}"/>
+              </a:ext>
+            </a:extLst>
+          </p:cNvPr>
+          <p:cNvSpPr txBox="1">
+            <a:spLocks/>
+          </p:cNvSpPr>
+          <p:nvPr/>
+        </p:nvSpPr>
+        <p:spPr>
+          <a:xfrm>
+            <a:off x="869602" y="3428999"/>
+            <a:ext cx="4616798" cy="2323488"/>
+          </a:xfrm>
+          <a:prstGeom prst="rect">
+            <a:avLst/>
+          </a:prstGeom>
+        </p:spPr>
+        <p:txBody>
+          <a:bodyPr vert="horz" lIns="91440" tIns="45720" rIns="91440" bIns="45720" rtlCol="0">
+            <a:normAutofit/>
+          </a:bodyPr>
+          <a:lstStyle>
+            <a:lvl1pPr marL="342900" indent="-342900" algn="l" defTabSz="457200" rtl="0" eaLnBrk="1" latinLnBrk="0" hangingPunct="1">
+              <a:spcBef>
+                <a:spcPts val="1000"/>
+              </a:spcBef>
+              <a:spcAft>
+                <a:spcPts val="0"/>
+              </a:spcAft>
+              <a:buClr>
+                <a:schemeClr val="accent1"/>
+              </a:buClr>
+              <a:buSzPct val="80000"/>
+              <a:buFont typeface="Wingdings 3" charset="2"/>
+              <a:buChar char=""/>
+              <a:defRPr kumimoji="1" sz="1800" kern="1200">
+                <a:solidFill>
+                  <a:schemeClr val="tx1">
+                    <a:lumMod val="75000"/>
+                    <a:lumOff val="25000"/>
+                  </a:schemeClr>
+                </a:solidFill>
+                <a:latin typeface="+mn-lt"/>
+                <a:ea typeface="+mn-ea"/>
+                <a:cs typeface="+mn-cs"/>
+              </a:defRPr>
+            </a:lvl1pPr>
+            <a:lvl2pPr marL="742950" indent="-285750" algn="l" defTabSz="457200" rtl="0" eaLnBrk="1" latinLnBrk="0" hangingPunct="1">
+              <a:spcBef>
+                <a:spcPts val="1000"/>
+              </a:spcBef>
+              <a:spcAft>
+                <a:spcPts val="0"/>
+              </a:spcAft>
+              <a:buClr>
+                <a:schemeClr val="accent1"/>
+              </a:buClr>
+              <a:buSzPct val="80000"/>
+              <a:buFont typeface="Wingdings 3" charset="2"/>
+              <a:buChar char=""/>
+              <a:defRPr kumimoji="1" sz="1600" kern="1200">
+                <a:solidFill>
+                  <a:schemeClr val="tx1">
+                    <a:lumMod val="75000"/>
+                    <a:lumOff val="25000"/>
+                  </a:schemeClr>
+                </a:solidFill>
+                <a:latin typeface="+mn-lt"/>
+                <a:ea typeface="+mn-ea"/>
+                <a:cs typeface="+mn-cs"/>
+              </a:defRPr>
+            </a:lvl2pPr>
+            <a:lvl3pPr marL="1143000" indent="-228600" algn="l" defTabSz="457200" rtl="0" eaLnBrk="1" latinLnBrk="0" hangingPunct="1">
+              <a:spcBef>
+                <a:spcPts val="1000"/>
+              </a:spcBef>
+              <a:spcAft>
+                <a:spcPts val="0"/>
+              </a:spcAft>
+              <a:buClr>
+                <a:schemeClr val="accent1"/>
+              </a:buClr>
+              <a:buSzPct val="80000"/>
+              <a:buFont typeface="Wingdings 3" charset="2"/>
+              <a:buChar char=""/>
+              <a:defRPr kumimoji="1" sz="1400" kern="1200">
+                <a:solidFill>
+                  <a:schemeClr val="tx1">
+                    <a:lumMod val="75000"/>
+                    <a:lumOff val="25000"/>
+                  </a:schemeClr>
+                </a:solidFill>
+                <a:latin typeface="+mn-lt"/>
+                <a:ea typeface="+mn-ea"/>
+                <a:cs typeface="+mn-cs"/>
+              </a:defRPr>
+            </a:lvl3pPr>
+            <a:lvl4pPr marL="1600200" indent="-228600" algn="l" defTabSz="457200" rtl="0" eaLnBrk="1" latinLnBrk="0" hangingPunct="1">
+              <a:spcBef>
+                <a:spcPts val="1000"/>
+              </a:spcBef>
+              <a:spcAft>
+                <a:spcPts val="0"/>
+              </a:spcAft>
+              <a:buClr>
+                <a:schemeClr val="accent1"/>
+              </a:buClr>
+              <a:buSzPct val="80000"/>
+              <a:buFont typeface="Wingdings 3" charset="2"/>
+              <a:buChar char=""/>
+              <a:defRPr kumimoji="1" sz="1200" kern="1200">
+                <a:solidFill>
+                  <a:schemeClr val="tx1">
+                    <a:lumMod val="75000"/>
+                    <a:lumOff val="25000"/>
+                  </a:schemeClr>
+                </a:solidFill>
+                <a:latin typeface="+mn-lt"/>
+                <a:ea typeface="+mn-ea"/>
+                <a:cs typeface="+mn-cs"/>
+              </a:defRPr>
+            </a:lvl4pPr>
+            <a:lvl5pPr marL="2057400" indent="-228600" algn="l" defTabSz="457200" rtl="0" eaLnBrk="1" latinLnBrk="0" hangingPunct="1">
+              <a:spcBef>
+                <a:spcPts val="1000"/>
+              </a:spcBef>
+              <a:spcAft>
+                <a:spcPts val="0"/>
+              </a:spcAft>
+              <a:buClr>
+                <a:schemeClr val="accent1"/>
+              </a:buClr>
+              <a:buSzPct val="80000"/>
+              <a:buFont typeface="Wingdings 3" charset="2"/>
+              <a:buChar char=""/>
+              <a:defRPr kumimoji="1" sz="1200" kern="1200">
+                <a:solidFill>
+                  <a:schemeClr val="tx1">
+                    <a:lumMod val="75000"/>
+                    <a:lumOff val="25000"/>
+                  </a:schemeClr>
+                </a:solidFill>
+                <a:latin typeface="+mn-lt"/>
+                <a:ea typeface="+mn-ea"/>
+                <a:cs typeface="+mn-cs"/>
+              </a:defRPr>
+            </a:lvl5pPr>
+            <a:lvl6pPr marL="2514600" indent="-228600" algn="l" defTabSz="457200" rtl="0" eaLnBrk="1" latinLnBrk="0" hangingPunct="1">
+              <a:spcBef>
+                <a:spcPts val="1000"/>
+              </a:spcBef>
+              <a:spcAft>
+                <a:spcPts val="0"/>
+              </a:spcAft>
+              <a:buClr>
+                <a:schemeClr val="accent1"/>
+              </a:buClr>
+              <a:buSzPct val="80000"/>
+              <a:buFont typeface="Wingdings 3" charset="2"/>
+              <a:buChar char=""/>
+              <a:defRPr kumimoji="1" sz="1200" kern="1200">
+                <a:solidFill>
+                  <a:schemeClr val="tx1">
+                    <a:lumMod val="75000"/>
+                    <a:lumOff val="25000"/>
+                  </a:schemeClr>
+                </a:solidFill>
+                <a:latin typeface="+mn-lt"/>
+                <a:ea typeface="+mn-ea"/>
+                <a:cs typeface="+mn-cs"/>
+              </a:defRPr>
+            </a:lvl6pPr>
+            <a:lvl7pPr marL="2971800" indent="-228600" algn="l" defTabSz="457200" rtl="0" eaLnBrk="1" latinLnBrk="0" hangingPunct="1">
+              <a:spcBef>
+                <a:spcPts val="1000"/>
+              </a:spcBef>
+              <a:spcAft>
+                <a:spcPts val="0"/>
+              </a:spcAft>
+              <a:buClr>
+                <a:schemeClr val="accent1"/>
+              </a:buClr>
+              <a:buSzPct val="80000"/>
+              <a:buFont typeface="Wingdings 3" charset="2"/>
+              <a:buChar char=""/>
+              <a:defRPr kumimoji="1" sz="1200" kern="1200">
+                <a:solidFill>
+                  <a:schemeClr val="tx1">
+                    <a:lumMod val="75000"/>
+                    <a:lumOff val="25000"/>
+                  </a:schemeClr>
+                </a:solidFill>
+                <a:latin typeface="+mn-lt"/>
+                <a:ea typeface="+mn-ea"/>
+                <a:cs typeface="+mn-cs"/>
+              </a:defRPr>
+            </a:lvl7pPr>
+            <a:lvl8pPr marL="3429000" indent="-228600" algn="l" defTabSz="457200" rtl="0" eaLnBrk="1" latinLnBrk="0" hangingPunct="1">
+              <a:spcBef>
+                <a:spcPts val="1000"/>
+              </a:spcBef>
+              <a:spcAft>
+                <a:spcPts val="0"/>
+              </a:spcAft>
+              <a:buClr>
+                <a:schemeClr val="accent1"/>
+              </a:buClr>
+              <a:buSzPct val="80000"/>
+              <a:buFont typeface="Wingdings 3" charset="2"/>
+              <a:buChar char=""/>
+              <a:defRPr kumimoji="1" sz="1200" kern="1200">
+                <a:solidFill>
+                  <a:schemeClr val="tx1">
+                    <a:lumMod val="75000"/>
+                    <a:lumOff val="25000"/>
+                  </a:schemeClr>
+                </a:solidFill>
+                <a:latin typeface="+mn-lt"/>
+                <a:ea typeface="+mn-ea"/>
+                <a:cs typeface="+mn-cs"/>
+              </a:defRPr>
+            </a:lvl8pPr>
+            <a:lvl9pPr marL="3886200" indent="-228600" algn="l" defTabSz="457200" rtl="0" eaLnBrk="1" latinLnBrk="0" hangingPunct="1">
+              <a:spcBef>
+                <a:spcPts val="1000"/>
+              </a:spcBef>
+              <a:spcAft>
+                <a:spcPts val="0"/>
+              </a:spcAft>
+              <a:buClr>
+                <a:schemeClr val="accent1"/>
+              </a:buClr>
+              <a:buSzPct val="80000"/>
+              <a:buFont typeface="Wingdings 3" charset="2"/>
+              <a:buChar char=""/>
+              <a:defRPr kumimoji="1" sz="1200" kern="1200">
+                <a:solidFill>
+                  <a:schemeClr val="tx1">
+                    <a:lumMod val="75000"/>
+                    <a:lumOff val="25000"/>
+                  </a:schemeClr>
+                </a:solidFill>
+                <a:latin typeface="+mn-lt"/>
+                <a:ea typeface="+mn-ea"/>
+                <a:cs typeface="+mn-cs"/>
+              </a:defRPr>
+            </a:lvl9pPr>
+          </a:lstStyle>
+          <a:p>
+            <a:r>
+              <a:rPr lang="en-US" altLang="ja-JP" sz="2400" dirty="0"/>
+              <a:t>2</a:t>
+            </a:r>
+            <a:r>
+              <a:rPr lang="ja-JP" altLang="en-US" sz="2400"/>
+              <a:t>進数メモ</a:t>
+            </a:r>
+            <a:r>
+              <a:rPr lang="en-US" altLang="ja-JP" sz="2400" dirty="0"/>
+              <a:t> (16bit)</a:t>
+            </a:r>
+            <a:endParaRPr lang="ja-JP" altLang="en-US" sz="2400"/>
+          </a:p>
+        </p:txBody>
+      </p:sp>
+      <p:sp>
+        <p:nvSpPr>
+          <p:cNvPr id="14" name="正方形/長方形 13">
+            <a:extLst>
+              <a:ext uri="{FF2B5EF4-FFF2-40B4-BE49-F238E27FC236}">
+                <a16:creationId xmlns:a16="http://schemas.microsoft.com/office/drawing/2014/main" id="{05E18B12-7CB1-2543-89F0-8448E6FB9DA8}"/>
+              </a:ext>
+            </a:extLst>
+          </p:cNvPr>
+          <p:cNvSpPr/>
+          <p:nvPr/>
+        </p:nvSpPr>
+        <p:spPr>
+          <a:xfrm>
+            <a:off x="1321302" y="3895430"/>
+            <a:ext cx="4165097" cy="903147"/>
+          </a:xfrm>
+          <a:prstGeom prst="rect">
+            <a:avLst/>
+          </a:prstGeom>
+          <a:solidFill>
+            <a:schemeClr val="accent2">
+              <a:lumMod val="20000"/>
+              <a:lumOff val="80000"/>
+            </a:schemeClr>
+          </a:solidFill>
+          <a:ln>
+            <a:noFill/>
+          </a:ln>
+        </p:spPr>
+        <p:style>
+          <a:lnRef idx="2">
+            <a:schemeClr val="accent1">
+              <a:shade val="50000"/>
+            </a:schemeClr>
+          </a:lnRef>
+          <a:fillRef idx="1">
+            <a:schemeClr val="accent1"/>
+          </a:fillRef>
+          <a:effectRef idx="0">
+            <a:schemeClr val="accent1"/>
+          </a:effectRef>
+          <a:fontRef idx="minor">
+            <a:schemeClr val="lt1"/>
+          </a:fontRef>
+        </p:style>
+        <p:txBody>
+          <a:bodyPr rtlCol="0" anchor="ctr"/>
+          <a:lstStyle/>
+          <a:p>
+            <a:r>
+              <a:rPr lang="en-US" altLang="ja-JP" sz="1200" dirty="0">
+                <a:solidFill>
+                  <a:schemeClr val="tx1"/>
+                </a:solidFill>
+                <a:latin typeface="Menlo" panose="020B0609030804020204" pitchFamily="49" charset="0"/>
+              </a:rPr>
+              <a:t>// 1</a:t>
+            </a:r>
+          </a:p>
+          <a:p>
+            <a:r>
+              <a:rPr lang="en-US" altLang="ja-JP" sz="1600" dirty="0">
+                <a:solidFill>
+                  <a:schemeClr val="tx1"/>
+                </a:solidFill>
+                <a:latin typeface="Menlo" panose="020B0609030804020204" pitchFamily="49" charset="0"/>
+              </a:rPr>
+              <a:t>0000 0000 0000 0001</a:t>
+            </a:r>
+          </a:p>
+          <a:p>
+            <a:r>
+              <a:rPr lang="en-US" altLang="ja-JP" sz="1200" dirty="0">
+                <a:solidFill>
+                  <a:schemeClr val="tx1"/>
+                </a:solidFill>
+                <a:latin typeface="Menlo" panose="020B0609030804020204" pitchFamily="49" charset="0"/>
+              </a:rPr>
+              <a:t>// -1</a:t>
+            </a:r>
+          </a:p>
+          <a:p>
+            <a:r>
+              <a:rPr lang="en-US" altLang="ja-JP" sz="1600" dirty="0">
+                <a:solidFill>
+                  <a:schemeClr val="tx1"/>
+                </a:solidFill>
+                <a:latin typeface="Menlo" panose="020B0609030804020204" pitchFamily="49" charset="0"/>
+              </a:rPr>
+              <a:t>1111 1111 1111 1111</a:t>
+            </a:r>
+          </a:p>
+        </p:txBody>
+      </p:sp>
+      <p:sp>
+        <p:nvSpPr>
+          <p:cNvPr id="15" name="コンテンツ プレースホルダー 2">
+            <a:extLst>
+              <a:ext uri="{FF2B5EF4-FFF2-40B4-BE49-F238E27FC236}">
+                <a16:creationId xmlns:a16="http://schemas.microsoft.com/office/drawing/2014/main" id="{D42A4331-BA41-0C4A-A2F6-D2D171C72580}"/>
+              </a:ext>
+            </a:extLst>
+          </p:cNvPr>
+          <p:cNvSpPr txBox="1">
+            <a:spLocks/>
+          </p:cNvSpPr>
+          <p:nvPr/>
+        </p:nvSpPr>
+        <p:spPr>
+          <a:xfrm>
+            <a:off x="6486629" y="3428999"/>
+            <a:ext cx="4616798" cy="2323488"/>
+          </a:xfrm>
+          <a:prstGeom prst="rect">
+            <a:avLst/>
+          </a:prstGeom>
+        </p:spPr>
+        <p:txBody>
+          <a:bodyPr vert="horz" lIns="91440" tIns="45720" rIns="91440" bIns="45720" rtlCol="0">
+            <a:normAutofit/>
+          </a:bodyPr>
+          <a:lstStyle>
+            <a:lvl1pPr marL="342900" indent="-342900" algn="l" defTabSz="457200" rtl="0" eaLnBrk="1" latinLnBrk="0" hangingPunct="1">
+              <a:spcBef>
+                <a:spcPts val="1000"/>
+              </a:spcBef>
+              <a:spcAft>
+                <a:spcPts val="0"/>
+              </a:spcAft>
+              <a:buClr>
+                <a:schemeClr val="accent1"/>
+              </a:buClr>
+              <a:buSzPct val="80000"/>
+              <a:buFont typeface="Wingdings 3" charset="2"/>
+              <a:buChar char=""/>
+              <a:defRPr kumimoji="1" sz="1800" kern="1200">
+                <a:solidFill>
+                  <a:schemeClr val="tx1">
+                    <a:lumMod val="75000"/>
+                    <a:lumOff val="25000"/>
+                  </a:schemeClr>
+                </a:solidFill>
+                <a:latin typeface="+mn-lt"/>
+                <a:ea typeface="+mn-ea"/>
+                <a:cs typeface="+mn-cs"/>
+              </a:defRPr>
+            </a:lvl1pPr>
+            <a:lvl2pPr marL="742950" indent="-285750" algn="l" defTabSz="457200" rtl="0" eaLnBrk="1" latinLnBrk="0" hangingPunct="1">
+              <a:spcBef>
+                <a:spcPts val="1000"/>
+              </a:spcBef>
+              <a:spcAft>
+                <a:spcPts val="0"/>
+              </a:spcAft>
+              <a:buClr>
+                <a:schemeClr val="accent1"/>
+              </a:buClr>
+              <a:buSzPct val="80000"/>
+              <a:buFont typeface="Wingdings 3" charset="2"/>
+              <a:buChar char=""/>
+              <a:defRPr kumimoji="1" sz="1600" kern="1200">
+                <a:solidFill>
+                  <a:schemeClr val="tx1">
+                    <a:lumMod val="75000"/>
+                    <a:lumOff val="25000"/>
+                  </a:schemeClr>
+                </a:solidFill>
+                <a:latin typeface="+mn-lt"/>
+                <a:ea typeface="+mn-ea"/>
+                <a:cs typeface="+mn-cs"/>
+              </a:defRPr>
+            </a:lvl2pPr>
+            <a:lvl3pPr marL="1143000" indent="-228600" algn="l" defTabSz="457200" rtl="0" eaLnBrk="1" latinLnBrk="0" hangingPunct="1">
+              <a:spcBef>
+                <a:spcPts val="1000"/>
+              </a:spcBef>
+              <a:spcAft>
+                <a:spcPts val="0"/>
+              </a:spcAft>
+              <a:buClr>
+                <a:schemeClr val="accent1"/>
+              </a:buClr>
+              <a:buSzPct val="80000"/>
+              <a:buFont typeface="Wingdings 3" charset="2"/>
+              <a:buChar char=""/>
+              <a:defRPr kumimoji="1" sz="1400" kern="1200">
+                <a:solidFill>
+                  <a:schemeClr val="tx1">
+                    <a:lumMod val="75000"/>
+                    <a:lumOff val="25000"/>
+                  </a:schemeClr>
+                </a:solidFill>
+                <a:latin typeface="+mn-lt"/>
+                <a:ea typeface="+mn-ea"/>
+                <a:cs typeface="+mn-cs"/>
+              </a:defRPr>
+            </a:lvl3pPr>
+            <a:lvl4pPr marL="1600200" indent="-228600" algn="l" defTabSz="457200" rtl="0" eaLnBrk="1" latinLnBrk="0" hangingPunct="1">
+              <a:spcBef>
+                <a:spcPts val="1000"/>
+              </a:spcBef>
+              <a:spcAft>
+                <a:spcPts val="0"/>
+              </a:spcAft>
+              <a:buClr>
+                <a:schemeClr val="accent1"/>
+              </a:buClr>
+              <a:buSzPct val="80000"/>
+              <a:buFont typeface="Wingdings 3" charset="2"/>
+              <a:buChar char=""/>
+              <a:defRPr kumimoji="1" sz="1200" kern="1200">
+                <a:solidFill>
+                  <a:schemeClr val="tx1">
+                    <a:lumMod val="75000"/>
+                    <a:lumOff val="25000"/>
+                  </a:schemeClr>
+                </a:solidFill>
+                <a:latin typeface="+mn-lt"/>
+                <a:ea typeface="+mn-ea"/>
+                <a:cs typeface="+mn-cs"/>
+              </a:defRPr>
+            </a:lvl4pPr>
+            <a:lvl5pPr marL="2057400" indent="-228600" algn="l" defTabSz="457200" rtl="0" eaLnBrk="1" latinLnBrk="0" hangingPunct="1">
+              <a:spcBef>
+                <a:spcPts val="1000"/>
+              </a:spcBef>
+              <a:spcAft>
+                <a:spcPts val="0"/>
+              </a:spcAft>
+              <a:buClr>
+                <a:schemeClr val="accent1"/>
+              </a:buClr>
+              <a:buSzPct val="80000"/>
+              <a:buFont typeface="Wingdings 3" charset="2"/>
+              <a:buChar char=""/>
+              <a:defRPr kumimoji="1" sz="1200" kern="1200">
+                <a:solidFill>
+                  <a:schemeClr val="tx1">
+                    <a:lumMod val="75000"/>
+                    <a:lumOff val="25000"/>
+                  </a:schemeClr>
+                </a:solidFill>
+                <a:latin typeface="+mn-lt"/>
+                <a:ea typeface="+mn-ea"/>
+                <a:cs typeface="+mn-cs"/>
+              </a:defRPr>
+            </a:lvl5pPr>
+            <a:lvl6pPr marL="2514600" indent="-228600" algn="l" defTabSz="457200" rtl="0" eaLnBrk="1" latinLnBrk="0" hangingPunct="1">
+              <a:spcBef>
+                <a:spcPts val="1000"/>
+              </a:spcBef>
+              <a:spcAft>
+                <a:spcPts val="0"/>
+              </a:spcAft>
+              <a:buClr>
+                <a:schemeClr val="accent1"/>
+              </a:buClr>
+              <a:buSzPct val="80000"/>
+              <a:buFont typeface="Wingdings 3" charset="2"/>
+              <a:buChar char=""/>
+              <a:defRPr kumimoji="1" sz="1200" kern="1200">
+                <a:solidFill>
+                  <a:schemeClr val="tx1">
+                    <a:lumMod val="75000"/>
+                    <a:lumOff val="25000"/>
+                  </a:schemeClr>
+                </a:solidFill>
+                <a:latin typeface="+mn-lt"/>
+                <a:ea typeface="+mn-ea"/>
+                <a:cs typeface="+mn-cs"/>
+              </a:defRPr>
+            </a:lvl6pPr>
+            <a:lvl7pPr marL="2971800" indent="-228600" algn="l" defTabSz="457200" rtl="0" eaLnBrk="1" latinLnBrk="0" hangingPunct="1">
+              <a:spcBef>
+                <a:spcPts val="1000"/>
+              </a:spcBef>
+              <a:spcAft>
+                <a:spcPts val="0"/>
+              </a:spcAft>
+              <a:buClr>
+                <a:schemeClr val="accent1"/>
+              </a:buClr>
+              <a:buSzPct val="80000"/>
+              <a:buFont typeface="Wingdings 3" charset="2"/>
+              <a:buChar char=""/>
+              <a:defRPr kumimoji="1" sz="1200" kern="1200">
+                <a:solidFill>
+                  <a:schemeClr val="tx1">
+                    <a:lumMod val="75000"/>
+                    <a:lumOff val="25000"/>
+                  </a:schemeClr>
+                </a:solidFill>
+                <a:latin typeface="+mn-lt"/>
+                <a:ea typeface="+mn-ea"/>
+                <a:cs typeface="+mn-cs"/>
+              </a:defRPr>
+            </a:lvl7pPr>
+            <a:lvl8pPr marL="3429000" indent="-228600" algn="l" defTabSz="457200" rtl="0" eaLnBrk="1" latinLnBrk="0" hangingPunct="1">
+              <a:spcBef>
+                <a:spcPts val="1000"/>
+              </a:spcBef>
+              <a:spcAft>
+                <a:spcPts val="0"/>
+              </a:spcAft>
+              <a:buClr>
+                <a:schemeClr val="accent1"/>
+              </a:buClr>
+              <a:buSzPct val="80000"/>
+              <a:buFont typeface="Wingdings 3" charset="2"/>
+              <a:buChar char=""/>
+              <a:defRPr kumimoji="1" sz="1200" kern="1200">
+                <a:solidFill>
+                  <a:schemeClr val="tx1">
+                    <a:lumMod val="75000"/>
+                    <a:lumOff val="25000"/>
+                  </a:schemeClr>
+                </a:solidFill>
+                <a:latin typeface="+mn-lt"/>
+                <a:ea typeface="+mn-ea"/>
+                <a:cs typeface="+mn-cs"/>
+              </a:defRPr>
+            </a:lvl8pPr>
+            <a:lvl9pPr marL="3886200" indent="-228600" algn="l" defTabSz="457200" rtl="0" eaLnBrk="1" latinLnBrk="0" hangingPunct="1">
+              <a:spcBef>
+                <a:spcPts val="1000"/>
+              </a:spcBef>
+              <a:spcAft>
+                <a:spcPts val="0"/>
+              </a:spcAft>
+              <a:buClr>
+                <a:schemeClr val="accent1"/>
+              </a:buClr>
+              <a:buSzPct val="80000"/>
+              <a:buFont typeface="Wingdings 3" charset="2"/>
+              <a:buChar char=""/>
+              <a:defRPr kumimoji="1" sz="1200" kern="1200">
+                <a:solidFill>
+                  <a:schemeClr val="tx1">
+                    <a:lumMod val="75000"/>
+                    <a:lumOff val="25000"/>
+                  </a:schemeClr>
+                </a:solidFill>
+                <a:latin typeface="+mn-lt"/>
+                <a:ea typeface="+mn-ea"/>
+                <a:cs typeface="+mn-cs"/>
+              </a:defRPr>
+            </a:lvl9pPr>
+          </a:lstStyle>
+          <a:p>
+            <a:r>
+              <a:rPr lang="en-US" altLang="ja-JP" sz="2400" dirty="0"/>
+              <a:t>Hack </a:t>
+            </a:r>
+            <a:r>
+              <a:rPr lang="ja-JP" altLang="en-US" sz="2400"/>
+              <a:t>言語メモ</a:t>
+            </a:r>
+          </a:p>
+        </p:txBody>
+      </p:sp>
+      <p:sp>
+        <p:nvSpPr>
+          <p:cNvPr id="19" name="正方形/長方形 18">
+            <a:extLst>
+              <a:ext uri="{FF2B5EF4-FFF2-40B4-BE49-F238E27FC236}">
+                <a16:creationId xmlns:a16="http://schemas.microsoft.com/office/drawing/2014/main" id="{93E8183C-0BC4-0E42-ABFF-331F098C9A40}"/>
+              </a:ext>
+            </a:extLst>
+          </p:cNvPr>
+          <p:cNvSpPr/>
+          <p:nvPr/>
+        </p:nvSpPr>
+        <p:spPr>
+          <a:xfrm>
+            <a:off x="6866797" y="3895430"/>
+            <a:ext cx="4525305" cy="1461388"/>
+          </a:xfrm>
+          <a:prstGeom prst="rect">
+            <a:avLst/>
+          </a:prstGeom>
+          <a:solidFill>
+            <a:schemeClr val="accent2">
+              <a:lumMod val="20000"/>
+              <a:lumOff val="80000"/>
+            </a:schemeClr>
+          </a:solidFill>
+          <a:ln>
+            <a:noFill/>
+          </a:ln>
+        </p:spPr>
+        <p:style>
+          <a:lnRef idx="2">
+            <a:schemeClr val="accent1">
+              <a:shade val="50000"/>
+            </a:schemeClr>
+          </a:lnRef>
+          <a:fillRef idx="1">
+            <a:schemeClr val="accent1"/>
+          </a:fillRef>
+          <a:effectRef idx="0">
+            <a:schemeClr val="accent1"/>
+          </a:effectRef>
+          <a:fontRef idx="minor">
+            <a:schemeClr val="lt1"/>
+          </a:fontRef>
+        </p:style>
+        <p:txBody>
+          <a:bodyPr rtlCol="0" anchor="ctr"/>
+          <a:lstStyle/>
+          <a:p>
+            <a:r>
+              <a:rPr lang="en-US" altLang="ja-JP" sz="1200" dirty="0">
+                <a:solidFill>
+                  <a:schemeClr val="tx1"/>
+                </a:solidFill>
+                <a:latin typeface="Menlo" panose="020B0609030804020204" pitchFamily="49" charset="0"/>
+              </a:rPr>
+              <a:t>// SCREEN[2] = -1</a:t>
+            </a:r>
+          </a:p>
+          <a:p>
+            <a:r>
+              <a:rPr lang="en-US" altLang="ja-JP" sz="1600" dirty="0">
+                <a:solidFill>
+                  <a:schemeClr val="tx1"/>
+                </a:solidFill>
+                <a:latin typeface="Menlo" panose="020B0609030804020204" pitchFamily="49" charset="0"/>
+              </a:rPr>
+              <a:t>@SCREEN</a:t>
+            </a:r>
+          </a:p>
+          <a:p>
+            <a:r>
+              <a:rPr lang="en-US" altLang="ja-JP" sz="1600" dirty="0">
+                <a:solidFill>
+                  <a:schemeClr val="tx1"/>
+                </a:solidFill>
+                <a:latin typeface="Menlo" panose="020B0609030804020204" pitchFamily="49" charset="0"/>
+              </a:rPr>
+              <a:t>D=A     </a:t>
+            </a:r>
+            <a:r>
+              <a:rPr lang="en-US" altLang="ja-JP" sz="1200" dirty="0">
+                <a:solidFill>
+                  <a:schemeClr val="tx1"/>
+                </a:solidFill>
+                <a:latin typeface="Menlo" panose="020B0609030804020204" pitchFamily="49" charset="0"/>
+              </a:rPr>
+              <a:t>// D = </a:t>
+            </a:r>
+            <a:r>
+              <a:rPr lang="en-US" altLang="ja-JP" sz="1200" dirty="0">
+                <a:solidFill>
+                  <a:schemeClr val="tx1"/>
+                </a:solidFill>
+              </a:rPr>
+              <a:t>16384</a:t>
+            </a:r>
+            <a:endParaRPr lang="en-US" altLang="ja-JP" sz="1200" dirty="0">
               <a:solidFill>
                 <a:schemeClr val="tx1"/>
               </a:solidFill>
               <a:latin typeface="Menlo" panose="020B0609030804020204" pitchFamily="49" charset="0"/>
-              <a:ea typeface="Menlo" panose="020B0609030804020204" pitchFamily="49" charset="0"/>
-              <a:cs typeface="Menlo" panose="020B0609030804020204" pitchFamily="49" charset="0"/>
             </a:endParaRPr>
           </a:p>
           <a:p>
             <a:r>
-              <a:rPr lang="en" altLang="ja-JP" sz="900" dirty="0">
-                <a:solidFill>
-                  <a:schemeClr val="tx1"/>
-                </a:solidFill>
-                <a:latin typeface="Menlo" panose="020B0609030804020204" pitchFamily="49" charset="0"/>
-                <a:ea typeface="Menlo" panose="020B0609030804020204" pitchFamily="49" charset="0"/>
-                <a:cs typeface="Menlo" panose="020B0609030804020204" pitchFamily="49" charset="0"/>
-              </a:rPr>
-              <a:t>    (FILLLOOP)</a:t>
-            </a:r>
-          </a:p>
-          <a:p>
-            <a:r>
-              <a:rPr lang="en" altLang="ja-JP" sz="900" dirty="0">
-                <a:solidFill>
-                  <a:schemeClr val="tx1"/>
-                </a:solidFill>
-                <a:latin typeface="Menlo" panose="020B0609030804020204" pitchFamily="49" charset="0"/>
-                <a:ea typeface="Menlo" panose="020B0609030804020204" pitchFamily="49" charset="0"/>
-                <a:cs typeface="Menlo" panose="020B0609030804020204" pitchFamily="49" charset="0"/>
-              </a:rPr>
-              <a:t>        </a:t>
-            </a:r>
-            <a:r>
-              <a:rPr lang="en" altLang="ja-JP" sz="800" dirty="0">
-                <a:solidFill>
-                  <a:schemeClr val="tx1"/>
-                </a:solidFill>
-                <a:latin typeface="+mn-ea"/>
-                <a:cs typeface="Menlo" panose="020B0609030804020204" pitchFamily="49" charset="0"/>
-              </a:rPr>
-              <a:t>// </a:t>
-            </a:r>
-            <a:r>
-              <a:rPr lang="ja-JP" altLang="en-US" sz="800">
-                <a:solidFill>
-                  <a:schemeClr val="tx1"/>
-                </a:solidFill>
-                <a:latin typeface="+mn-ea"/>
-                <a:cs typeface="Menlo" panose="020B0609030804020204" pitchFamily="49" charset="0"/>
-              </a:rPr>
-              <a:t>描画する値</a:t>
-            </a:r>
-          </a:p>
-          <a:p>
-            <a:r>
-              <a:rPr lang="ja-JP" altLang="en-US" sz="900">
-                <a:solidFill>
-                  <a:schemeClr val="tx1"/>
-                </a:solidFill>
-                <a:latin typeface="Menlo" panose="020B0609030804020204" pitchFamily="49" charset="0"/>
-                <a:cs typeface="Menlo" panose="020B0609030804020204" pitchFamily="49" charset="0"/>
-              </a:rPr>
-              <a:t>        </a:t>
-            </a:r>
-            <a:r>
-              <a:rPr lang="en-US" altLang="ja-JP" sz="900" dirty="0">
-                <a:solidFill>
-                  <a:schemeClr val="tx1"/>
-                </a:solidFill>
-                <a:latin typeface="Menlo" panose="020B0609030804020204" pitchFamily="49" charset="0"/>
-                <a:ea typeface="Menlo" panose="020B0609030804020204" pitchFamily="49" charset="0"/>
-                <a:cs typeface="Menlo" panose="020B0609030804020204" pitchFamily="49" charset="0"/>
-              </a:rPr>
-              <a:t>@</a:t>
-            </a:r>
-            <a:r>
-              <a:rPr lang="en" altLang="ja-JP" sz="900" dirty="0">
-                <a:solidFill>
-                  <a:schemeClr val="tx1"/>
-                </a:solidFill>
-                <a:latin typeface="Menlo" panose="020B0609030804020204" pitchFamily="49" charset="0"/>
-                <a:ea typeface="Menlo" panose="020B0609030804020204" pitchFamily="49" charset="0"/>
-                <a:cs typeface="Menlo" panose="020B0609030804020204" pitchFamily="49" charset="0"/>
-              </a:rPr>
-              <a:t>R0</a:t>
-            </a:r>
-          </a:p>
-          <a:p>
-            <a:r>
-              <a:rPr lang="en" altLang="ja-JP" sz="900" dirty="0">
-                <a:solidFill>
-                  <a:schemeClr val="tx1"/>
-                </a:solidFill>
-                <a:latin typeface="Menlo" panose="020B0609030804020204" pitchFamily="49" charset="0"/>
-                <a:ea typeface="Menlo" panose="020B0609030804020204" pitchFamily="49" charset="0"/>
-                <a:cs typeface="Menlo" panose="020B0609030804020204" pitchFamily="49" charset="0"/>
-              </a:rPr>
-              <a:t>        D=M</a:t>
-            </a:r>
-          </a:p>
-          <a:p>
-            <a:endParaRPr lang="en" altLang="ja-JP" sz="900" dirty="0">
+              <a:rPr lang="en-US" altLang="ja-JP" sz="1600" dirty="0">
+                <a:solidFill>
+                  <a:schemeClr val="tx1"/>
+                </a:solidFill>
+                <a:latin typeface="Menlo" panose="020B0609030804020204" pitchFamily="49" charset="0"/>
+              </a:rPr>
+              <a:t>@2      </a:t>
+            </a:r>
+            <a:r>
+              <a:rPr lang="en-US" altLang="ja-JP" sz="1200" dirty="0">
+                <a:solidFill>
+                  <a:schemeClr val="tx1"/>
+                </a:solidFill>
+                <a:latin typeface="Menlo" panose="020B0609030804020204" pitchFamily="49" charset="0"/>
+              </a:rPr>
+              <a:t>// A = 2</a:t>
+            </a:r>
+          </a:p>
+          <a:p>
+            <a:r>
+              <a:rPr lang="en-US" altLang="ja-JP" sz="1600" dirty="0">
+                <a:solidFill>
+                  <a:schemeClr val="tx1"/>
+                </a:solidFill>
+                <a:latin typeface="Menlo" panose="020B0609030804020204" pitchFamily="49" charset="0"/>
+              </a:rPr>
+              <a:t>AD=D+A  </a:t>
+            </a:r>
+            <a:r>
+              <a:rPr lang="en-US" altLang="ja-JP" sz="1200" dirty="0">
+                <a:solidFill>
+                  <a:schemeClr val="tx1"/>
+                </a:solidFill>
+                <a:latin typeface="Menlo" panose="020B0609030804020204" pitchFamily="49" charset="0"/>
+              </a:rPr>
+              <a:t>// AD = </a:t>
+            </a:r>
+            <a:r>
+              <a:rPr lang="en-US" altLang="ja-JP" sz="1200" dirty="0">
+                <a:solidFill>
+                  <a:schemeClr val="tx1"/>
+                </a:solidFill>
+              </a:rPr>
+              <a:t>16384 + 2</a:t>
+            </a:r>
+            <a:endParaRPr lang="en-US" altLang="ja-JP" sz="1200" dirty="0">
               <a:solidFill>
                 <a:schemeClr val="tx1"/>
               </a:solidFill>
               <a:latin typeface="Menlo" panose="020B0609030804020204" pitchFamily="49" charset="0"/>
-              <a:ea typeface="Menlo" panose="020B0609030804020204" pitchFamily="49" charset="0"/>
-              <a:cs typeface="Menlo" panose="020B0609030804020204" pitchFamily="49" charset="0"/>
             </a:endParaRPr>
           </a:p>
           <a:p>
             <a:r>
-              <a:rPr lang="en" altLang="ja-JP" sz="900" dirty="0">
-                <a:solidFill>
-                  <a:schemeClr val="tx1"/>
-                </a:solidFill>
-                <a:latin typeface="Menlo" panose="020B0609030804020204" pitchFamily="49" charset="0"/>
-                <a:ea typeface="Menlo" panose="020B0609030804020204" pitchFamily="49" charset="0"/>
-                <a:cs typeface="Menlo" panose="020B0609030804020204" pitchFamily="49" charset="0"/>
-              </a:rPr>
-              <a:t>        </a:t>
-            </a:r>
-            <a:r>
-              <a:rPr lang="en" altLang="ja-JP" sz="800" dirty="0">
-                <a:solidFill>
-                  <a:schemeClr val="tx1"/>
-                </a:solidFill>
-                <a:latin typeface="+mn-ea"/>
-                <a:cs typeface="Menlo" panose="020B0609030804020204" pitchFamily="49" charset="0"/>
-              </a:rPr>
-              <a:t>// R1 </a:t>
-            </a:r>
-            <a:r>
-              <a:rPr lang="ja-JP" altLang="en-US" sz="800">
-                <a:solidFill>
-                  <a:schemeClr val="tx1"/>
-                </a:solidFill>
-                <a:latin typeface="+mn-ea"/>
-                <a:cs typeface="Menlo" panose="020B0609030804020204" pitchFamily="49" charset="0"/>
-              </a:rPr>
-              <a:t>に描画</a:t>
-            </a:r>
-          </a:p>
-          <a:p>
-            <a:r>
-              <a:rPr lang="ja-JP" altLang="en-US" sz="900">
-                <a:solidFill>
-                  <a:schemeClr val="tx1"/>
-                </a:solidFill>
-                <a:latin typeface="Menlo" panose="020B0609030804020204" pitchFamily="49" charset="0"/>
-                <a:cs typeface="Menlo" panose="020B0609030804020204" pitchFamily="49" charset="0"/>
-              </a:rPr>
-              <a:t>        </a:t>
-            </a:r>
-            <a:r>
-              <a:rPr lang="en-US" altLang="ja-JP" sz="900" dirty="0">
-                <a:solidFill>
-                  <a:schemeClr val="tx1"/>
-                </a:solidFill>
-                <a:latin typeface="Menlo" panose="020B0609030804020204" pitchFamily="49" charset="0"/>
-                <a:ea typeface="Menlo" panose="020B0609030804020204" pitchFamily="49" charset="0"/>
-                <a:cs typeface="Menlo" panose="020B0609030804020204" pitchFamily="49" charset="0"/>
-              </a:rPr>
-              <a:t>@</a:t>
-            </a:r>
-            <a:r>
-              <a:rPr lang="en" altLang="ja-JP" sz="900" dirty="0">
-                <a:solidFill>
-                  <a:schemeClr val="tx1"/>
-                </a:solidFill>
-                <a:latin typeface="Menlo" panose="020B0609030804020204" pitchFamily="49" charset="0"/>
-                <a:ea typeface="Menlo" panose="020B0609030804020204" pitchFamily="49" charset="0"/>
-                <a:cs typeface="Menlo" panose="020B0609030804020204" pitchFamily="49" charset="0"/>
-              </a:rPr>
-              <a:t>R1</a:t>
-            </a:r>
-          </a:p>
-          <a:p>
-            <a:r>
-              <a:rPr lang="en" altLang="ja-JP" sz="900" dirty="0">
-                <a:solidFill>
-                  <a:schemeClr val="tx1"/>
-                </a:solidFill>
-                <a:latin typeface="Menlo" panose="020B0609030804020204" pitchFamily="49" charset="0"/>
-                <a:ea typeface="Menlo" panose="020B0609030804020204" pitchFamily="49" charset="0"/>
-                <a:cs typeface="Menlo" panose="020B0609030804020204" pitchFamily="49" charset="0"/>
-              </a:rPr>
-              <a:t>        A=M  </a:t>
-            </a:r>
-            <a:r>
-              <a:rPr lang="en" altLang="ja-JP" sz="800" dirty="0">
-                <a:solidFill>
-                  <a:schemeClr val="tx1"/>
-                </a:solidFill>
-                <a:latin typeface="+mn-ea"/>
-                <a:cs typeface="Menlo" panose="020B0609030804020204" pitchFamily="49" charset="0"/>
-              </a:rPr>
-              <a:t>// A</a:t>
-            </a:r>
-            <a:r>
-              <a:rPr lang="ja-JP" altLang="en-US" sz="800">
-                <a:solidFill>
-                  <a:schemeClr val="tx1"/>
-                </a:solidFill>
-                <a:latin typeface="+mn-ea"/>
-                <a:cs typeface="Menlo" panose="020B0609030804020204" pitchFamily="49" charset="0"/>
-              </a:rPr>
-              <a:t>レジスタに描画位置のアドレスをセット</a:t>
-            </a:r>
-          </a:p>
-          <a:p>
-            <a:r>
-              <a:rPr lang="ja-JP" altLang="en-US" sz="900">
-                <a:solidFill>
-                  <a:schemeClr val="tx1"/>
-                </a:solidFill>
-                <a:latin typeface="Menlo" panose="020B0609030804020204" pitchFamily="49" charset="0"/>
-                <a:cs typeface="Menlo" panose="020B0609030804020204" pitchFamily="49" charset="0"/>
-              </a:rPr>
-              <a:t>        </a:t>
-            </a:r>
-            <a:r>
-              <a:rPr lang="en" altLang="ja-JP" sz="900" dirty="0">
-                <a:solidFill>
-                  <a:schemeClr val="tx1"/>
-                </a:solidFill>
-                <a:latin typeface="Menlo" panose="020B0609030804020204" pitchFamily="49" charset="0"/>
-                <a:ea typeface="Menlo" panose="020B0609030804020204" pitchFamily="49" charset="0"/>
-                <a:cs typeface="Menlo" panose="020B0609030804020204" pitchFamily="49" charset="0"/>
-              </a:rPr>
-              <a:t>M=D</a:t>
-            </a:r>
-          </a:p>
-          <a:p>
-            <a:endParaRPr lang="en" altLang="ja-JP" sz="900" dirty="0">
+              <a:rPr lang="en-US" altLang="ja-JP" sz="1600" dirty="0">
+                <a:solidFill>
+                  <a:schemeClr val="tx1"/>
+                </a:solidFill>
+                <a:latin typeface="Menlo" panose="020B0609030804020204" pitchFamily="49" charset="0"/>
+              </a:rPr>
+              <a:t>M=-1    </a:t>
+            </a:r>
+            <a:r>
+              <a:rPr lang="en-US" altLang="ja-JP" sz="1200" dirty="0">
+                <a:solidFill>
+                  <a:schemeClr val="tx1"/>
+                </a:solidFill>
+                <a:latin typeface="Menlo" panose="020B0609030804020204" pitchFamily="49" charset="0"/>
+              </a:rPr>
+              <a:t>// RAM[</a:t>
+            </a:r>
+            <a:r>
+              <a:rPr lang="en-US" altLang="ja-JP" sz="1200" dirty="0">
+                <a:solidFill>
+                  <a:schemeClr val="tx1"/>
+                </a:solidFill>
+              </a:rPr>
+              <a:t>16386] = -1</a:t>
+            </a:r>
+            <a:endParaRPr lang="en-US" altLang="ja-JP" sz="1200" dirty="0">
               <a:solidFill>
                 <a:schemeClr val="tx1"/>
               </a:solidFill>
               <a:latin typeface="Menlo" panose="020B0609030804020204" pitchFamily="49" charset="0"/>
-              <a:ea typeface="Menlo" panose="020B0609030804020204" pitchFamily="49" charset="0"/>
-              <a:cs typeface="Menlo" panose="020B0609030804020204" pitchFamily="49" charset="0"/>
             </a:endParaRPr>
-          </a:p>
-          <a:p>
-            <a:r>
-              <a:rPr lang="en" altLang="ja-JP" sz="900" dirty="0">
-                <a:solidFill>
-                  <a:schemeClr val="tx1"/>
-                </a:solidFill>
-                <a:latin typeface="Menlo" panose="020B0609030804020204" pitchFamily="49" charset="0"/>
-                <a:ea typeface="Menlo" panose="020B0609030804020204" pitchFamily="49" charset="0"/>
-                <a:cs typeface="Menlo" panose="020B0609030804020204" pitchFamily="49" charset="0"/>
-              </a:rPr>
-              <a:t>        </a:t>
-            </a:r>
-            <a:r>
-              <a:rPr lang="en" altLang="ja-JP" sz="800" dirty="0">
-                <a:solidFill>
-                  <a:schemeClr val="tx1"/>
-                </a:solidFill>
-                <a:latin typeface="+mn-ea"/>
-                <a:cs typeface="Menlo" panose="020B0609030804020204" pitchFamily="49" charset="0"/>
-              </a:rPr>
-              <a:t>// </a:t>
-            </a:r>
-            <a:r>
-              <a:rPr lang="ja-JP" altLang="en-US" sz="800">
-                <a:solidFill>
-                  <a:schemeClr val="tx1"/>
-                </a:solidFill>
-                <a:latin typeface="+mn-ea"/>
-                <a:cs typeface="Menlo" panose="020B0609030804020204" pitchFamily="49" charset="0"/>
-              </a:rPr>
-              <a:t>描画位置のアドレスをデクリメント</a:t>
-            </a:r>
-          </a:p>
-          <a:p>
-            <a:r>
-              <a:rPr lang="ja-JP" altLang="en-US" sz="900">
-                <a:solidFill>
-                  <a:schemeClr val="tx1"/>
-                </a:solidFill>
-                <a:latin typeface="Menlo" panose="020B0609030804020204" pitchFamily="49" charset="0"/>
-                <a:cs typeface="Menlo" panose="020B0609030804020204" pitchFamily="49" charset="0"/>
-              </a:rPr>
-              <a:t>        </a:t>
-            </a:r>
-            <a:r>
-              <a:rPr lang="en-US" altLang="ja-JP" sz="900" dirty="0">
-                <a:solidFill>
-                  <a:schemeClr val="tx1"/>
-                </a:solidFill>
-                <a:latin typeface="Menlo" panose="020B0609030804020204" pitchFamily="49" charset="0"/>
-                <a:ea typeface="Menlo" panose="020B0609030804020204" pitchFamily="49" charset="0"/>
-                <a:cs typeface="Menlo" panose="020B0609030804020204" pitchFamily="49" charset="0"/>
-              </a:rPr>
-              <a:t>@</a:t>
-            </a:r>
-            <a:r>
-              <a:rPr lang="en" altLang="ja-JP" sz="900" dirty="0">
-                <a:solidFill>
-                  <a:schemeClr val="tx1"/>
-                </a:solidFill>
-                <a:latin typeface="Menlo" panose="020B0609030804020204" pitchFamily="49" charset="0"/>
-                <a:ea typeface="Menlo" panose="020B0609030804020204" pitchFamily="49" charset="0"/>
-                <a:cs typeface="Menlo" panose="020B0609030804020204" pitchFamily="49" charset="0"/>
-              </a:rPr>
-              <a:t>R1</a:t>
-            </a:r>
-          </a:p>
-          <a:p>
-            <a:r>
-              <a:rPr lang="en" altLang="ja-JP" sz="900" dirty="0">
-                <a:solidFill>
-                  <a:schemeClr val="tx1"/>
-                </a:solidFill>
-                <a:latin typeface="Menlo" panose="020B0609030804020204" pitchFamily="49" charset="0"/>
-                <a:ea typeface="Menlo" panose="020B0609030804020204" pitchFamily="49" charset="0"/>
-                <a:cs typeface="Menlo" panose="020B0609030804020204" pitchFamily="49" charset="0"/>
-              </a:rPr>
-              <a:t>        MD=M-1</a:t>
-            </a:r>
-          </a:p>
-          <a:p>
-            <a:endParaRPr lang="en" altLang="ja-JP" sz="900" dirty="0">
-              <a:solidFill>
-                <a:schemeClr val="tx1"/>
-              </a:solidFill>
-              <a:latin typeface="Menlo" panose="020B0609030804020204" pitchFamily="49" charset="0"/>
-              <a:ea typeface="Menlo" panose="020B0609030804020204" pitchFamily="49" charset="0"/>
-              <a:cs typeface="Menlo" panose="020B0609030804020204" pitchFamily="49" charset="0"/>
-            </a:endParaRPr>
-          </a:p>
-          <a:p>
-            <a:r>
-              <a:rPr lang="en" altLang="ja-JP" sz="900" dirty="0">
-                <a:solidFill>
-                  <a:schemeClr val="tx1"/>
-                </a:solidFill>
-                <a:latin typeface="Menlo" panose="020B0609030804020204" pitchFamily="49" charset="0"/>
-                <a:ea typeface="Menlo" panose="020B0609030804020204" pitchFamily="49" charset="0"/>
-                <a:cs typeface="Menlo" panose="020B0609030804020204" pitchFamily="49" charset="0"/>
-              </a:rPr>
-              <a:t>        </a:t>
-            </a:r>
-            <a:r>
-              <a:rPr lang="en" altLang="ja-JP" sz="800" dirty="0">
-                <a:solidFill>
-                  <a:schemeClr val="tx1"/>
-                </a:solidFill>
-                <a:latin typeface="+mn-ea"/>
-                <a:cs typeface="Menlo" panose="020B0609030804020204" pitchFamily="49" charset="0"/>
-              </a:rPr>
-              <a:t>// </a:t>
-            </a:r>
-            <a:r>
-              <a:rPr lang="ja-JP" altLang="en-US" sz="800">
-                <a:solidFill>
-                  <a:schemeClr val="tx1"/>
-                </a:solidFill>
-                <a:latin typeface="+mn-ea"/>
-                <a:cs typeface="Menlo" panose="020B0609030804020204" pitchFamily="49" charset="0"/>
-              </a:rPr>
-              <a:t>スクリーン左上に到達するまで </a:t>
-            </a:r>
-            <a:r>
-              <a:rPr lang="en" altLang="ja-JP" sz="800" dirty="0">
-                <a:solidFill>
-                  <a:schemeClr val="tx1"/>
-                </a:solidFill>
-                <a:latin typeface="+mn-ea"/>
-                <a:cs typeface="Menlo" panose="020B0609030804020204" pitchFamily="49" charset="0"/>
-              </a:rPr>
-              <a:t>FILLLOOP </a:t>
-            </a:r>
-            <a:r>
-              <a:rPr lang="ja-JP" altLang="en-US" sz="800">
-                <a:solidFill>
-                  <a:schemeClr val="tx1"/>
-                </a:solidFill>
-                <a:latin typeface="+mn-ea"/>
-                <a:cs typeface="Menlo" panose="020B0609030804020204" pitchFamily="49" charset="0"/>
-              </a:rPr>
-              <a:t>へジャンプ</a:t>
-            </a:r>
-          </a:p>
-          <a:p>
-            <a:r>
-              <a:rPr lang="ja-JP" altLang="en-US" sz="900">
-                <a:solidFill>
-                  <a:schemeClr val="tx1"/>
-                </a:solidFill>
-                <a:latin typeface="Menlo" panose="020B0609030804020204" pitchFamily="49" charset="0"/>
-                <a:cs typeface="Menlo" panose="020B0609030804020204" pitchFamily="49" charset="0"/>
-              </a:rPr>
-              <a:t>        </a:t>
-            </a:r>
-            <a:r>
-              <a:rPr lang="en-US" altLang="ja-JP" sz="900" dirty="0">
-                <a:solidFill>
-                  <a:schemeClr val="tx1"/>
-                </a:solidFill>
-                <a:latin typeface="Menlo" panose="020B0609030804020204" pitchFamily="49" charset="0"/>
-                <a:ea typeface="Menlo" panose="020B0609030804020204" pitchFamily="49" charset="0"/>
-                <a:cs typeface="Menlo" panose="020B0609030804020204" pitchFamily="49" charset="0"/>
-              </a:rPr>
-              <a:t>@</a:t>
-            </a:r>
-            <a:r>
-              <a:rPr lang="en" altLang="ja-JP" sz="900" dirty="0">
-                <a:solidFill>
-                  <a:schemeClr val="tx1"/>
-                </a:solidFill>
-                <a:latin typeface="Menlo" panose="020B0609030804020204" pitchFamily="49" charset="0"/>
-                <a:ea typeface="Menlo" panose="020B0609030804020204" pitchFamily="49" charset="0"/>
-                <a:cs typeface="Menlo" panose="020B0609030804020204" pitchFamily="49" charset="0"/>
-              </a:rPr>
-              <a:t>SCREEN</a:t>
-            </a:r>
-          </a:p>
-          <a:p>
-            <a:r>
-              <a:rPr lang="en" altLang="ja-JP" sz="900" dirty="0">
-                <a:solidFill>
-                  <a:schemeClr val="tx1"/>
-                </a:solidFill>
-                <a:latin typeface="Menlo" panose="020B0609030804020204" pitchFamily="49" charset="0"/>
-                <a:ea typeface="Menlo" panose="020B0609030804020204" pitchFamily="49" charset="0"/>
-                <a:cs typeface="Menlo" panose="020B0609030804020204" pitchFamily="49" charset="0"/>
-              </a:rPr>
-              <a:t>        D=D-A</a:t>
-            </a:r>
-          </a:p>
-          <a:p>
-            <a:r>
-              <a:rPr lang="en" altLang="ja-JP" sz="900" dirty="0">
-                <a:solidFill>
-                  <a:schemeClr val="tx1"/>
-                </a:solidFill>
-                <a:latin typeface="Menlo" panose="020B0609030804020204" pitchFamily="49" charset="0"/>
-                <a:ea typeface="Menlo" panose="020B0609030804020204" pitchFamily="49" charset="0"/>
-                <a:cs typeface="Menlo" panose="020B0609030804020204" pitchFamily="49" charset="0"/>
-              </a:rPr>
-              <a:t>        @FILLLOOP</a:t>
-            </a:r>
-          </a:p>
-          <a:p>
-            <a:r>
-              <a:rPr lang="en" altLang="ja-JP" sz="900" dirty="0">
-                <a:solidFill>
-                  <a:schemeClr val="tx1"/>
-                </a:solidFill>
-                <a:latin typeface="Menlo" panose="020B0609030804020204" pitchFamily="49" charset="0"/>
-                <a:ea typeface="Menlo" panose="020B0609030804020204" pitchFamily="49" charset="0"/>
-                <a:cs typeface="Menlo" panose="020B0609030804020204" pitchFamily="49" charset="0"/>
-              </a:rPr>
-              <a:t>        D;JGE</a:t>
-            </a:r>
-          </a:p>
-          <a:p>
-            <a:endParaRPr lang="en" altLang="ja-JP" sz="900" dirty="0">
-              <a:solidFill>
-                <a:schemeClr val="tx1"/>
-              </a:solidFill>
-              <a:latin typeface="Menlo" panose="020B0609030804020204" pitchFamily="49" charset="0"/>
-              <a:ea typeface="Menlo" panose="020B0609030804020204" pitchFamily="49" charset="0"/>
-              <a:cs typeface="Menlo" panose="020B0609030804020204" pitchFamily="49" charset="0"/>
-            </a:endParaRPr>
-          </a:p>
-          <a:p>
-            <a:r>
-              <a:rPr lang="en" altLang="ja-JP" sz="900" dirty="0">
-                <a:solidFill>
-                  <a:schemeClr val="tx1"/>
-                </a:solidFill>
-                <a:latin typeface="Menlo" panose="020B0609030804020204" pitchFamily="49" charset="0"/>
-                <a:ea typeface="Menlo" panose="020B0609030804020204" pitchFamily="49" charset="0"/>
-                <a:cs typeface="Menlo" panose="020B0609030804020204" pitchFamily="49" charset="0"/>
-              </a:rPr>
-              <a:t>@LOOP</a:t>
-            </a:r>
-          </a:p>
-          <a:p>
-            <a:r>
-              <a:rPr lang="en" altLang="ja-JP" sz="900" dirty="0">
-                <a:solidFill>
-                  <a:schemeClr val="tx1"/>
-                </a:solidFill>
-                <a:latin typeface="Menlo" panose="020B0609030804020204" pitchFamily="49" charset="0"/>
-                <a:ea typeface="Menlo" panose="020B0609030804020204" pitchFamily="49" charset="0"/>
-                <a:cs typeface="Menlo" panose="020B0609030804020204" pitchFamily="49" charset="0"/>
-              </a:rPr>
-              <a:t>0;JMP</a:t>
-            </a:r>
           </a:p>
         </p:txBody>
       </p:sp>
     </p:spTree>
     <p:extLst>
       <p:ext uri="{BB962C8B-B14F-4D97-AF65-F5344CB8AC3E}">
-        <p14:creationId xmlns:p14="http://schemas.microsoft.com/office/powerpoint/2010/main" val="294048682"/>
+        <p14:creationId xmlns:p14="http://schemas.microsoft.com/office/powerpoint/2010/main" val="3954660120"/>
       </p:ext>
     </p:extLst>
   </p:cSld>
@@ -20468,9 +20451,34 @@
           <a:lstStyle/>
           <a:p>
             <a:r>
-              <a:rPr kumimoji="1" lang="ja-JP" altLang="en-US"/>
-              <a:t>おわり</a:t>
-            </a:r>
+              <a:rPr lang="ja-JP" altLang="en-US"/>
+              <a:t>課題</a:t>
+            </a:r>
+            <a:r>
+              <a:rPr lang="en-US" altLang="ja-JP" dirty="0"/>
+              <a:t> - </a:t>
+            </a:r>
+            <a:r>
+              <a:rPr lang="en-US" altLang="ja-JP" dirty="0" err="1"/>
+              <a:t>Fill.asm</a:t>
+            </a:r>
+            <a:r>
+              <a:rPr lang="ja-JP" altLang="en-US"/>
+              <a:t> </a:t>
+            </a:r>
+            <a:r>
+              <a:rPr lang="en-US" altLang="ja-JP" dirty="0"/>
+              <a:t>(</a:t>
+            </a:r>
+            <a:r>
+              <a:rPr lang="ja-JP" altLang="en-US"/>
+              <a:t>実装案</a:t>
+            </a:r>
+            <a:r>
+              <a:rPr lang="en-US" altLang="ja-JP" dirty="0"/>
+              <a:t>)</a:t>
+            </a:r>
+            <a:endParaRPr kumimoji="1" lang="ja-JP" altLang="en-US"/>
           </a:p>
         </p:txBody>
       </p:sp>
@@ -20657,24 +20665,1576 @@
       </p:sp>
       <p:sp>
         <p:nvSpPr>
-          <p:cNvPr id="9" name="コンテンツ プレースホルダー 2">
+          <p:cNvPr id="9" name="正方形/長方形 8">
             <a:extLst>
               <a:ext uri="{FF2B5EF4-FFF2-40B4-BE49-F238E27FC236}">
-                <a16:creationId xmlns:a16="http://schemas.microsoft.com/office/drawing/2014/main" id="{E43C4054-5DF2-204A-9078-8556EF9E964E}"/>
+                <a16:creationId xmlns:a16="http://schemas.microsoft.com/office/drawing/2014/main" id="{F515A086-A130-6447-A414-B6A02E99F997}"/>
               </a:ext>
             </a:extLst>
           </p:cNvPr>
+          <p:cNvSpPr/>
+          <p:nvPr/>
+        </p:nvSpPr>
+        <p:spPr>
+          <a:xfrm>
+            <a:off x="1544946" y="984522"/>
+            <a:ext cx="4439417" cy="4447014"/>
+          </a:xfrm>
+          <a:prstGeom prst="rect">
+            <a:avLst/>
+          </a:prstGeom>
+          <a:solidFill>
+            <a:schemeClr val="accent2">
+              <a:lumMod val="20000"/>
+              <a:lumOff val="80000"/>
+            </a:schemeClr>
+          </a:solidFill>
+          <a:ln>
+            <a:noFill/>
+          </a:ln>
+        </p:spPr>
+        <p:style>
+          <a:lnRef idx="2">
+            <a:schemeClr val="accent1">
+              <a:shade val="50000"/>
+            </a:schemeClr>
+          </a:lnRef>
+          <a:fillRef idx="1">
+            <a:schemeClr val="accent1"/>
+          </a:fillRef>
+          <a:effectRef idx="0">
+            <a:schemeClr val="accent1"/>
+          </a:effectRef>
+          <a:fontRef idx="minor">
+            <a:schemeClr val="lt1"/>
+          </a:fontRef>
+        </p:style>
+        <p:txBody>
+          <a:bodyPr rtlCol="0" anchor="t"/>
+          <a:lstStyle/>
+          <a:p>
+            <a:r>
+              <a:rPr lang="en" altLang="ja-JP" sz="900" dirty="0">
+                <a:solidFill>
+                  <a:schemeClr val="tx1"/>
+                </a:solidFill>
+                <a:latin typeface="Menlo" panose="020B0609030804020204" pitchFamily="49" charset="0"/>
+                <a:ea typeface="Menlo" panose="020B0609030804020204" pitchFamily="49" charset="0"/>
+                <a:cs typeface="Menlo" panose="020B0609030804020204" pitchFamily="49" charset="0"/>
+              </a:rPr>
+              <a:t>(LOOP)</a:t>
+            </a:r>
+          </a:p>
+          <a:p>
+            <a:r>
+              <a:rPr lang="en" altLang="ja-JP" sz="900" dirty="0">
+                <a:solidFill>
+                  <a:schemeClr val="tx1"/>
+                </a:solidFill>
+                <a:latin typeface="Menlo" panose="020B0609030804020204" pitchFamily="49" charset="0"/>
+                <a:ea typeface="Menlo" panose="020B0609030804020204" pitchFamily="49" charset="0"/>
+                <a:cs typeface="Menlo" panose="020B0609030804020204" pitchFamily="49" charset="0"/>
+              </a:rPr>
+              <a:t>    </a:t>
+            </a:r>
+            <a:r>
+              <a:rPr lang="en" altLang="ja-JP" sz="800" dirty="0">
+                <a:solidFill>
+                  <a:schemeClr val="tx1"/>
+                </a:solidFill>
+                <a:latin typeface="+mn-ea"/>
+                <a:cs typeface="Menlo" panose="020B0609030804020204" pitchFamily="49" charset="0"/>
+              </a:rPr>
+              <a:t>// </a:t>
+            </a:r>
+            <a:r>
+              <a:rPr lang="ja-JP" altLang="en-US" sz="800">
+                <a:solidFill>
+                  <a:schemeClr val="tx1"/>
+                </a:solidFill>
+                <a:latin typeface="+mn-ea"/>
+                <a:cs typeface="Menlo" panose="020B0609030804020204" pitchFamily="49" charset="0"/>
+              </a:rPr>
+              <a:t>キーボード入力</a:t>
+            </a:r>
+          </a:p>
+          <a:p>
+            <a:r>
+              <a:rPr lang="ja-JP" altLang="en-US" sz="900">
+                <a:solidFill>
+                  <a:schemeClr val="tx1"/>
+                </a:solidFill>
+                <a:latin typeface="Menlo" panose="020B0609030804020204" pitchFamily="49" charset="0"/>
+                <a:cs typeface="Menlo" panose="020B0609030804020204" pitchFamily="49" charset="0"/>
+              </a:rPr>
+              <a:t>    </a:t>
+            </a:r>
+            <a:r>
+              <a:rPr lang="en-US" altLang="ja-JP" sz="900" dirty="0">
+                <a:solidFill>
+                  <a:schemeClr val="tx1"/>
+                </a:solidFill>
+                <a:latin typeface="Menlo" panose="020B0609030804020204" pitchFamily="49" charset="0"/>
+                <a:ea typeface="Menlo" panose="020B0609030804020204" pitchFamily="49" charset="0"/>
+                <a:cs typeface="Menlo" panose="020B0609030804020204" pitchFamily="49" charset="0"/>
+              </a:rPr>
+              <a:t>@</a:t>
+            </a:r>
+            <a:r>
+              <a:rPr lang="en" altLang="ja-JP" sz="900" dirty="0">
+                <a:solidFill>
+                  <a:schemeClr val="tx1"/>
+                </a:solidFill>
+                <a:latin typeface="Menlo" panose="020B0609030804020204" pitchFamily="49" charset="0"/>
+                <a:ea typeface="Menlo" panose="020B0609030804020204" pitchFamily="49" charset="0"/>
+                <a:cs typeface="Menlo" panose="020B0609030804020204" pitchFamily="49" charset="0"/>
+              </a:rPr>
+              <a:t>KBD</a:t>
+            </a:r>
+          </a:p>
+          <a:p>
+            <a:r>
+              <a:rPr lang="en" altLang="ja-JP" sz="900" dirty="0">
+                <a:solidFill>
+                  <a:schemeClr val="tx1"/>
+                </a:solidFill>
+                <a:latin typeface="Menlo" panose="020B0609030804020204" pitchFamily="49" charset="0"/>
+                <a:ea typeface="Menlo" panose="020B0609030804020204" pitchFamily="49" charset="0"/>
+                <a:cs typeface="Menlo" panose="020B0609030804020204" pitchFamily="49" charset="0"/>
+              </a:rPr>
+              <a:t>    D=M</a:t>
+            </a:r>
+            <a:br>
+              <a:rPr lang="en" altLang="ja-JP" sz="900" dirty="0">
+                <a:solidFill>
+                  <a:schemeClr val="tx1"/>
+                </a:solidFill>
+                <a:latin typeface="Menlo" panose="020B0609030804020204" pitchFamily="49" charset="0"/>
+                <a:ea typeface="Menlo" panose="020B0609030804020204" pitchFamily="49" charset="0"/>
+                <a:cs typeface="Menlo" panose="020B0609030804020204" pitchFamily="49" charset="0"/>
+              </a:rPr>
+            </a:br>
+            <a:endParaRPr lang="en" altLang="ja-JP" sz="900" dirty="0">
+              <a:solidFill>
+                <a:schemeClr val="tx1"/>
+              </a:solidFill>
+              <a:latin typeface="Menlo" panose="020B0609030804020204" pitchFamily="49" charset="0"/>
+              <a:ea typeface="Menlo" panose="020B0609030804020204" pitchFamily="49" charset="0"/>
+              <a:cs typeface="Menlo" panose="020B0609030804020204" pitchFamily="49" charset="0"/>
+            </a:endParaRPr>
+          </a:p>
+          <a:p>
+            <a:r>
+              <a:rPr lang="en" altLang="ja-JP" sz="900" dirty="0">
+                <a:solidFill>
+                  <a:schemeClr val="tx1"/>
+                </a:solidFill>
+                <a:latin typeface="Menlo" panose="020B0609030804020204" pitchFamily="49" charset="0"/>
+                <a:ea typeface="Menlo" panose="020B0609030804020204" pitchFamily="49" charset="0"/>
+                <a:cs typeface="Menlo" panose="020B0609030804020204" pitchFamily="49" charset="0"/>
+              </a:rPr>
+              <a:t>    </a:t>
+            </a:r>
+            <a:r>
+              <a:rPr lang="en" altLang="ja-JP" sz="800" dirty="0">
+                <a:solidFill>
+                  <a:schemeClr val="tx1"/>
+                </a:solidFill>
+                <a:latin typeface="+mn-ea"/>
+                <a:cs typeface="Menlo" panose="020B0609030804020204" pitchFamily="49" charset="0"/>
+              </a:rPr>
+              <a:t>// </a:t>
+            </a:r>
+            <a:r>
+              <a:rPr lang="ja-JP" altLang="en-US" sz="800">
+                <a:solidFill>
+                  <a:schemeClr val="tx1"/>
+                </a:solidFill>
+                <a:latin typeface="+mn-ea"/>
+                <a:cs typeface="Menlo" panose="020B0609030804020204" pitchFamily="49" charset="0"/>
+              </a:rPr>
+              <a:t>押下されている場合 </a:t>
+            </a:r>
+            <a:r>
+              <a:rPr lang="en" altLang="ja-JP" sz="800" dirty="0">
+                <a:solidFill>
+                  <a:schemeClr val="tx1"/>
+                </a:solidFill>
+                <a:latin typeface="+mn-ea"/>
+                <a:cs typeface="Menlo" panose="020B0609030804020204" pitchFamily="49" charset="0"/>
+              </a:rPr>
+              <a:t>ON </a:t>
+            </a:r>
+            <a:r>
+              <a:rPr lang="ja-JP" altLang="en-US" sz="800">
+                <a:solidFill>
+                  <a:schemeClr val="tx1"/>
+                </a:solidFill>
+                <a:latin typeface="+mn-ea"/>
+                <a:cs typeface="Menlo" panose="020B0609030804020204" pitchFamily="49" charset="0"/>
+              </a:rPr>
+              <a:t>へジャンプ</a:t>
+            </a:r>
+          </a:p>
+          <a:p>
+            <a:r>
+              <a:rPr lang="ja-JP" altLang="en-US" sz="900">
+                <a:solidFill>
+                  <a:schemeClr val="tx1"/>
+                </a:solidFill>
+                <a:latin typeface="Menlo" panose="020B0609030804020204" pitchFamily="49" charset="0"/>
+                <a:cs typeface="Menlo" panose="020B0609030804020204" pitchFamily="49" charset="0"/>
+              </a:rPr>
+              <a:t>    </a:t>
+            </a:r>
+            <a:r>
+              <a:rPr lang="en-US" altLang="ja-JP" sz="900" dirty="0">
+                <a:solidFill>
+                  <a:schemeClr val="tx1"/>
+                </a:solidFill>
+                <a:latin typeface="Menlo" panose="020B0609030804020204" pitchFamily="49" charset="0"/>
+                <a:ea typeface="Menlo" panose="020B0609030804020204" pitchFamily="49" charset="0"/>
+                <a:cs typeface="Menlo" panose="020B0609030804020204" pitchFamily="49" charset="0"/>
+              </a:rPr>
+              <a:t>@</a:t>
+            </a:r>
+            <a:r>
+              <a:rPr lang="en" altLang="ja-JP" sz="900" dirty="0">
+                <a:solidFill>
+                  <a:schemeClr val="tx1"/>
+                </a:solidFill>
+                <a:latin typeface="Menlo" panose="020B0609030804020204" pitchFamily="49" charset="0"/>
+                <a:ea typeface="Menlo" panose="020B0609030804020204" pitchFamily="49" charset="0"/>
+                <a:cs typeface="Menlo" panose="020B0609030804020204" pitchFamily="49" charset="0"/>
+              </a:rPr>
+              <a:t>ON</a:t>
+            </a:r>
+          </a:p>
+          <a:p>
+            <a:r>
+              <a:rPr lang="en" altLang="ja-JP" sz="900" dirty="0">
+                <a:solidFill>
+                  <a:schemeClr val="tx1"/>
+                </a:solidFill>
+                <a:latin typeface="Menlo" panose="020B0609030804020204" pitchFamily="49" charset="0"/>
+                <a:ea typeface="Menlo" panose="020B0609030804020204" pitchFamily="49" charset="0"/>
+                <a:cs typeface="Menlo" panose="020B0609030804020204" pitchFamily="49" charset="0"/>
+              </a:rPr>
+              <a:t>    D;JGT</a:t>
+            </a:r>
+            <a:br>
+              <a:rPr lang="en" altLang="ja-JP" sz="900" dirty="0">
+                <a:solidFill>
+                  <a:schemeClr val="tx1"/>
+                </a:solidFill>
+                <a:latin typeface="Menlo" panose="020B0609030804020204" pitchFamily="49" charset="0"/>
+                <a:ea typeface="Menlo" panose="020B0609030804020204" pitchFamily="49" charset="0"/>
+                <a:cs typeface="Menlo" panose="020B0609030804020204" pitchFamily="49" charset="0"/>
+              </a:rPr>
+            </a:br>
+            <a:endParaRPr lang="en" altLang="ja-JP" sz="900" dirty="0">
+              <a:solidFill>
+                <a:schemeClr val="tx1"/>
+              </a:solidFill>
+              <a:latin typeface="Menlo" panose="020B0609030804020204" pitchFamily="49" charset="0"/>
+              <a:ea typeface="Menlo" panose="020B0609030804020204" pitchFamily="49" charset="0"/>
+              <a:cs typeface="Menlo" panose="020B0609030804020204" pitchFamily="49" charset="0"/>
+            </a:endParaRPr>
+          </a:p>
+          <a:p>
+            <a:r>
+              <a:rPr lang="en" altLang="ja-JP" sz="900" dirty="0">
+                <a:solidFill>
+                  <a:schemeClr val="tx1"/>
+                </a:solidFill>
+                <a:latin typeface="Menlo" panose="020B0609030804020204" pitchFamily="49" charset="0"/>
+                <a:ea typeface="Menlo" panose="020B0609030804020204" pitchFamily="49" charset="0"/>
+                <a:cs typeface="Menlo" panose="020B0609030804020204" pitchFamily="49" charset="0"/>
+              </a:rPr>
+              <a:t>    </a:t>
+            </a:r>
+            <a:r>
+              <a:rPr lang="en" altLang="ja-JP" sz="800" dirty="0">
+                <a:solidFill>
+                  <a:schemeClr val="tx1"/>
+                </a:solidFill>
+                <a:latin typeface="+mn-ea"/>
+                <a:cs typeface="Menlo" panose="020B0609030804020204" pitchFamily="49" charset="0"/>
+              </a:rPr>
+              <a:t>// </a:t>
+            </a:r>
+            <a:r>
+              <a:rPr lang="ja-JP" altLang="en-US" sz="800">
+                <a:solidFill>
+                  <a:schemeClr val="tx1"/>
+                </a:solidFill>
+                <a:latin typeface="+mn-ea"/>
+                <a:cs typeface="Menlo" panose="020B0609030804020204" pitchFamily="49" charset="0"/>
+              </a:rPr>
+              <a:t>押下されていない場合 </a:t>
+            </a:r>
+            <a:r>
+              <a:rPr lang="en" altLang="ja-JP" sz="800" dirty="0">
+                <a:solidFill>
+                  <a:schemeClr val="tx1"/>
+                </a:solidFill>
+                <a:latin typeface="+mn-ea"/>
+                <a:cs typeface="Menlo" panose="020B0609030804020204" pitchFamily="49" charset="0"/>
+              </a:rPr>
+              <a:t>R0 </a:t>
+            </a:r>
+            <a:r>
+              <a:rPr lang="ja-JP" altLang="en-US" sz="800">
+                <a:solidFill>
+                  <a:schemeClr val="tx1"/>
+                </a:solidFill>
+                <a:latin typeface="+mn-ea"/>
+                <a:cs typeface="Menlo" panose="020B0609030804020204" pitchFamily="49" charset="0"/>
+              </a:rPr>
+              <a:t>に </a:t>
+            </a:r>
+            <a:r>
+              <a:rPr lang="en-US" altLang="ja-JP" sz="800" dirty="0">
+                <a:solidFill>
+                  <a:schemeClr val="tx1"/>
+                </a:solidFill>
+                <a:latin typeface="+mn-ea"/>
+                <a:cs typeface="Menlo" panose="020B0609030804020204" pitchFamily="49" charset="0"/>
+              </a:rPr>
+              <a:t>0(0</a:t>
+            </a:r>
+            <a:r>
+              <a:rPr lang="en" altLang="ja-JP" sz="800" dirty="0">
+                <a:solidFill>
+                  <a:schemeClr val="tx1"/>
+                </a:solidFill>
+                <a:latin typeface="+mn-ea"/>
+                <a:cs typeface="Menlo" panose="020B0609030804020204" pitchFamily="49" charset="0"/>
+              </a:rPr>
+              <a:t>b000000000000) </a:t>
+            </a:r>
+            <a:r>
+              <a:rPr lang="ja-JP" altLang="en-US" sz="800">
+                <a:solidFill>
+                  <a:schemeClr val="tx1"/>
+                </a:solidFill>
+                <a:latin typeface="+mn-ea"/>
+                <a:cs typeface="Menlo" panose="020B0609030804020204" pitchFamily="49" charset="0"/>
+              </a:rPr>
+              <a:t>をセット</a:t>
+            </a:r>
+          </a:p>
+          <a:p>
+            <a:r>
+              <a:rPr lang="ja-JP" altLang="en-US" sz="900">
+                <a:solidFill>
+                  <a:schemeClr val="tx1"/>
+                </a:solidFill>
+                <a:latin typeface="Menlo" panose="020B0609030804020204" pitchFamily="49" charset="0"/>
+                <a:cs typeface="Menlo" panose="020B0609030804020204" pitchFamily="49" charset="0"/>
+              </a:rPr>
+              <a:t>    </a:t>
+            </a:r>
+            <a:r>
+              <a:rPr lang="en-US" altLang="ja-JP" sz="900" dirty="0">
+                <a:solidFill>
+                  <a:schemeClr val="tx1"/>
+                </a:solidFill>
+                <a:latin typeface="Menlo" panose="020B0609030804020204" pitchFamily="49" charset="0"/>
+                <a:ea typeface="Menlo" panose="020B0609030804020204" pitchFamily="49" charset="0"/>
+                <a:cs typeface="Menlo" panose="020B0609030804020204" pitchFamily="49" charset="0"/>
+              </a:rPr>
+              <a:t>@</a:t>
+            </a:r>
+            <a:r>
+              <a:rPr lang="en" altLang="ja-JP" sz="900" dirty="0">
+                <a:solidFill>
+                  <a:schemeClr val="tx1"/>
+                </a:solidFill>
+                <a:latin typeface="Menlo" panose="020B0609030804020204" pitchFamily="49" charset="0"/>
+                <a:ea typeface="Menlo" panose="020B0609030804020204" pitchFamily="49" charset="0"/>
+                <a:cs typeface="Menlo" panose="020B0609030804020204" pitchFamily="49" charset="0"/>
+              </a:rPr>
+              <a:t>R0</a:t>
+            </a:r>
+          </a:p>
+          <a:p>
+            <a:r>
+              <a:rPr lang="en" altLang="ja-JP" sz="900" dirty="0">
+                <a:solidFill>
+                  <a:schemeClr val="tx1"/>
+                </a:solidFill>
+                <a:latin typeface="Menlo" panose="020B0609030804020204" pitchFamily="49" charset="0"/>
+                <a:ea typeface="Menlo" panose="020B0609030804020204" pitchFamily="49" charset="0"/>
+                <a:cs typeface="Menlo" panose="020B0609030804020204" pitchFamily="49" charset="0"/>
+              </a:rPr>
+              <a:t>    M=0</a:t>
+            </a:r>
+            <a:br>
+              <a:rPr lang="en" altLang="ja-JP" sz="900" dirty="0">
+                <a:solidFill>
+                  <a:schemeClr val="tx1"/>
+                </a:solidFill>
+                <a:latin typeface="Menlo" panose="020B0609030804020204" pitchFamily="49" charset="0"/>
+                <a:ea typeface="Menlo" panose="020B0609030804020204" pitchFamily="49" charset="0"/>
+                <a:cs typeface="Menlo" panose="020B0609030804020204" pitchFamily="49" charset="0"/>
+              </a:rPr>
+            </a:br>
+            <a:endParaRPr lang="en" altLang="ja-JP" sz="900" dirty="0">
+              <a:solidFill>
+                <a:schemeClr val="tx1"/>
+              </a:solidFill>
+              <a:latin typeface="Menlo" panose="020B0609030804020204" pitchFamily="49" charset="0"/>
+              <a:ea typeface="Menlo" panose="020B0609030804020204" pitchFamily="49" charset="0"/>
+              <a:cs typeface="Menlo" panose="020B0609030804020204" pitchFamily="49" charset="0"/>
+            </a:endParaRPr>
+          </a:p>
+          <a:p>
+            <a:r>
+              <a:rPr lang="en" altLang="ja-JP" sz="900" dirty="0">
+                <a:solidFill>
+                  <a:schemeClr val="tx1"/>
+                </a:solidFill>
+                <a:latin typeface="Menlo" panose="020B0609030804020204" pitchFamily="49" charset="0"/>
+                <a:ea typeface="Menlo" panose="020B0609030804020204" pitchFamily="49" charset="0"/>
+                <a:cs typeface="Menlo" panose="020B0609030804020204" pitchFamily="49" charset="0"/>
+              </a:rPr>
+              <a:t>    </a:t>
+            </a:r>
+            <a:r>
+              <a:rPr lang="en" altLang="ja-JP" sz="800" dirty="0">
+                <a:solidFill>
+                  <a:schemeClr val="tx1"/>
+                </a:solidFill>
+                <a:latin typeface="+mn-ea"/>
+                <a:cs typeface="Menlo" panose="020B0609030804020204" pitchFamily="49" charset="0"/>
+              </a:rPr>
+              <a:t>// FILL </a:t>
+            </a:r>
+            <a:r>
+              <a:rPr lang="ja-JP" altLang="en-US" sz="800">
+                <a:solidFill>
+                  <a:schemeClr val="tx1"/>
+                </a:solidFill>
+                <a:latin typeface="+mn-ea"/>
+                <a:cs typeface="Menlo" panose="020B0609030804020204" pitchFamily="49" charset="0"/>
+              </a:rPr>
+              <a:t>へジャンプ</a:t>
+            </a:r>
+          </a:p>
+          <a:p>
+            <a:r>
+              <a:rPr lang="ja-JP" altLang="en-US" sz="900">
+                <a:solidFill>
+                  <a:schemeClr val="tx1"/>
+                </a:solidFill>
+                <a:latin typeface="Menlo" panose="020B0609030804020204" pitchFamily="49" charset="0"/>
+                <a:cs typeface="Menlo" panose="020B0609030804020204" pitchFamily="49" charset="0"/>
+              </a:rPr>
+              <a:t>    </a:t>
+            </a:r>
+            <a:r>
+              <a:rPr lang="en-US" altLang="ja-JP" sz="900" dirty="0">
+                <a:solidFill>
+                  <a:schemeClr val="tx1"/>
+                </a:solidFill>
+                <a:latin typeface="Menlo" panose="020B0609030804020204" pitchFamily="49" charset="0"/>
+                <a:ea typeface="Menlo" panose="020B0609030804020204" pitchFamily="49" charset="0"/>
+                <a:cs typeface="Menlo" panose="020B0609030804020204" pitchFamily="49" charset="0"/>
+              </a:rPr>
+              <a:t>@</a:t>
+            </a:r>
+            <a:r>
+              <a:rPr lang="en" altLang="ja-JP" sz="900" dirty="0">
+                <a:solidFill>
+                  <a:schemeClr val="tx1"/>
+                </a:solidFill>
+                <a:latin typeface="Menlo" panose="020B0609030804020204" pitchFamily="49" charset="0"/>
+                <a:ea typeface="Menlo" panose="020B0609030804020204" pitchFamily="49" charset="0"/>
+                <a:cs typeface="Menlo" panose="020B0609030804020204" pitchFamily="49" charset="0"/>
+              </a:rPr>
+              <a:t>FILL</a:t>
+            </a:r>
+          </a:p>
+          <a:p>
+            <a:r>
+              <a:rPr lang="en" altLang="ja-JP" sz="900" dirty="0">
+                <a:solidFill>
+                  <a:schemeClr val="tx1"/>
+                </a:solidFill>
+                <a:latin typeface="Menlo" panose="020B0609030804020204" pitchFamily="49" charset="0"/>
+                <a:ea typeface="Menlo" panose="020B0609030804020204" pitchFamily="49" charset="0"/>
+                <a:cs typeface="Menlo" panose="020B0609030804020204" pitchFamily="49" charset="0"/>
+              </a:rPr>
+              <a:t>    0;JMP</a:t>
+            </a:r>
+            <a:br>
+              <a:rPr lang="en" altLang="ja-JP" sz="900" dirty="0">
+                <a:solidFill>
+                  <a:schemeClr val="tx1"/>
+                </a:solidFill>
+                <a:latin typeface="Menlo" panose="020B0609030804020204" pitchFamily="49" charset="0"/>
+                <a:ea typeface="Menlo" panose="020B0609030804020204" pitchFamily="49" charset="0"/>
+                <a:cs typeface="Menlo" panose="020B0609030804020204" pitchFamily="49" charset="0"/>
+              </a:rPr>
+            </a:br>
+            <a:endParaRPr lang="en" altLang="ja-JP" sz="900" dirty="0">
+              <a:solidFill>
+                <a:schemeClr val="tx1"/>
+              </a:solidFill>
+              <a:latin typeface="Menlo" panose="020B0609030804020204" pitchFamily="49" charset="0"/>
+              <a:ea typeface="Menlo" panose="020B0609030804020204" pitchFamily="49" charset="0"/>
+              <a:cs typeface="Menlo" panose="020B0609030804020204" pitchFamily="49" charset="0"/>
+            </a:endParaRPr>
+          </a:p>
+          <a:p>
+            <a:r>
+              <a:rPr lang="en" altLang="ja-JP" sz="900" dirty="0">
+                <a:solidFill>
+                  <a:schemeClr val="tx1"/>
+                </a:solidFill>
+                <a:latin typeface="Menlo" panose="020B0609030804020204" pitchFamily="49" charset="0"/>
+                <a:ea typeface="Menlo" panose="020B0609030804020204" pitchFamily="49" charset="0"/>
+                <a:cs typeface="Menlo" panose="020B0609030804020204" pitchFamily="49" charset="0"/>
+              </a:rPr>
+              <a:t>(ON)</a:t>
+            </a:r>
+          </a:p>
+          <a:p>
+            <a:r>
+              <a:rPr lang="en" altLang="ja-JP" sz="900" dirty="0">
+                <a:solidFill>
+                  <a:schemeClr val="tx1"/>
+                </a:solidFill>
+                <a:latin typeface="Menlo" panose="020B0609030804020204" pitchFamily="49" charset="0"/>
+                <a:ea typeface="Menlo" panose="020B0609030804020204" pitchFamily="49" charset="0"/>
+                <a:cs typeface="Menlo" panose="020B0609030804020204" pitchFamily="49" charset="0"/>
+              </a:rPr>
+              <a:t>    </a:t>
+            </a:r>
+            <a:r>
+              <a:rPr lang="en" altLang="ja-JP" sz="800" dirty="0">
+                <a:solidFill>
+                  <a:schemeClr val="tx1"/>
+                </a:solidFill>
+                <a:latin typeface="+mn-ea"/>
+                <a:cs typeface="Menlo" panose="020B0609030804020204" pitchFamily="49" charset="0"/>
+              </a:rPr>
+              <a:t>// R0 </a:t>
+            </a:r>
+            <a:r>
+              <a:rPr lang="ja-JP" altLang="en-US" sz="800">
+                <a:solidFill>
+                  <a:schemeClr val="tx1"/>
+                </a:solidFill>
+                <a:latin typeface="+mn-ea"/>
+                <a:cs typeface="Menlo" panose="020B0609030804020204" pitchFamily="49" charset="0"/>
+              </a:rPr>
+              <a:t>に </a:t>
+            </a:r>
+            <a:r>
+              <a:rPr lang="en-US" altLang="ja-JP" sz="800" dirty="0">
+                <a:solidFill>
+                  <a:schemeClr val="tx1"/>
+                </a:solidFill>
+                <a:latin typeface="+mn-ea"/>
+                <a:cs typeface="Menlo" panose="020B0609030804020204" pitchFamily="49" charset="0"/>
+              </a:rPr>
+              <a:t>-1(0</a:t>
+            </a:r>
+            <a:r>
+              <a:rPr lang="en" altLang="ja-JP" sz="800" dirty="0">
+                <a:solidFill>
+                  <a:schemeClr val="tx1"/>
+                </a:solidFill>
+                <a:latin typeface="+mn-ea"/>
+                <a:cs typeface="Menlo" panose="020B0609030804020204" pitchFamily="49" charset="0"/>
+              </a:rPr>
+              <a:t>b111111111111) </a:t>
+            </a:r>
+            <a:r>
+              <a:rPr lang="ja-JP" altLang="en-US" sz="800">
+                <a:solidFill>
+                  <a:schemeClr val="tx1"/>
+                </a:solidFill>
+                <a:latin typeface="+mn-ea"/>
+                <a:cs typeface="Menlo" panose="020B0609030804020204" pitchFamily="49" charset="0"/>
+              </a:rPr>
+              <a:t>をセット</a:t>
+            </a:r>
+          </a:p>
+          <a:p>
+            <a:r>
+              <a:rPr lang="ja-JP" altLang="en-US" sz="900">
+                <a:solidFill>
+                  <a:schemeClr val="tx1"/>
+                </a:solidFill>
+                <a:latin typeface="Menlo" panose="020B0609030804020204" pitchFamily="49" charset="0"/>
+                <a:cs typeface="Menlo" panose="020B0609030804020204" pitchFamily="49" charset="0"/>
+              </a:rPr>
+              <a:t>    </a:t>
+            </a:r>
+            <a:r>
+              <a:rPr lang="en-US" altLang="ja-JP" sz="900" dirty="0">
+                <a:solidFill>
+                  <a:schemeClr val="tx1"/>
+                </a:solidFill>
+                <a:latin typeface="Menlo" panose="020B0609030804020204" pitchFamily="49" charset="0"/>
+                <a:ea typeface="Menlo" panose="020B0609030804020204" pitchFamily="49" charset="0"/>
+                <a:cs typeface="Menlo" panose="020B0609030804020204" pitchFamily="49" charset="0"/>
+              </a:rPr>
+              <a:t>@</a:t>
+            </a:r>
+            <a:r>
+              <a:rPr lang="en" altLang="ja-JP" sz="900" dirty="0">
+                <a:solidFill>
+                  <a:schemeClr val="tx1"/>
+                </a:solidFill>
+                <a:latin typeface="Menlo" panose="020B0609030804020204" pitchFamily="49" charset="0"/>
+                <a:ea typeface="Menlo" panose="020B0609030804020204" pitchFamily="49" charset="0"/>
+                <a:cs typeface="Menlo" panose="020B0609030804020204" pitchFamily="49" charset="0"/>
+              </a:rPr>
+              <a:t>R0</a:t>
+            </a:r>
+          </a:p>
+          <a:p>
+            <a:r>
+              <a:rPr lang="en" altLang="ja-JP" sz="900" dirty="0">
+                <a:solidFill>
+                  <a:schemeClr val="tx1"/>
+                </a:solidFill>
+                <a:latin typeface="Menlo" panose="020B0609030804020204" pitchFamily="49" charset="0"/>
+                <a:ea typeface="Menlo" panose="020B0609030804020204" pitchFamily="49" charset="0"/>
+                <a:cs typeface="Menlo" panose="020B0609030804020204" pitchFamily="49" charset="0"/>
+              </a:rPr>
+              <a:t>    M=-1</a:t>
+            </a:r>
+          </a:p>
+          <a:p>
+            <a:endParaRPr lang="en" altLang="ja-JP" sz="900" dirty="0">
+              <a:solidFill>
+                <a:schemeClr val="tx1"/>
+              </a:solidFill>
+              <a:latin typeface="Menlo" panose="020B0609030804020204" pitchFamily="49" charset="0"/>
+              <a:ea typeface="Menlo" panose="020B0609030804020204" pitchFamily="49" charset="0"/>
+              <a:cs typeface="Menlo" panose="020B0609030804020204" pitchFamily="49" charset="0"/>
+            </a:endParaRPr>
+          </a:p>
+          <a:p>
+            <a:endParaRPr lang="en" altLang="ja-JP" sz="900" dirty="0">
+              <a:solidFill>
+                <a:schemeClr val="tx1"/>
+              </a:solidFill>
+              <a:latin typeface="Menlo" panose="020B0609030804020204" pitchFamily="49" charset="0"/>
+              <a:ea typeface="Menlo" panose="020B0609030804020204" pitchFamily="49" charset="0"/>
+              <a:cs typeface="Menlo" panose="020B0609030804020204" pitchFamily="49" charset="0"/>
+            </a:endParaRPr>
+          </a:p>
+          <a:p>
+            <a:r>
+              <a:rPr lang="en" altLang="ja-JP" sz="1200" dirty="0">
+                <a:solidFill>
+                  <a:srgbClr val="FF0000"/>
+                </a:solidFill>
+                <a:latin typeface="+mn-ea"/>
+                <a:cs typeface="Menlo" panose="020B0609030804020204" pitchFamily="49" charset="0"/>
+              </a:rPr>
+              <a:t>// </a:t>
+            </a:r>
+            <a:r>
+              <a:rPr lang="ja-JP" altLang="en-US" sz="1200">
+                <a:solidFill>
+                  <a:srgbClr val="FF0000"/>
+                </a:solidFill>
+                <a:latin typeface="+mn-ea"/>
+                <a:cs typeface="Menlo" panose="020B0609030804020204" pitchFamily="49" charset="0"/>
+              </a:rPr>
+              <a:t>右へ続く</a:t>
+            </a:r>
+            <a:endParaRPr lang="en-US" altLang="ja-JP" sz="1200" dirty="0">
+              <a:solidFill>
+                <a:srgbClr val="FF0000"/>
+              </a:solidFill>
+              <a:latin typeface="+mn-ea"/>
+              <a:cs typeface="Menlo" panose="020B0609030804020204" pitchFamily="49" charset="0"/>
+            </a:endParaRPr>
+          </a:p>
+        </p:txBody>
+      </p:sp>
+      <p:sp>
+        <p:nvSpPr>
+          <p:cNvPr id="14" name="正方形/長方形 13">
+            <a:extLst>
+              <a:ext uri="{FF2B5EF4-FFF2-40B4-BE49-F238E27FC236}">
+                <a16:creationId xmlns:a16="http://schemas.microsoft.com/office/drawing/2014/main" id="{3F46030C-0825-3E46-B85A-396675B426AF}"/>
+              </a:ext>
+            </a:extLst>
+          </p:cNvPr>
+          <p:cNvSpPr/>
+          <p:nvPr/>
+        </p:nvSpPr>
+        <p:spPr>
+          <a:xfrm>
+            <a:off x="6269346" y="984522"/>
+            <a:ext cx="4439417" cy="4447014"/>
+          </a:xfrm>
+          <a:prstGeom prst="rect">
+            <a:avLst/>
+          </a:prstGeom>
+          <a:solidFill>
+            <a:schemeClr val="accent2">
+              <a:lumMod val="20000"/>
+              <a:lumOff val="80000"/>
+            </a:schemeClr>
+          </a:solidFill>
+          <a:ln>
+            <a:noFill/>
+          </a:ln>
+        </p:spPr>
+        <p:style>
+          <a:lnRef idx="2">
+            <a:schemeClr val="accent1">
+              <a:shade val="50000"/>
+            </a:schemeClr>
+          </a:lnRef>
+          <a:fillRef idx="1">
+            <a:schemeClr val="accent1"/>
+          </a:fillRef>
+          <a:effectRef idx="0">
+            <a:schemeClr val="accent1"/>
+          </a:effectRef>
+          <a:fontRef idx="minor">
+            <a:schemeClr val="lt1"/>
+          </a:fontRef>
+        </p:style>
+        <p:txBody>
+          <a:bodyPr rtlCol="0" anchor="t"/>
+          <a:lstStyle/>
+          <a:p>
+            <a:r>
+              <a:rPr lang="en" altLang="ja-JP" sz="900" dirty="0">
+                <a:solidFill>
+                  <a:schemeClr val="tx1"/>
+                </a:solidFill>
+                <a:latin typeface="Menlo" panose="020B0609030804020204" pitchFamily="49" charset="0"/>
+                <a:ea typeface="Menlo" panose="020B0609030804020204" pitchFamily="49" charset="0"/>
+                <a:cs typeface="Menlo" panose="020B0609030804020204" pitchFamily="49" charset="0"/>
+              </a:rPr>
+              <a:t>(FILL)</a:t>
+            </a:r>
+          </a:p>
+          <a:p>
+            <a:r>
+              <a:rPr lang="en" altLang="ja-JP" sz="900" dirty="0">
+                <a:solidFill>
+                  <a:schemeClr val="tx1"/>
+                </a:solidFill>
+                <a:latin typeface="Menlo" panose="020B0609030804020204" pitchFamily="49" charset="0"/>
+                <a:ea typeface="Menlo" panose="020B0609030804020204" pitchFamily="49" charset="0"/>
+                <a:cs typeface="Menlo" panose="020B0609030804020204" pitchFamily="49" charset="0"/>
+              </a:rPr>
+              <a:t>    </a:t>
+            </a:r>
+            <a:r>
+              <a:rPr lang="en" altLang="ja-JP" sz="800" dirty="0">
+                <a:solidFill>
+                  <a:schemeClr val="tx1"/>
+                </a:solidFill>
+                <a:latin typeface="+mn-ea"/>
+                <a:cs typeface="Menlo" panose="020B0609030804020204" pitchFamily="49" charset="0"/>
+              </a:rPr>
+              <a:t>// </a:t>
+            </a:r>
+            <a:r>
+              <a:rPr lang="ja-JP" altLang="en-US" sz="800">
+                <a:solidFill>
+                  <a:schemeClr val="tx1"/>
+                </a:solidFill>
+                <a:latin typeface="+mn-ea"/>
+                <a:cs typeface="Menlo" panose="020B0609030804020204" pitchFamily="49" charset="0"/>
+              </a:rPr>
+              <a:t>描写開始位置 </a:t>
+            </a:r>
+            <a:r>
+              <a:rPr lang="en-US" altLang="ja-JP" sz="800" dirty="0">
+                <a:solidFill>
+                  <a:schemeClr val="tx1"/>
+                </a:solidFill>
+                <a:latin typeface="+mn-ea"/>
+                <a:cs typeface="Menlo" panose="020B0609030804020204" pitchFamily="49" charset="0"/>
+              </a:rPr>
+              <a:t>(</a:t>
+            </a:r>
+            <a:r>
+              <a:rPr lang="ja-JP" altLang="en-US" sz="800">
+                <a:solidFill>
+                  <a:schemeClr val="tx1"/>
+                </a:solidFill>
+                <a:latin typeface="+mn-ea"/>
+                <a:cs typeface="Menlo" panose="020B0609030804020204" pitchFamily="49" charset="0"/>
+              </a:rPr>
+              <a:t>スクリーン右下</a:t>
+            </a:r>
+            <a:r>
+              <a:rPr lang="en-US" altLang="ja-JP" sz="800" dirty="0">
+                <a:solidFill>
+                  <a:schemeClr val="tx1"/>
+                </a:solidFill>
+                <a:latin typeface="+mn-ea"/>
+                <a:cs typeface="Menlo" panose="020B0609030804020204" pitchFamily="49" charset="0"/>
+              </a:rPr>
+              <a:t>) </a:t>
+            </a:r>
+            <a:r>
+              <a:rPr lang="ja-JP" altLang="en-US" sz="800">
+                <a:solidFill>
+                  <a:schemeClr val="tx1"/>
+                </a:solidFill>
+                <a:latin typeface="+mn-ea"/>
+                <a:cs typeface="Menlo" panose="020B0609030804020204" pitchFamily="49" charset="0"/>
+              </a:rPr>
+              <a:t>を初期化し </a:t>
+            </a:r>
+            <a:r>
+              <a:rPr lang="en" altLang="ja-JP" sz="800" dirty="0">
+                <a:solidFill>
+                  <a:schemeClr val="tx1"/>
+                </a:solidFill>
+                <a:latin typeface="+mn-ea"/>
+                <a:cs typeface="Menlo" panose="020B0609030804020204" pitchFamily="49" charset="0"/>
+              </a:rPr>
+              <a:t>R1 </a:t>
+            </a:r>
+            <a:r>
+              <a:rPr lang="ja-JP" altLang="en-US" sz="800">
+                <a:solidFill>
+                  <a:schemeClr val="tx1"/>
+                </a:solidFill>
+                <a:latin typeface="+mn-ea"/>
+                <a:cs typeface="Menlo" panose="020B0609030804020204" pitchFamily="49" charset="0"/>
+              </a:rPr>
+              <a:t>へ</a:t>
+            </a:r>
+          </a:p>
+          <a:p>
+            <a:r>
+              <a:rPr lang="ja-JP" altLang="en-US" sz="900">
+                <a:solidFill>
+                  <a:schemeClr val="tx1"/>
+                </a:solidFill>
+                <a:latin typeface="Menlo" panose="020B0609030804020204" pitchFamily="49" charset="0"/>
+                <a:cs typeface="Menlo" panose="020B0609030804020204" pitchFamily="49" charset="0"/>
+              </a:rPr>
+              <a:t>    </a:t>
+            </a:r>
+            <a:r>
+              <a:rPr lang="en-US" altLang="ja-JP" sz="900" dirty="0">
+                <a:solidFill>
+                  <a:schemeClr val="tx1"/>
+                </a:solidFill>
+                <a:latin typeface="Menlo" panose="020B0609030804020204" pitchFamily="49" charset="0"/>
+                <a:ea typeface="Menlo" panose="020B0609030804020204" pitchFamily="49" charset="0"/>
+                <a:cs typeface="Menlo" panose="020B0609030804020204" pitchFamily="49" charset="0"/>
+              </a:rPr>
+              <a:t>@</a:t>
+            </a:r>
+            <a:r>
+              <a:rPr lang="en" altLang="ja-JP" sz="900" dirty="0">
+                <a:solidFill>
+                  <a:schemeClr val="tx1"/>
+                </a:solidFill>
+                <a:latin typeface="Menlo" panose="020B0609030804020204" pitchFamily="49" charset="0"/>
+                <a:ea typeface="Menlo" panose="020B0609030804020204" pitchFamily="49" charset="0"/>
+                <a:cs typeface="Menlo" panose="020B0609030804020204" pitchFamily="49" charset="0"/>
+              </a:rPr>
+              <a:t>SCREEN</a:t>
+            </a:r>
+          </a:p>
+          <a:p>
+            <a:r>
+              <a:rPr lang="en" altLang="ja-JP" sz="900" dirty="0">
+                <a:solidFill>
+                  <a:schemeClr val="tx1"/>
+                </a:solidFill>
+                <a:latin typeface="Menlo" panose="020B0609030804020204" pitchFamily="49" charset="0"/>
+                <a:ea typeface="Menlo" panose="020B0609030804020204" pitchFamily="49" charset="0"/>
+                <a:cs typeface="Menlo" panose="020B0609030804020204" pitchFamily="49" charset="0"/>
+              </a:rPr>
+              <a:t>    D=A</a:t>
+            </a:r>
+          </a:p>
+          <a:p>
+            <a:r>
+              <a:rPr lang="en" altLang="ja-JP" sz="900" dirty="0">
+                <a:solidFill>
+                  <a:schemeClr val="tx1"/>
+                </a:solidFill>
+                <a:latin typeface="Menlo" panose="020B0609030804020204" pitchFamily="49" charset="0"/>
+                <a:ea typeface="Menlo" panose="020B0609030804020204" pitchFamily="49" charset="0"/>
+                <a:cs typeface="Menlo" panose="020B0609030804020204" pitchFamily="49" charset="0"/>
+              </a:rPr>
+              <a:t>    @8191    </a:t>
+            </a:r>
+            <a:r>
+              <a:rPr lang="en" altLang="ja-JP" sz="800" dirty="0">
+                <a:solidFill>
+                  <a:schemeClr val="tx1"/>
+                </a:solidFill>
+                <a:latin typeface="+mn-ea"/>
+                <a:cs typeface="Menlo" panose="020B0609030804020204" pitchFamily="49" charset="0"/>
+              </a:rPr>
+              <a:t>// 8192 = (512 / 16) * 256 - 1</a:t>
+            </a:r>
+          </a:p>
+          <a:p>
+            <a:r>
+              <a:rPr lang="en" altLang="ja-JP" sz="900" dirty="0">
+                <a:solidFill>
+                  <a:schemeClr val="tx1"/>
+                </a:solidFill>
+                <a:latin typeface="Menlo" panose="020B0609030804020204" pitchFamily="49" charset="0"/>
+                <a:ea typeface="Menlo" panose="020B0609030804020204" pitchFamily="49" charset="0"/>
+                <a:cs typeface="Menlo" panose="020B0609030804020204" pitchFamily="49" charset="0"/>
+              </a:rPr>
+              <a:t>    D=D+A</a:t>
+            </a:r>
+          </a:p>
+          <a:p>
+            <a:r>
+              <a:rPr lang="en" altLang="ja-JP" sz="900" dirty="0">
+                <a:solidFill>
+                  <a:schemeClr val="tx1"/>
+                </a:solidFill>
+                <a:latin typeface="Menlo" panose="020B0609030804020204" pitchFamily="49" charset="0"/>
+                <a:ea typeface="Menlo" panose="020B0609030804020204" pitchFamily="49" charset="0"/>
+                <a:cs typeface="Menlo" panose="020B0609030804020204" pitchFamily="49" charset="0"/>
+              </a:rPr>
+              <a:t>    @R1</a:t>
+            </a:r>
+          </a:p>
+          <a:p>
+            <a:r>
+              <a:rPr lang="en" altLang="ja-JP" sz="900" dirty="0">
+                <a:solidFill>
+                  <a:schemeClr val="tx1"/>
+                </a:solidFill>
+                <a:latin typeface="Menlo" panose="020B0609030804020204" pitchFamily="49" charset="0"/>
+                <a:ea typeface="Menlo" panose="020B0609030804020204" pitchFamily="49" charset="0"/>
+                <a:cs typeface="Menlo" panose="020B0609030804020204" pitchFamily="49" charset="0"/>
+              </a:rPr>
+              <a:t>    M=D</a:t>
+            </a:r>
+          </a:p>
+          <a:p>
+            <a:endParaRPr lang="en" altLang="ja-JP" sz="900" dirty="0">
+              <a:solidFill>
+                <a:schemeClr val="tx1"/>
+              </a:solidFill>
+              <a:latin typeface="Menlo" panose="020B0609030804020204" pitchFamily="49" charset="0"/>
+              <a:ea typeface="Menlo" panose="020B0609030804020204" pitchFamily="49" charset="0"/>
+              <a:cs typeface="Menlo" panose="020B0609030804020204" pitchFamily="49" charset="0"/>
+            </a:endParaRPr>
+          </a:p>
+          <a:p>
+            <a:r>
+              <a:rPr lang="en" altLang="ja-JP" sz="900" dirty="0">
+                <a:solidFill>
+                  <a:schemeClr val="tx1"/>
+                </a:solidFill>
+                <a:latin typeface="Menlo" panose="020B0609030804020204" pitchFamily="49" charset="0"/>
+                <a:ea typeface="Menlo" panose="020B0609030804020204" pitchFamily="49" charset="0"/>
+                <a:cs typeface="Menlo" panose="020B0609030804020204" pitchFamily="49" charset="0"/>
+              </a:rPr>
+              <a:t>    (FILLLOOP)</a:t>
+            </a:r>
+          </a:p>
+          <a:p>
+            <a:r>
+              <a:rPr lang="en" altLang="ja-JP" sz="900" dirty="0">
+                <a:solidFill>
+                  <a:schemeClr val="tx1"/>
+                </a:solidFill>
+                <a:latin typeface="Menlo" panose="020B0609030804020204" pitchFamily="49" charset="0"/>
+                <a:ea typeface="Menlo" panose="020B0609030804020204" pitchFamily="49" charset="0"/>
+                <a:cs typeface="Menlo" panose="020B0609030804020204" pitchFamily="49" charset="0"/>
+              </a:rPr>
+              <a:t>        </a:t>
+            </a:r>
+            <a:r>
+              <a:rPr lang="en" altLang="ja-JP" sz="800" dirty="0">
+                <a:solidFill>
+                  <a:schemeClr val="tx1"/>
+                </a:solidFill>
+                <a:latin typeface="+mn-ea"/>
+                <a:cs typeface="Menlo" panose="020B0609030804020204" pitchFamily="49" charset="0"/>
+              </a:rPr>
+              <a:t>// </a:t>
+            </a:r>
+            <a:r>
+              <a:rPr lang="ja-JP" altLang="en-US" sz="800">
+                <a:solidFill>
+                  <a:schemeClr val="tx1"/>
+                </a:solidFill>
+                <a:latin typeface="+mn-ea"/>
+                <a:cs typeface="Menlo" panose="020B0609030804020204" pitchFamily="49" charset="0"/>
+              </a:rPr>
+              <a:t>描画する値</a:t>
+            </a:r>
+          </a:p>
+          <a:p>
+            <a:r>
+              <a:rPr lang="ja-JP" altLang="en-US" sz="900">
+                <a:solidFill>
+                  <a:schemeClr val="tx1"/>
+                </a:solidFill>
+                <a:latin typeface="Menlo" panose="020B0609030804020204" pitchFamily="49" charset="0"/>
+                <a:cs typeface="Menlo" panose="020B0609030804020204" pitchFamily="49" charset="0"/>
+              </a:rPr>
+              <a:t>        </a:t>
+            </a:r>
+            <a:r>
+              <a:rPr lang="en-US" altLang="ja-JP" sz="900" dirty="0">
+                <a:solidFill>
+                  <a:schemeClr val="tx1"/>
+                </a:solidFill>
+                <a:latin typeface="Menlo" panose="020B0609030804020204" pitchFamily="49" charset="0"/>
+                <a:ea typeface="Menlo" panose="020B0609030804020204" pitchFamily="49" charset="0"/>
+                <a:cs typeface="Menlo" panose="020B0609030804020204" pitchFamily="49" charset="0"/>
+              </a:rPr>
+              <a:t>@</a:t>
+            </a:r>
+            <a:r>
+              <a:rPr lang="en" altLang="ja-JP" sz="900" dirty="0">
+                <a:solidFill>
+                  <a:schemeClr val="tx1"/>
+                </a:solidFill>
+                <a:latin typeface="Menlo" panose="020B0609030804020204" pitchFamily="49" charset="0"/>
+                <a:ea typeface="Menlo" panose="020B0609030804020204" pitchFamily="49" charset="0"/>
+                <a:cs typeface="Menlo" panose="020B0609030804020204" pitchFamily="49" charset="0"/>
+              </a:rPr>
+              <a:t>R0</a:t>
+            </a:r>
+          </a:p>
+          <a:p>
+            <a:r>
+              <a:rPr lang="en" altLang="ja-JP" sz="900" dirty="0">
+                <a:solidFill>
+                  <a:schemeClr val="tx1"/>
+                </a:solidFill>
+                <a:latin typeface="Menlo" panose="020B0609030804020204" pitchFamily="49" charset="0"/>
+                <a:ea typeface="Menlo" panose="020B0609030804020204" pitchFamily="49" charset="0"/>
+                <a:cs typeface="Menlo" panose="020B0609030804020204" pitchFamily="49" charset="0"/>
+              </a:rPr>
+              <a:t>        D=M</a:t>
+            </a:r>
+          </a:p>
+          <a:p>
+            <a:endParaRPr lang="en" altLang="ja-JP" sz="900" dirty="0">
+              <a:solidFill>
+                <a:schemeClr val="tx1"/>
+              </a:solidFill>
+              <a:latin typeface="Menlo" panose="020B0609030804020204" pitchFamily="49" charset="0"/>
+              <a:ea typeface="Menlo" panose="020B0609030804020204" pitchFamily="49" charset="0"/>
+              <a:cs typeface="Menlo" panose="020B0609030804020204" pitchFamily="49" charset="0"/>
+            </a:endParaRPr>
+          </a:p>
+          <a:p>
+            <a:r>
+              <a:rPr lang="en" altLang="ja-JP" sz="900" dirty="0">
+                <a:solidFill>
+                  <a:schemeClr val="tx1"/>
+                </a:solidFill>
+                <a:latin typeface="Menlo" panose="020B0609030804020204" pitchFamily="49" charset="0"/>
+                <a:ea typeface="Menlo" panose="020B0609030804020204" pitchFamily="49" charset="0"/>
+                <a:cs typeface="Menlo" panose="020B0609030804020204" pitchFamily="49" charset="0"/>
+              </a:rPr>
+              <a:t>        </a:t>
+            </a:r>
+            <a:r>
+              <a:rPr lang="en" altLang="ja-JP" sz="800" dirty="0">
+                <a:solidFill>
+                  <a:schemeClr val="tx1"/>
+                </a:solidFill>
+                <a:latin typeface="+mn-ea"/>
+                <a:cs typeface="Menlo" panose="020B0609030804020204" pitchFamily="49" charset="0"/>
+              </a:rPr>
+              <a:t>// R1 </a:t>
+            </a:r>
+            <a:r>
+              <a:rPr lang="ja-JP" altLang="en-US" sz="800">
+                <a:solidFill>
+                  <a:schemeClr val="tx1"/>
+                </a:solidFill>
+                <a:latin typeface="+mn-ea"/>
+                <a:cs typeface="Menlo" panose="020B0609030804020204" pitchFamily="49" charset="0"/>
+              </a:rPr>
+              <a:t>に描画</a:t>
+            </a:r>
+          </a:p>
+          <a:p>
+            <a:r>
+              <a:rPr lang="ja-JP" altLang="en-US" sz="900">
+                <a:solidFill>
+                  <a:schemeClr val="tx1"/>
+                </a:solidFill>
+                <a:latin typeface="Menlo" panose="020B0609030804020204" pitchFamily="49" charset="0"/>
+                <a:cs typeface="Menlo" panose="020B0609030804020204" pitchFamily="49" charset="0"/>
+              </a:rPr>
+              <a:t>        </a:t>
+            </a:r>
+            <a:r>
+              <a:rPr lang="en-US" altLang="ja-JP" sz="900" dirty="0">
+                <a:solidFill>
+                  <a:schemeClr val="tx1"/>
+                </a:solidFill>
+                <a:latin typeface="Menlo" panose="020B0609030804020204" pitchFamily="49" charset="0"/>
+                <a:ea typeface="Menlo" panose="020B0609030804020204" pitchFamily="49" charset="0"/>
+                <a:cs typeface="Menlo" panose="020B0609030804020204" pitchFamily="49" charset="0"/>
+              </a:rPr>
+              <a:t>@</a:t>
+            </a:r>
+            <a:r>
+              <a:rPr lang="en" altLang="ja-JP" sz="900" dirty="0">
+                <a:solidFill>
+                  <a:schemeClr val="tx1"/>
+                </a:solidFill>
+                <a:latin typeface="Menlo" panose="020B0609030804020204" pitchFamily="49" charset="0"/>
+                <a:ea typeface="Menlo" panose="020B0609030804020204" pitchFamily="49" charset="0"/>
+                <a:cs typeface="Menlo" panose="020B0609030804020204" pitchFamily="49" charset="0"/>
+              </a:rPr>
+              <a:t>R1</a:t>
+            </a:r>
+          </a:p>
+          <a:p>
+            <a:r>
+              <a:rPr lang="en" altLang="ja-JP" sz="900" dirty="0">
+                <a:solidFill>
+                  <a:schemeClr val="tx1"/>
+                </a:solidFill>
+                <a:latin typeface="Menlo" panose="020B0609030804020204" pitchFamily="49" charset="0"/>
+                <a:ea typeface="Menlo" panose="020B0609030804020204" pitchFamily="49" charset="0"/>
+                <a:cs typeface="Menlo" panose="020B0609030804020204" pitchFamily="49" charset="0"/>
+              </a:rPr>
+              <a:t>        A=M  </a:t>
+            </a:r>
+            <a:r>
+              <a:rPr lang="en" altLang="ja-JP" sz="800" dirty="0">
+                <a:solidFill>
+                  <a:schemeClr val="tx1"/>
+                </a:solidFill>
+                <a:latin typeface="+mn-ea"/>
+                <a:cs typeface="Menlo" panose="020B0609030804020204" pitchFamily="49" charset="0"/>
+              </a:rPr>
+              <a:t>// A</a:t>
+            </a:r>
+            <a:r>
+              <a:rPr lang="ja-JP" altLang="en-US" sz="800">
+                <a:solidFill>
+                  <a:schemeClr val="tx1"/>
+                </a:solidFill>
+                <a:latin typeface="+mn-ea"/>
+                <a:cs typeface="Menlo" panose="020B0609030804020204" pitchFamily="49" charset="0"/>
+              </a:rPr>
+              <a:t>レジスタに描画位置のアドレスをセット</a:t>
+            </a:r>
+          </a:p>
+          <a:p>
+            <a:r>
+              <a:rPr lang="ja-JP" altLang="en-US" sz="900">
+                <a:solidFill>
+                  <a:schemeClr val="tx1"/>
+                </a:solidFill>
+                <a:latin typeface="Menlo" panose="020B0609030804020204" pitchFamily="49" charset="0"/>
+                <a:cs typeface="Menlo" panose="020B0609030804020204" pitchFamily="49" charset="0"/>
+              </a:rPr>
+              <a:t>        </a:t>
+            </a:r>
+            <a:r>
+              <a:rPr lang="en" altLang="ja-JP" sz="900" dirty="0">
+                <a:solidFill>
+                  <a:schemeClr val="tx1"/>
+                </a:solidFill>
+                <a:latin typeface="Menlo" panose="020B0609030804020204" pitchFamily="49" charset="0"/>
+                <a:ea typeface="Menlo" panose="020B0609030804020204" pitchFamily="49" charset="0"/>
+                <a:cs typeface="Menlo" panose="020B0609030804020204" pitchFamily="49" charset="0"/>
+              </a:rPr>
+              <a:t>M=D</a:t>
+            </a:r>
+          </a:p>
+          <a:p>
+            <a:endParaRPr lang="en" altLang="ja-JP" sz="900" dirty="0">
+              <a:solidFill>
+                <a:schemeClr val="tx1"/>
+              </a:solidFill>
+              <a:latin typeface="Menlo" panose="020B0609030804020204" pitchFamily="49" charset="0"/>
+              <a:ea typeface="Menlo" panose="020B0609030804020204" pitchFamily="49" charset="0"/>
+              <a:cs typeface="Menlo" panose="020B0609030804020204" pitchFamily="49" charset="0"/>
+            </a:endParaRPr>
+          </a:p>
+          <a:p>
+            <a:r>
+              <a:rPr lang="en" altLang="ja-JP" sz="900" dirty="0">
+                <a:solidFill>
+                  <a:schemeClr val="tx1"/>
+                </a:solidFill>
+                <a:latin typeface="Menlo" panose="020B0609030804020204" pitchFamily="49" charset="0"/>
+                <a:ea typeface="Menlo" panose="020B0609030804020204" pitchFamily="49" charset="0"/>
+                <a:cs typeface="Menlo" panose="020B0609030804020204" pitchFamily="49" charset="0"/>
+              </a:rPr>
+              <a:t>        </a:t>
+            </a:r>
+            <a:r>
+              <a:rPr lang="en" altLang="ja-JP" sz="800" dirty="0">
+                <a:solidFill>
+                  <a:schemeClr val="tx1"/>
+                </a:solidFill>
+                <a:latin typeface="+mn-ea"/>
+                <a:cs typeface="Menlo" panose="020B0609030804020204" pitchFamily="49" charset="0"/>
+              </a:rPr>
+              <a:t>// </a:t>
+            </a:r>
+            <a:r>
+              <a:rPr lang="ja-JP" altLang="en-US" sz="800">
+                <a:solidFill>
+                  <a:schemeClr val="tx1"/>
+                </a:solidFill>
+                <a:latin typeface="+mn-ea"/>
+                <a:cs typeface="Menlo" panose="020B0609030804020204" pitchFamily="49" charset="0"/>
+              </a:rPr>
+              <a:t>描画位置のアドレスをデクリメント</a:t>
+            </a:r>
+          </a:p>
+          <a:p>
+            <a:r>
+              <a:rPr lang="ja-JP" altLang="en-US" sz="900">
+                <a:solidFill>
+                  <a:schemeClr val="tx1"/>
+                </a:solidFill>
+                <a:latin typeface="Menlo" panose="020B0609030804020204" pitchFamily="49" charset="0"/>
+                <a:cs typeface="Menlo" panose="020B0609030804020204" pitchFamily="49" charset="0"/>
+              </a:rPr>
+              <a:t>        </a:t>
+            </a:r>
+            <a:r>
+              <a:rPr lang="en-US" altLang="ja-JP" sz="900" dirty="0">
+                <a:solidFill>
+                  <a:schemeClr val="tx1"/>
+                </a:solidFill>
+                <a:latin typeface="Menlo" panose="020B0609030804020204" pitchFamily="49" charset="0"/>
+                <a:ea typeface="Menlo" panose="020B0609030804020204" pitchFamily="49" charset="0"/>
+                <a:cs typeface="Menlo" panose="020B0609030804020204" pitchFamily="49" charset="0"/>
+              </a:rPr>
+              <a:t>@</a:t>
+            </a:r>
+            <a:r>
+              <a:rPr lang="en" altLang="ja-JP" sz="900" dirty="0">
+                <a:solidFill>
+                  <a:schemeClr val="tx1"/>
+                </a:solidFill>
+                <a:latin typeface="Menlo" panose="020B0609030804020204" pitchFamily="49" charset="0"/>
+                <a:ea typeface="Menlo" panose="020B0609030804020204" pitchFamily="49" charset="0"/>
+                <a:cs typeface="Menlo" panose="020B0609030804020204" pitchFamily="49" charset="0"/>
+              </a:rPr>
+              <a:t>R1</a:t>
+            </a:r>
+          </a:p>
+          <a:p>
+            <a:r>
+              <a:rPr lang="en" altLang="ja-JP" sz="900" dirty="0">
+                <a:solidFill>
+                  <a:schemeClr val="tx1"/>
+                </a:solidFill>
+                <a:latin typeface="Menlo" panose="020B0609030804020204" pitchFamily="49" charset="0"/>
+                <a:ea typeface="Menlo" panose="020B0609030804020204" pitchFamily="49" charset="0"/>
+                <a:cs typeface="Menlo" panose="020B0609030804020204" pitchFamily="49" charset="0"/>
+              </a:rPr>
+              <a:t>        MD=M-1</a:t>
+            </a:r>
+          </a:p>
+          <a:p>
+            <a:endParaRPr lang="en" altLang="ja-JP" sz="900" dirty="0">
+              <a:solidFill>
+                <a:schemeClr val="tx1"/>
+              </a:solidFill>
+              <a:latin typeface="Menlo" panose="020B0609030804020204" pitchFamily="49" charset="0"/>
+              <a:ea typeface="Menlo" panose="020B0609030804020204" pitchFamily="49" charset="0"/>
+              <a:cs typeface="Menlo" panose="020B0609030804020204" pitchFamily="49" charset="0"/>
+            </a:endParaRPr>
+          </a:p>
+          <a:p>
+            <a:r>
+              <a:rPr lang="en" altLang="ja-JP" sz="900" dirty="0">
+                <a:solidFill>
+                  <a:schemeClr val="tx1"/>
+                </a:solidFill>
+                <a:latin typeface="Menlo" panose="020B0609030804020204" pitchFamily="49" charset="0"/>
+                <a:ea typeface="Menlo" panose="020B0609030804020204" pitchFamily="49" charset="0"/>
+                <a:cs typeface="Menlo" panose="020B0609030804020204" pitchFamily="49" charset="0"/>
+              </a:rPr>
+              <a:t>        </a:t>
+            </a:r>
+            <a:r>
+              <a:rPr lang="en" altLang="ja-JP" sz="800" dirty="0">
+                <a:solidFill>
+                  <a:schemeClr val="tx1"/>
+                </a:solidFill>
+                <a:latin typeface="+mn-ea"/>
+                <a:cs typeface="Menlo" panose="020B0609030804020204" pitchFamily="49" charset="0"/>
+              </a:rPr>
+              <a:t>// </a:t>
+            </a:r>
+            <a:r>
+              <a:rPr lang="ja-JP" altLang="en-US" sz="800">
+                <a:solidFill>
+                  <a:schemeClr val="tx1"/>
+                </a:solidFill>
+                <a:latin typeface="+mn-ea"/>
+                <a:cs typeface="Menlo" panose="020B0609030804020204" pitchFamily="49" charset="0"/>
+              </a:rPr>
+              <a:t>スクリーン左上に到達するまで </a:t>
+            </a:r>
+            <a:r>
+              <a:rPr lang="en" altLang="ja-JP" sz="800" dirty="0">
+                <a:solidFill>
+                  <a:schemeClr val="tx1"/>
+                </a:solidFill>
+                <a:latin typeface="+mn-ea"/>
+                <a:cs typeface="Menlo" panose="020B0609030804020204" pitchFamily="49" charset="0"/>
+              </a:rPr>
+              <a:t>FILLLOOP </a:t>
+            </a:r>
+            <a:r>
+              <a:rPr lang="ja-JP" altLang="en-US" sz="800">
+                <a:solidFill>
+                  <a:schemeClr val="tx1"/>
+                </a:solidFill>
+                <a:latin typeface="+mn-ea"/>
+                <a:cs typeface="Menlo" panose="020B0609030804020204" pitchFamily="49" charset="0"/>
+              </a:rPr>
+              <a:t>へジャンプ</a:t>
+            </a:r>
+          </a:p>
+          <a:p>
+            <a:r>
+              <a:rPr lang="ja-JP" altLang="en-US" sz="900">
+                <a:solidFill>
+                  <a:schemeClr val="tx1"/>
+                </a:solidFill>
+                <a:latin typeface="Menlo" panose="020B0609030804020204" pitchFamily="49" charset="0"/>
+                <a:cs typeface="Menlo" panose="020B0609030804020204" pitchFamily="49" charset="0"/>
+              </a:rPr>
+              <a:t>        </a:t>
+            </a:r>
+            <a:r>
+              <a:rPr lang="en-US" altLang="ja-JP" sz="900" dirty="0">
+                <a:solidFill>
+                  <a:schemeClr val="tx1"/>
+                </a:solidFill>
+                <a:latin typeface="Menlo" panose="020B0609030804020204" pitchFamily="49" charset="0"/>
+                <a:ea typeface="Menlo" panose="020B0609030804020204" pitchFamily="49" charset="0"/>
+                <a:cs typeface="Menlo" panose="020B0609030804020204" pitchFamily="49" charset="0"/>
+              </a:rPr>
+              <a:t>@</a:t>
+            </a:r>
+            <a:r>
+              <a:rPr lang="en" altLang="ja-JP" sz="900" dirty="0">
+                <a:solidFill>
+                  <a:schemeClr val="tx1"/>
+                </a:solidFill>
+                <a:latin typeface="Menlo" panose="020B0609030804020204" pitchFamily="49" charset="0"/>
+                <a:ea typeface="Menlo" panose="020B0609030804020204" pitchFamily="49" charset="0"/>
+                <a:cs typeface="Menlo" panose="020B0609030804020204" pitchFamily="49" charset="0"/>
+              </a:rPr>
+              <a:t>SCREEN</a:t>
+            </a:r>
+          </a:p>
+          <a:p>
+            <a:r>
+              <a:rPr lang="en" altLang="ja-JP" sz="900" dirty="0">
+                <a:solidFill>
+                  <a:schemeClr val="tx1"/>
+                </a:solidFill>
+                <a:latin typeface="Menlo" panose="020B0609030804020204" pitchFamily="49" charset="0"/>
+                <a:ea typeface="Menlo" panose="020B0609030804020204" pitchFamily="49" charset="0"/>
+                <a:cs typeface="Menlo" panose="020B0609030804020204" pitchFamily="49" charset="0"/>
+              </a:rPr>
+              <a:t>        D=D-A</a:t>
+            </a:r>
+          </a:p>
+          <a:p>
+            <a:r>
+              <a:rPr lang="en" altLang="ja-JP" sz="900" dirty="0">
+                <a:solidFill>
+                  <a:schemeClr val="tx1"/>
+                </a:solidFill>
+                <a:latin typeface="Menlo" panose="020B0609030804020204" pitchFamily="49" charset="0"/>
+                <a:ea typeface="Menlo" panose="020B0609030804020204" pitchFamily="49" charset="0"/>
+                <a:cs typeface="Menlo" panose="020B0609030804020204" pitchFamily="49" charset="0"/>
+              </a:rPr>
+              <a:t>        @FILLLOOP</a:t>
+            </a:r>
+          </a:p>
+          <a:p>
+            <a:r>
+              <a:rPr lang="en" altLang="ja-JP" sz="900" dirty="0">
+                <a:solidFill>
+                  <a:schemeClr val="tx1"/>
+                </a:solidFill>
+                <a:latin typeface="Menlo" panose="020B0609030804020204" pitchFamily="49" charset="0"/>
+                <a:ea typeface="Menlo" panose="020B0609030804020204" pitchFamily="49" charset="0"/>
+                <a:cs typeface="Menlo" panose="020B0609030804020204" pitchFamily="49" charset="0"/>
+              </a:rPr>
+              <a:t>        D;JGE</a:t>
+            </a:r>
+          </a:p>
+          <a:p>
+            <a:endParaRPr lang="en" altLang="ja-JP" sz="900" dirty="0">
+              <a:solidFill>
+                <a:schemeClr val="tx1"/>
+              </a:solidFill>
+              <a:latin typeface="Menlo" panose="020B0609030804020204" pitchFamily="49" charset="0"/>
+              <a:ea typeface="Menlo" panose="020B0609030804020204" pitchFamily="49" charset="0"/>
+              <a:cs typeface="Menlo" panose="020B0609030804020204" pitchFamily="49" charset="0"/>
+            </a:endParaRPr>
+          </a:p>
+          <a:p>
+            <a:r>
+              <a:rPr lang="en" altLang="ja-JP" sz="900" dirty="0">
+                <a:solidFill>
+                  <a:schemeClr val="tx1"/>
+                </a:solidFill>
+                <a:latin typeface="Menlo" panose="020B0609030804020204" pitchFamily="49" charset="0"/>
+                <a:ea typeface="Menlo" panose="020B0609030804020204" pitchFamily="49" charset="0"/>
+                <a:cs typeface="Menlo" panose="020B0609030804020204" pitchFamily="49" charset="0"/>
+              </a:rPr>
+              <a:t>@LOOP</a:t>
+            </a:r>
+          </a:p>
+          <a:p>
+            <a:r>
+              <a:rPr lang="en" altLang="ja-JP" sz="900" dirty="0">
+                <a:solidFill>
+                  <a:schemeClr val="tx1"/>
+                </a:solidFill>
+                <a:latin typeface="Menlo" panose="020B0609030804020204" pitchFamily="49" charset="0"/>
+                <a:ea typeface="Menlo" panose="020B0609030804020204" pitchFamily="49" charset="0"/>
+                <a:cs typeface="Menlo" panose="020B0609030804020204" pitchFamily="49" charset="0"/>
+              </a:rPr>
+              <a:t>0;JMP</a:t>
+            </a:r>
+          </a:p>
+        </p:txBody>
+      </p:sp>
+    </p:spTree>
+    <p:extLst>
+      <p:ext uri="{BB962C8B-B14F-4D97-AF65-F5344CB8AC3E}">
+        <p14:creationId xmlns:p14="http://schemas.microsoft.com/office/powerpoint/2010/main" val="294048682"/>
+      </p:ext>
+    </p:extLst>
+  </p:cSld>
+  <p:clrMapOvr>
+    <a:masterClrMapping/>
+  </p:clrMapOvr>
+</p:sld>
+</file>
+
+<file path=ppt/slides/slide27.xml><?xml version="1.0" encoding="utf-8"?>
+<p:sld xmlns:a="http://schemas.openxmlformats.org/drawingml/2006/main" xmlns:r="http://schemas.openxmlformats.org/officeDocument/2006/relationships" xmlns:p="http://schemas.openxmlformats.org/presentationml/2006/main">
+  <p:cSld>
+    <p:spTree>
+      <p:nvGrpSpPr>
+        <p:cNvPr id="1" name=""/>
+        <p:cNvGrpSpPr/>
+        <p:nvPr/>
+      </p:nvGrpSpPr>
+      <p:grpSpPr>
+        <a:xfrm>
+          <a:off x="0" y="0"/>
+          <a:ext cx="0" cy="0"/>
+          <a:chOff x="0" y="0"/>
+          <a:chExt cx="0" cy="0"/>
+        </a:xfrm>
+      </p:grpSpPr>
+      <p:sp useBgFill="1">
+        <p:nvSpPr>
+          <p:cNvPr id="8" name="Rectangle 7">
+            <a:extLst>
+              <a:ext uri="{FF2B5EF4-FFF2-40B4-BE49-F238E27FC236}">
+                <a16:creationId xmlns:a16="http://schemas.microsoft.com/office/drawing/2014/main" id="{E80B86A7-A1EC-475B-9166-88902B033A38}"/>
+              </a:ext>
+              <a:ext uri="{C183D7F6-B498-43B3-948B-1728B52AA6E4}">
+                <adec:decorative xmlns:adec="http://schemas.microsoft.com/office/drawing/2017/decorative" val="1"/>
+              </a:ext>
+            </a:extLst>
+          </p:cNvPr>
+          <p:cNvSpPr>
+            <a:spLocks noGrp="1" noRot="1" noChangeAspect="1" noMove="1" noResize="1" noEditPoints="1" noAdjustHandles="1" noChangeArrowheads="1" noChangeShapeType="1" noTextEdit="1"/>
+          </p:cNvSpPr>
+          <p:nvPr>
+            <p:extLst>
+              <p:ext uri="{386F3935-93C4-4BCD-93E2-E3B085C9AB24}">
+                <p16:designElem xmlns:p16="http://schemas.microsoft.com/office/powerpoint/2015/main" val="1"/>
+              </p:ext>
+            </p:extLst>
+          </p:nvPr>
+        </p:nvSpPr>
+        <p:spPr>
+          <a:xfrm>
+            <a:off x="0" y="0"/>
+            <a:ext cx="12192000" cy="6858000"/>
+          </a:xfrm>
+          <a:prstGeom prst="rect">
+            <a:avLst/>
+          </a:prstGeom>
+          <a:ln>
+            <a:noFill/>
+          </a:ln>
+        </p:spPr>
+        <p:style>
+          <a:lnRef idx="2">
+            <a:schemeClr val="accent1">
+              <a:shade val="50000"/>
+            </a:schemeClr>
+          </a:lnRef>
+          <a:fillRef idx="1">
+            <a:schemeClr val="accent1"/>
+          </a:fillRef>
+          <a:effectRef idx="0">
+            <a:schemeClr val="accent1"/>
+          </a:effectRef>
+          <a:fontRef idx="minor">
+            <a:schemeClr val="lt1"/>
+          </a:fontRef>
+        </p:style>
+        <p:txBody>
+          <a:bodyPr rtlCol="0" anchor="ctr"/>
+          <a:lstStyle/>
+          <a:p>
+            <a:pPr algn="ctr"/>
+            <a:endParaRPr lang="en-US"/>
+          </a:p>
+        </p:txBody>
+      </p:sp>
+      <p:sp>
+        <p:nvSpPr>
+          <p:cNvPr id="2" name="タイトル 1">
+            <a:extLst>
+              <a:ext uri="{FF2B5EF4-FFF2-40B4-BE49-F238E27FC236}">
+                <a16:creationId xmlns:a16="http://schemas.microsoft.com/office/drawing/2014/main" id="{496092EC-CE2D-3646-B6F9-7A25A11A8AB1}"/>
+              </a:ext>
+            </a:extLst>
+          </p:cNvPr>
           <p:cNvSpPr>
             <a:spLocks noGrp="1"/>
           </p:cNvSpPr>
           <p:nvPr>
-            <p:ph idx="1"/>
+            <p:ph type="title"/>
           </p:nvPr>
         </p:nvSpPr>
         <p:spPr>
           <a:xfrm>
-            <a:off x="934916" y="1105512"/>
-            <a:ext cx="10483360" cy="5131165"/>
+            <a:off x="934916" y="250171"/>
+            <a:ext cx="10483361" cy="734351"/>
           </a:xfrm>
         </p:spPr>
         <p:txBody>
@@ -20684,6 +22244,222 @@
           <a:lstStyle/>
           <a:p>
             <a:r>
+              <a:rPr kumimoji="1" lang="ja-JP" altLang="en-US"/>
+              <a:t>おわり</a:t>
+            </a:r>
+          </a:p>
+        </p:txBody>
+      </p:sp>
+      <p:sp>
+        <p:nvSpPr>
+          <p:cNvPr id="10" name="Isosceles Triangle 9">
+            <a:extLst>
+              <a:ext uri="{FF2B5EF4-FFF2-40B4-BE49-F238E27FC236}">
+                <a16:creationId xmlns:a16="http://schemas.microsoft.com/office/drawing/2014/main" id="{C2C29CB1-9F74-4879-A6AF-AEA67B6F1F4D}"/>
+              </a:ext>
+              <a:ext uri="{C183D7F6-B498-43B3-948B-1728B52AA6E4}">
+                <adec:decorative xmlns:adec="http://schemas.microsoft.com/office/drawing/2017/decorative" val="1"/>
+              </a:ext>
+            </a:extLst>
+          </p:cNvPr>
+          <p:cNvSpPr>
+            <a:spLocks noGrp="1" noRot="1" noChangeAspect="1" noMove="1" noResize="1" noEditPoints="1" noAdjustHandles="1" noChangeArrowheads="1" noChangeShapeType="1" noTextEdit="1"/>
+          </p:cNvSpPr>
+          <p:nvPr>
+            <p:extLst>
+              <p:ext uri="{386F3935-93C4-4BCD-93E2-E3B085C9AB24}">
+                <p16:designElem xmlns:p16="http://schemas.microsoft.com/office/powerpoint/2015/main" val="1"/>
+              </p:ext>
+            </p:extLst>
+          </p:nvPr>
+        </p:nvSpPr>
+        <p:spPr>
+          <a:xfrm rot="10800000">
+            <a:off x="0" y="0"/>
+            <a:ext cx="842596" cy="5666154"/>
+          </a:xfrm>
+          <a:prstGeom prst="triangle">
+            <a:avLst>
+              <a:gd name="adj" fmla="val 100000"/>
+            </a:avLst>
+          </a:prstGeom>
+          <a:solidFill>
+            <a:schemeClr val="accent1">
+              <a:alpha val="85000"/>
+            </a:schemeClr>
+          </a:solidFill>
+          <a:ln>
+            <a:noFill/>
+          </a:ln>
+          <a:effectLst/>
+        </p:spPr>
+        <p:style>
+          <a:lnRef idx="1">
+            <a:schemeClr val="accent1"/>
+          </a:lnRef>
+          <a:fillRef idx="3">
+            <a:schemeClr val="accent1"/>
+          </a:fillRef>
+          <a:effectRef idx="2">
+            <a:schemeClr val="accent1"/>
+          </a:effectRef>
+          <a:fontRef idx="minor">
+            <a:schemeClr val="lt1"/>
+          </a:fontRef>
+        </p:style>
+      </p:sp>
+      <p:sp>
+        <p:nvSpPr>
+          <p:cNvPr id="12" name="Isosceles Triangle 11">
+            <a:extLst>
+              <a:ext uri="{FF2B5EF4-FFF2-40B4-BE49-F238E27FC236}">
+                <a16:creationId xmlns:a16="http://schemas.microsoft.com/office/drawing/2014/main" id="{7E2C7115-5336-410C-AD71-0F0952A2E5A7}"/>
+              </a:ext>
+              <a:ext uri="{C183D7F6-B498-43B3-948B-1728B52AA6E4}">
+                <adec:decorative xmlns:adec="http://schemas.microsoft.com/office/drawing/2017/decorative" val="1"/>
+              </a:ext>
+            </a:extLst>
+          </p:cNvPr>
+          <p:cNvSpPr>
+            <a:spLocks noGrp="1" noRot="1" noChangeAspect="1" noMove="1" noResize="1" noEditPoints="1" noAdjustHandles="1" noChangeArrowheads="1" noChangeShapeType="1" noTextEdit="1"/>
+          </p:cNvSpPr>
+          <p:nvPr>
+            <p:extLst>
+              <p:ext uri="{386F3935-93C4-4BCD-93E2-E3B085C9AB24}">
+                <p16:designElem xmlns:p16="http://schemas.microsoft.com/office/powerpoint/2015/main" val="1"/>
+              </p:ext>
+            </p:extLst>
+          </p:nvPr>
+        </p:nvSpPr>
+        <p:spPr>
+          <a:xfrm flipH="1">
+            <a:off x="11743267" y="4013200"/>
+            <a:ext cx="448733" cy="2844800"/>
+          </a:xfrm>
+          <a:prstGeom prst="triangle">
+            <a:avLst>
+              <a:gd name="adj" fmla="val 0"/>
+            </a:avLst>
+          </a:prstGeom>
+          <a:solidFill>
+            <a:schemeClr val="accent1">
+              <a:alpha val="85000"/>
+            </a:schemeClr>
+          </a:solidFill>
+          <a:ln>
+            <a:noFill/>
+          </a:ln>
+          <a:effectLst/>
+        </p:spPr>
+        <p:style>
+          <a:lnRef idx="1">
+            <a:schemeClr val="accent1"/>
+          </a:lnRef>
+          <a:fillRef idx="3">
+            <a:schemeClr val="accent1"/>
+          </a:fillRef>
+          <a:effectRef idx="2">
+            <a:schemeClr val="accent1"/>
+          </a:effectRef>
+          <a:fontRef idx="minor">
+            <a:schemeClr val="lt1"/>
+          </a:fontRef>
+        </p:style>
+      </p:sp>
+      <p:sp>
+        <p:nvSpPr>
+          <p:cNvPr id="5" name="フッター プレースホルダー 4">
+            <a:extLst>
+              <a:ext uri="{FF2B5EF4-FFF2-40B4-BE49-F238E27FC236}">
+                <a16:creationId xmlns:a16="http://schemas.microsoft.com/office/drawing/2014/main" id="{8E4D7842-912C-BC4F-B9F2-1C85D4C499E1}"/>
+              </a:ext>
+            </a:extLst>
+          </p:cNvPr>
+          <p:cNvSpPr>
+            <a:spLocks noGrp="1"/>
+          </p:cNvSpPr>
+          <p:nvPr>
+            <p:ph type="ftr" sz="quarter" idx="11"/>
+          </p:nvPr>
+        </p:nvSpPr>
+        <p:spPr>
+          <a:xfrm>
+            <a:off x="934916" y="6339908"/>
+            <a:ext cx="6297612" cy="365125"/>
+          </a:xfrm>
+        </p:spPr>
+        <p:txBody>
+          <a:bodyPr/>
+          <a:lstStyle/>
+          <a:p>
+            <a:endParaRPr lang="en-US" dirty="0"/>
+          </a:p>
+        </p:txBody>
+      </p:sp>
+      <p:sp>
+        <p:nvSpPr>
+          <p:cNvPr id="6" name="スライド番号プレースホルダー 5">
+            <a:extLst>
+              <a:ext uri="{FF2B5EF4-FFF2-40B4-BE49-F238E27FC236}">
+                <a16:creationId xmlns:a16="http://schemas.microsoft.com/office/drawing/2014/main" id="{DAD4D62B-20DB-E349-8838-74BF5AE2CE82}"/>
+              </a:ext>
+            </a:extLst>
+          </p:cNvPr>
+          <p:cNvSpPr>
+            <a:spLocks noGrp="1"/>
+          </p:cNvSpPr>
+          <p:nvPr>
+            <p:ph type="sldNum" sz="quarter" idx="12"/>
+          </p:nvPr>
+        </p:nvSpPr>
+        <p:spPr>
+          <a:xfrm>
+            <a:off x="10708763" y="6311049"/>
+            <a:ext cx="683339" cy="365125"/>
+          </a:xfrm>
+        </p:spPr>
+        <p:txBody>
+          <a:bodyPr/>
+          <a:lstStyle/>
+          <a:p>
+            <a:fld id="{D57F1E4F-1CFF-5643-939E-217C01CDF565}" type="slidenum">
+              <a:rPr lang="en-US" smtClean="0"/>
+              <a:pPr/>
+              <a:t>27</a:t>
+            </a:fld>
+            <a:endParaRPr lang="en-US" dirty="0"/>
+          </a:p>
+        </p:txBody>
+      </p:sp>
+      <p:sp>
+        <p:nvSpPr>
+          <p:cNvPr id="9" name="コンテンツ プレースホルダー 2">
+            <a:extLst>
+              <a:ext uri="{FF2B5EF4-FFF2-40B4-BE49-F238E27FC236}">
+                <a16:creationId xmlns:a16="http://schemas.microsoft.com/office/drawing/2014/main" id="{E43C4054-5DF2-204A-9078-8556EF9E964E}"/>
+              </a:ext>
+            </a:extLst>
+          </p:cNvPr>
+          <p:cNvSpPr>
+            <a:spLocks noGrp="1"/>
+          </p:cNvSpPr>
+          <p:nvPr>
+            <p:ph idx="1"/>
+          </p:nvPr>
+        </p:nvSpPr>
+        <p:spPr>
+          <a:xfrm>
+            <a:off x="934916" y="1105512"/>
+            <a:ext cx="10483360" cy="5131165"/>
+          </a:xfrm>
+        </p:spPr>
+        <p:txBody>
+          <a:bodyPr>
+            <a:normAutofit/>
+          </a:bodyPr>
+          <a:lstStyle/>
+          <a:p>
+            <a:r>
               <a:rPr kumimoji="1" lang="ja-JP" altLang="en-US" sz="2400"/>
               <a:t>お疲れ様でした。</a:t>
             </a:r>
@@ -20695,6 +22471,47 @@
               <a:t>次章でいよいよハードウェア編終了です。</a:t>
             </a:r>
             <a:endParaRPr kumimoji="1" lang="en-US" altLang="ja-JP" sz="2400" dirty="0"/>
+          </a:p>
+          <a:p>
+            <a:endParaRPr lang="en-US" altLang="ja-JP" sz="2400" dirty="0"/>
+          </a:p>
+          <a:p>
+            <a:r>
+              <a:rPr lang="ja-JP" altLang="en-US" sz="2400"/>
+              <a:t>おすすめのゲーム</a:t>
+            </a:r>
+            <a:r>
+              <a:rPr lang="en-US" altLang="ja-JP" sz="2400" dirty="0"/>
+              <a:t> [</a:t>
+            </a:r>
+            <a:r>
+              <a:rPr lang="ja-JP" altLang="en-US" sz="2400"/>
+              <a:t>追記</a:t>
+            </a:r>
+            <a:r>
+              <a:rPr lang="en-US" altLang="ja-JP" sz="2400" dirty="0"/>
+              <a:t>]</a:t>
+            </a:r>
+          </a:p>
+          <a:p>
+            <a:pPr lvl="1"/>
+            <a:r>
+              <a:rPr lang="en" altLang="ja-JP" sz="2000" dirty="0">
+                <a:hlinkClick r:id="rId2"/>
+              </a:rPr>
+              <a:t>https://store.steampowered.com/app/375820/Human_Resource_Machine/</a:t>
+            </a:r>
+            <a:endParaRPr lang="en-US" altLang="ja-JP" sz="2000" dirty="0"/>
+          </a:p>
+          <a:p>
+            <a:pPr lvl="1"/>
+            <a:r>
+              <a:rPr lang="en" altLang="ja-JP" sz="2000" dirty="0">
+                <a:hlinkClick r:id="rId3"/>
+              </a:rPr>
+              <a:t>https://store.steampowered.com/app/504210/SHENZHEN_IO/</a:t>
+            </a:r>
+            <a:endParaRPr lang="en" altLang="ja-JP" sz="2000" dirty="0"/>
           </a:p>
         </p:txBody>
       </p:sp>
@@ -20702,6 +22519,346 @@
     <p:extLst>
       <p:ext uri="{BB962C8B-B14F-4D97-AF65-F5344CB8AC3E}">
         <p14:creationId xmlns:p14="http://schemas.microsoft.com/office/powerpoint/2010/main" val="1122137185"/>
+      </p:ext>
+    </p:extLst>
+  </p:cSld>
+  <p:clrMapOvr>
+    <a:masterClrMapping/>
+  </p:clrMapOvr>
+</p:sld>
+</file>
+
+<file path=ppt/slides/slide28.xml><?xml version="1.0" encoding="utf-8"?>
+<p:sld xmlns:a="http://schemas.openxmlformats.org/drawingml/2006/main" xmlns:r="http://schemas.openxmlformats.org/officeDocument/2006/relationships" xmlns:p="http://schemas.openxmlformats.org/presentationml/2006/main" show="0">
+  <p:cSld>
+    <p:spTree>
+      <p:nvGrpSpPr>
+        <p:cNvPr id="1" name=""/>
+        <p:cNvGrpSpPr/>
+        <p:nvPr/>
+      </p:nvGrpSpPr>
+      <p:grpSpPr>
+        <a:xfrm>
+          <a:off x="0" y="0"/>
+          <a:ext cx="0" cy="0"/>
+          <a:chOff x="0" y="0"/>
+          <a:chExt cx="0" cy="0"/>
+        </a:xfrm>
+      </p:grpSpPr>
+      <p:sp useBgFill="1">
+        <p:nvSpPr>
+          <p:cNvPr id="8" name="Rectangle 7">
+            <a:extLst>
+              <a:ext uri="{FF2B5EF4-FFF2-40B4-BE49-F238E27FC236}">
+                <a16:creationId xmlns:a16="http://schemas.microsoft.com/office/drawing/2014/main" id="{E80B86A7-A1EC-475B-9166-88902B033A38}"/>
+              </a:ext>
+              <a:ext uri="{C183D7F6-B498-43B3-948B-1728B52AA6E4}">
+                <adec:decorative xmlns:adec="http://schemas.microsoft.com/office/drawing/2017/decorative" val="1"/>
+              </a:ext>
+            </a:extLst>
+          </p:cNvPr>
+          <p:cNvSpPr>
+            <a:spLocks noGrp="1" noRot="1" noChangeAspect="1" noMove="1" noResize="1" noEditPoints="1" noAdjustHandles="1" noChangeArrowheads="1" noChangeShapeType="1" noTextEdit="1"/>
+          </p:cNvSpPr>
+          <p:nvPr>
+            <p:extLst>
+              <p:ext uri="{386F3935-93C4-4BCD-93E2-E3B085C9AB24}">
+                <p16:designElem xmlns:p16="http://schemas.microsoft.com/office/powerpoint/2015/main" val="1"/>
+              </p:ext>
+            </p:extLst>
+          </p:nvPr>
+        </p:nvSpPr>
+        <p:spPr>
+          <a:xfrm>
+            <a:off x="0" y="0"/>
+            <a:ext cx="12192000" cy="6858000"/>
+          </a:xfrm>
+          <a:prstGeom prst="rect">
+            <a:avLst/>
+          </a:prstGeom>
+          <a:ln>
+            <a:noFill/>
+          </a:ln>
+        </p:spPr>
+        <p:style>
+          <a:lnRef idx="2">
+            <a:schemeClr val="accent1">
+              <a:shade val="50000"/>
+            </a:schemeClr>
+          </a:lnRef>
+          <a:fillRef idx="1">
+            <a:schemeClr val="accent1"/>
+          </a:fillRef>
+          <a:effectRef idx="0">
+            <a:schemeClr val="accent1"/>
+          </a:effectRef>
+          <a:fontRef idx="minor">
+            <a:schemeClr val="lt1"/>
+          </a:fontRef>
+        </p:style>
+        <p:txBody>
+          <a:bodyPr rtlCol="0" anchor="ctr"/>
+          <a:lstStyle/>
+          <a:p>
+            <a:pPr algn="ctr"/>
+            <a:endParaRPr lang="en-US"/>
+          </a:p>
+        </p:txBody>
+      </p:sp>
+      <p:sp>
+        <p:nvSpPr>
+          <p:cNvPr id="2" name="タイトル 1">
+            <a:extLst>
+              <a:ext uri="{FF2B5EF4-FFF2-40B4-BE49-F238E27FC236}">
+                <a16:creationId xmlns:a16="http://schemas.microsoft.com/office/drawing/2014/main" id="{496092EC-CE2D-3646-B6F9-7A25A11A8AB1}"/>
+              </a:ext>
+            </a:extLst>
+          </p:cNvPr>
+          <p:cNvSpPr>
+            <a:spLocks noGrp="1"/>
+          </p:cNvSpPr>
+          <p:nvPr>
+            <p:ph type="title"/>
+          </p:nvPr>
+        </p:nvSpPr>
+        <p:spPr>
+          <a:xfrm>
+            <a:off x="934916" y="250171"/>
+            <a:ext cx="10483361" cy="734351"/>
+          </a:xfrm>
+        </p:spPr>
+        <p:txBody>
+          <a:bodyPr>
+            <a:normAutofit/>
+          </a:bodyPr>
+          <a:lstStyle/>
+          <a:p>
+            <a:endParaRPr kumimoji="1" lang="ja-JP" altLang="en-US"/>
+          </a:p>
+        </p:txBody>
+      </p:sp>
+      <p:sp>
+        <p:nvSpPr>
+          <p:cNvPr id="10" name="Isosceles Triangle 9">
+            <a:extLst>
+              <a:ext uri="{FF2B5EF4-FFF2-40B4-BE49-F238E27FC236}">
+                <a16:creationId xmlns:a16="http://schemas.microsoft.com/office/drawing/2014/main" id="{C2C29CB1-9F74-4879-A6AF-AEA67B6F1F4D}"/>
+              </a:ext>
+              <a:ext uri="{C183D7F6-B498-43B3-948B-1728B52AA6E4}">
+                <adec:decorative xmlns:adec="http://schemas.microsoft.com/office/drawing/2017/decorative" val="1"/>
+              </a:ext>
+            </a:extLst>
+          </p:cNvPr>
+          <p:cNvSpPr>
+            <a:spLocks noGrp="1" noRot="1" noChangeAspect="1" noMove="1" noResize="1" noEditPoints="1" noAdjustHandles="1" noChangeArrowheads="1" noChangeShapeType="1" noTextEdit="1"/>
+          </p:cNvSpPr>
+          <p:nvPr>
+            <p:extLst>
+              <p:ext uri="{386F3935-93C4-4BCD-93E2-E3B085C9AB24}">
+                <p16:designElem xmlns:p16="http://schemas.microsoft.com/office/powerpoint/2015/main" val="1"/>
+              </p:ext>
+            </p:extLst>
+          </p:nvPr>
+        </p:nvSpPr>
+        <p:spPr>
+          <a:xfrm rot="10800000">
+            <a:off x="0" y="0"/>
+            <a:ext cx="842596" cy="5666154"/>
+          </a:xfrm>
+          <a:prstGeom prst="triangle">
+            <a:avLst>
+              <a:gd name="adj" fmla="val 100000"/>
+            </a:avLst>
+          </a:prstGeom>
+          <a:solidFill>
+            <a:schemeClr val="accent1">
+              <a:alpha val="85000"/>
+            </a:schemeClr>
+          </a:solidFill>
+          <a:ln>
+            <a:noFill/>
+          </a:ln>
+          <a:effectLst/>
+        </p:spPr>
+        <p:style>
+          <a:lnRef idx="1">
+            <a:schemeClr val="accent1"/>
+          </a:lnRef>
+          <a:fillRef idx="3">
+            <a:schemeClr val="accent1"/>
+          </a:fillRef>
+          <a:effectRef idx="2">
+            <a:schemeClr val="accent1"/>
+          </a:effectRef>
+          <a:fontRef idx="minor">
+            <a:schemeClr val="lt1"/>
+          </a:fontRef>
+        </p:style>
+      </p:sp>
+      <p:sp>
+        <p:nvSpPr>
+          <p:cNvPr id="3" name="コンテンツ プレースホルダー 2">
+            <a:extLst>
+              <a:ext uri="{FF2B5EF4-FFF2-40B4-BE49-F238E27FC236}">
+                <a16:creationId xmlns:a16="http://schemas.microsoft.com/office/drawing/2014/main" id="{895889A3-C76C-6645-ADD1-20D62CD552A8}"/>
+              </a:ext>
+            </a:extLst>
+          </p:cNvPr>
+          <p:cNvSpPr>
+            <a:spLocks noGrp="1"/>
+          </p:cNvSpPr>
+          <p:nvPr>
+            <p:ph idx="1"/>
+          </p:nvPr>
+        </p:nvSpPr>
+        <p:spPr>
+          <a:xfrm>
+            <a:off x="934916" y="1105512"/>
+            <a:ext cx="10483360" cy="5131165"/>
+          </a:xfrm>
+        </p:spPr>
+        <p:txBody>
+          <a:bodyPr>
+            <a:normAutofit/>
+          </a:bodyPr>
+          <a:lstStyle/>
+          <a:p>
+            <a:pPr lvl="1"/>
+            <a:endParaRPr lang="en-US" altLang="ja-JP" sz="2400" dirty="0">
+              <a:solidFill>
+                <a:schemeClr val="tx1"/>
+              </a:solidFill>
+            </a:endParaRPr>
+          </a:p>
+        </p:txBody>
+      </p:sp>
+      <p:sp>
+        <p:nvSpPr>
+          <p:cNvPr id="12" name="Isosceles Triangle 11">
+            <a:extLst>
+              <a:ext uri="{FF2B5EF4-FFF2-40B4-BE49-F238E27FC236}">
+                <a16:creationId xmlns:a16="http://schemas.microsoft.com/office/drawing/2014/main" id="{7E2C7115-5336-410C-AD71-0F0952A2E5A7}"/>
+              </a:ext>
+              <a:ext uri="{C183D7F6-B498-43B3-948B-1728B52AA6E4}">
+                <adec:decorative xmlns:adec="http://schemas.microsoft.com/office/drawing/2017/decorative" val="1"/>
+              </a:ext>
+            </a:extLst>
+          </p:cNvPr>
+          <p:cNvSpPr>
+            <a:spLocks noGrp="1" noRot="1" noChangeAspect="1" noMove="1" noResize="1" noEditPoints="1" noAdjustHandles="1" noChangeArrowheads="1" noChangeShapeType="1" noTextEdit="1"/>
+          </p:cNvSpPr>
+          <p:nvPr>
+            <p:extLst>
+              <p:ext uri="{386F3935-93C4-4BCD-93E2-E3B085C9AB24}">
+                <p16:designElem xmlns:p16="http://schemas.microsoft.com/office/powerpoint/2015/main" val="1"/>
+              </p:ext>
+            </p:extLst>
+          </p:nvPr>
+        </p:nvSpPr>
+        <p:spPr>
+          <a:xfrm flipH="1">
+            <a:off x="11743267" y="4013200"/>
+            <a:ext cx="448733" cy="2844800"/>
+          </a:xfrm>
+          <a:prstGeom prst="triangle">
+            <a:avLst>
+              <a:gd name="adj" fmla="val 0"/>
+            </a:avLst>
+          </a:prstGeom>
+          <a:solidFill>
+            <a:schemeClr val="accent1">
+              <a:alpha val="85000"/>
+            </a:schemeClr>
+          </a:solidFill>
+          <a:ln>
+            <a:noFill/>
+          </a:ln>
+          <a:effectLst/>
+        </p:spPr>
+        <p:style>
+          <a:lnRef idx="1">
+            <a:schemeClr val="accent1"/>
+          </a:lnRef>
+          <a:fillRef idx="3">
+            <a:schemeClr val="accent1"/>
+          </a:fillRef>
+          <a:effectRef idx="2">
+            <a:schemeClr val="accent1"/>
+          </a:effectRef>
+          <a:fontRef idx="minor">
+            <a:schemeClr val="lt1"/>
+          </a:fontRef>
+        </p:style>
+      </p:sp>
+      <p:sp>
+        <p:nvSpPr>
+          <p:cNvPr id="5" name="フッター プレースホルダー 4">
+            <a:extLst>
+              <a:ext uri="{FF2B5EF4-FFF2-40B4-BE49-F238E27FC236}">
+                <a16:creationId xmlns:a16="http://schemas.microsoft.com/office/drawing/2014/main" id="{8E4D7842-912C-BC4F-B9F2-1C85D4C499E1}"/>
+              </a:ext>
+            </a:extLst>
+          </p:cNvPr>
+          <p:cNvSpPr>
+            <a:spLocks noGrp="1"/>
+          </p:cNvSpPr>
+          <p:nvPr>
+            <p:ph type="ftr" sz="quarter" idx="11"/>
+          </p:nvPr>
+        </p:nvSpPr>
+        <p:spPr>
+          <a:xfrm>
+            <a:off x="934916" y="6339908"/>
+            <a:ext cx="6297612" cy="365125"/>
+          </a:xfrm>
+        </p:spPr>
+        <p:txBody>
+          <a:bodyPr/>
+          <a:lstStyle/>
+          <a:p>
+            <a:endParaRPr lang="en-US" dirty="0"/>
+          </a:p>
+        </p:txBody>
+      </p:sp>
+      <p:sp>
+        <p:nvSpPr>
+          <p:cNvPr id="6" name="スライド番号プレースホルダー 5">
+            <a:extLst>
+              <a:ext uri="{FF2B5EF4-FFF2-40B4-BE49-F238E27FC236}">
+                <a16:creationId xmlns:a16="http://schemas.microsoft.com/office/drawing/2014/main" id="{DAD4D62B-20DB-E349-8838-74BF5AE2CE82}"/>
+              </a:ext>
+            </a:extLst>
+          </p:cNvPr>
+          <p:cNvSpPr>
+            <a:spLocks noGrp="1"/>
+          </p:cNvSpPr>
+          <p:nvPr>
+            <p:ph type="sldNum" sz="quarter" idx="12"/>
+          </p:nvPr>
+        </p:nvSpPr>
+        <p:spPr>
+          <a:xfrm>
+            <a:off x="10708763" y="6311049"/>
+            <a:ext cx="683339" cy="365125"/>
+          </a:xfrm>
+        </p:spPr>
+        <p:txBody>
+          <a:bodyPr/>
+          <a:lstStyle/>
+          <a:p>
+            <a:fld id="{D57F1E4F-1CFF-5643-939E-217C01CDF565}" type="slidenum">
+              <a:rPr lang="en-US" smtClean="0"/>
+              <a:pPr/>
+              <a:t>28</a:t>
+            </a:fld>
+            <a:endParaRPr lang="en-US" dirty="0"/>
+          </a:p>
+        </p:txBody>
+      </p:sp>
+    </p:spTree>
+    <p:extLst>
+      <p:ext uri="{BB962C8B-B14F-4D97-AF65-F5344CB8AC3E}">
+        <p14:creationId xmlns:p14="http://schemas.microsoft.com/office/powerpoint/2010/main" val="868042944"/>
       </p:ext>
     </p:extLst>
   </p:cSld>
@@ -24171,7 +26328,7 @@
             <a:pPr lvl="1"/>
             <a:r>
               <a:rPr lang="ja-JP" altLang="en-US" sz="2000"/>
-              <a:t>関節アドレッシング</a:t>
+              <a:t>間接アドレッシング</a:t>
             </a:r>
             <a:r>
               <a:rPr lang="en-US" altLang="ja-JP" sz="2000" dirty="0"/>
